--- a/Heart Failure Predictions Presentation.pptx
+++ b/Heart Failure Predictions Presentation.pptx
@@ -119,6 +119,11 @@
       </a:defRPr>
     </a:lvl9pPr>
   </p:defaultTextStyle>
+  <p:extLst>
+    <p:ext uri="{EFAFB233-063F-42B5-8137-9DF3F51BA10A}">
+      <p15:sldGuideLst xmlns:p15="http://schemas.microsoft.com/office/powerpoint/2012/main"/>
+    </p:ext>
+  </p:extLst>
 </p:presentation>
 </file>
 
@@ -132,20 +137,6 @@
     </p:extLst>
   </p:cmAuthor>
 </p:cmAuthorLst>
-</file>
-
-<file path=ppt/comments/comment1.xml><?xml version="1.0" encoding="utf-8"?>
-<p:cmLst xmlns:a="http://schemas.openxmlformats.org/drawingml/2006/main" xmlns:r="http://schemas.openxmlformats.org/officeDocument/2006/relationships" xmlns:p="http://schemas.openxmlformats.org/presentationml/2006/main">
-  <p:cm authorId="1" dt="2020-09-25T16:30:45.091" idx="1">
-    <p:pos x="1012" y="1321"/>
-    <p:text/>
-    <p:extLst>
-      <p:ext uri="{C676402C-5697-4E1C-873F-D02D1690AC5C}">
-        <p15:threadingInfo xmlns:p15="http://schemas.microsoft.com/office/powerpoint/2012/main" timeZoneBias="300"/>
-      </p:ext>
-    </p:extLst>
-  </p:cm>
-</p:cmLst>
 </file>
 
 <file path=ppt/notesMasters/notesMaster1.xml><?xml version="1.0" encoding="utf-8"?>
@@ -568,66 +559,7 @@
                 <a:ea typeface="+mn-ea"/>
                 <a:cs typeface="+mn-cs"/>
               </a:rPr>
-              <a:t>This dataset includes features that are factors in determining the risk for CVD. It is the number 1 cause of death globally, taking an estimated 17.9 million lives each year, which accounts for 31% of all deaths worldwide. Heart failure is a common event caused by CVDs and this dataset contains 12 features that can be used to predict mortality by heart failure. Most cardiovascular diseases can be prevented by addressing behavioral risk factors such as tobacco use, unhealthy diet and obesity, physical inactivity and harmful use of alcohol using population-wide strategies. People with cardiovascular disease or who are at high cardiovascular risk (due to the presence of one or more risk factors such as hypertension, diabetes, hyperlipidemia or already established disease) need early detection and management where a machine learning model can be of great help.</a:t>
-            </a:r>
-          </a:p>
-          <a:p>
-            <a:pPr marL="0" marR="0" lvl="0" indent="0" algn="l" defTabSz="914400" rtl="0" eaLnBrk="1" fontAlgn="auto" latinLnBrk="0" hangingPunct="1">
-              <a:lnSpc>
-                <a:spcPct val="100000"/>
-              </a:lnSpc>
-              <a:spcBef>
-                <a:spcPts val="0"/>
-              </a:spcBef>
-              <a:spcAft>
-                <a:spcPts val="0"/>
-              </a:spcAft>
-              <a:buClrTx/>
-              <a:buSzTx/>
-              <a:buFontTx/>
-              <a:buNone/>
-              <a:tabLst/>
-              <a:defRPr/>
-            </a:pPr>
-            <a:endParaRPr lang="en-US" sz="1200" kern="1200" dirty="0">
-              <a:solidFill>
-                <a:schemeClr val="tx1"/>
-              </a:solidFill>
-              <a:effectLst/>
-              <a:latin typeface="+mn-lt"/>
-              <a:ea typeface="+mn-ea"/>
-              <a:cs typeface="+mn-cs"/>
-            </a:endParaRPr>
-          </a:p>
-          <a:p>
-            <a:pPr marL="0" marR="0" lvl="0" indent="0" algn="l" defTabSz="914400" rtl="0" eaLnBrk="1" fontAlgn="auto" latinLnBrk="0" hangingPunct="1">
-              <a:lnSpc>
-                <a:spcPct val="100000"/>
-              </a:lnSpc>
-              <a:spcBef>
-                <a:spcPts val="0"/>
-              </a:spcBef>
-              <a:spcAft>
-                <a:spcPts val="0"/>
-              </a:spcAft>
-              <a:buClrTx/>
-              <a:buSzTx/>
-              <a:buFontTx/>
-              <a:buNone/>
-              <a:tabLst/>
-              <a:defRPr/>
-            </a:pPr>
-            <a:r>
-              <a:rPr lang="en-US" sz="1200" kern="1200" dirty="0">
-                <a:solidFill>
-                  <a:schemeClr val="tx1"/>
-                </a:solidFill>
-                <a:effectLst/>
-                <a:latin typeface="+mn-lt"/>
-                <a:ea typeface="+mn-ea"/>
-                <a:cs typeface="+mn-cs"/>
-              </a:rPr>
-              <a:t>My hypothesis is that high blood pressure is the variable that contributes the most to death events in patients. I want to see if I can predict based on the variables given the risk of a patient dying of heart disease. I plan to use model fitting for multiple models and compare the results to determine the best fitting model for this data.</a:t>
+              <a:t>The dataset we are using includes features that are factors in determining the risk for CVD. It is the number 1 cause of death globally, taking an estimated 17.9 million lives each year, which accounts for 31% of all deaths worldwide. Heart failure is a common event caused by CVDs and this dataset contains 12 features that can be used to predict mortality by heart failure. Most cardiovascular diseases can be prevented by addressing behavioral risk factors such as tobacco use, unhealthy diet and obesity, physical inactivity and harmful use of alcohol using population-wide strategies. People with cardiovascular disease or who are at high cardiovascular risk (due to the presence of one or more risk factors such as hypertension, diabetes, hyperlipidemia or already established disease) need early detection and management where a machine learning model can be of great help.</a:t>
             </a:r>
           </a:p>
           <a:p>
@@ -652,7 +584,7 @@
           <a:p>
             <a:fld id="{3EACAF79-C3D2-41BC-A30A-2EE193489C00}" type="slidenum">
               <a:rPr lang="en-US" smtClean="0"/>
-              <a:t>2</a:t>
+              <a:t>1</a:t>
             </a:fld>
             <a:endParaRPr lang="en-US"/>
           </a:p>
@@ -661,7 +593,7 @@
     </p:spTree>
     <p:extLst>
       <p:ext uri="{BB962C8B-B14F-4D97-AF65-F5344CB8AC3E}">
-        <p14:creationId xmlns:p14="http://schemas.microsoft.com/office/powerpoint/2010/main" val="344907940"/>
+        <p14:creationId xmlns:p14="http://schemas.microsoft.com/office/powerpoint/2010/main" val="1729176492"/>
       </p:ext>
     </p:extLst>
   </p:cSld>
@@ -672,1145 +604,6 @@
 </file>
 
 <file path=ppt/notesSlides/notesSlide10.xml><?xml version="1.0" encoding="utf-8"?>
-<p:notes xmlns:a="http://schemas.openxmlformats.org/drawingml/2006/main" xmlns:r="http://schemas.openxmlformats.org/officeDocument/2006/relationships" xmlns:p="http://schemas.openxmlformats.org/presentationml/2006/main">
-  <p:cSld>
-    <p:spTree>
-      <p:nvGrpSpPr>
-        <p:cNvPr id="1" name=""/>
-        <p:cNvGrpSpPr/>
-        <p:nvPr/>
-      </p:nvGrpSpPr>
-      <p:grpSpPr>
-        <a:xfrm>
-          <a:off x="0" y="0"/>
-          <a:ext cx="0" cy="0"/>
-          <a:chOff x="0" y="0"/>
-          <a:chExt cx="0" cy="0"/>
-        </a:xfrm>
-      </p:grpSpPr>
-      <p:sp>
-        <p:nvSpPr>
-          <p:cNvPr id="2" name="Slide Image Placeholder 1"/>
-          <p:cNvSpPr>
-            <a:spLocks noGrp="1" noRot="1" noChangeAspect="1"/>
-          </p:cNvSpPr>
-          <p:nvPr>
-            <p:ph type="sldImg"/>
-          </p:nvPr>
-        </p:nvSpPr>
-        <p:spPr/>
-      </p:sp>
-      <p:sp>
-        <p:nvSpPr>
-          <p:cNvPr id="3" name="Notes Placeholder 2"/>
-          <p:cNvSpPr>
-            <a:spLocks noGrp="1"/>
-          </p:cNvSpPr>
-          <p:nvPr>
-            <p:ph type="body" idx="1"/>
-          </p:nvPr>
-        </p:nvSpPr>
-        <p:spPr/>
-        <p:txBody>
-          <a:bodyPr/>
-          <a:lstStyle/>
-          <a:p>
-            <a:pPr marL="0" marR="0" lvl="0" indent="0" algn="l" defTabSz="914400" rtl="0" eaLnBrk="1" fontAlgn="auto" latinLnBrk="0" hangingPunct="1">
-              <a:lnSpc>
-                <a:spcPct val="100000"/>
-              </a:lnSpc>
-              <a:spcBef>
-                <a:spcPts val="0"/>
-              </a:spcBef>
-              <a:spcAft>
-                <a:spcPts val="0"/>
-              </a:spcAft>
-              <a:buClrTx/>
-              <a:buSzTx/>
-              <a:buFontTx/>
-              <a:buNone/>
-              <a:tabLst/>
-              <a:defRPr/>
-            </a:pPr>
-            <a:r>
-              <a:rPr lang="en-US" sz="1200" kern="1200" dirty="0">
-                <a:solidFill>
-                  <a:schemeClr val="tx1"/>
-                </a:solidFill>
-                <a:effectLst/>
-                <a:latin typeface="+mn-lt"/>
-                <a:ea typeface="+mn-ea"/>
-                <a:cs typeface="+mn-cs"/>
-              </a:rPr>
-              <a:t>After removing outliers, we can create our training and test sets. Since this is a classification and a regression problem, we can predict an output based off other independent features, additionally as this is a supervised problem as we will have a training dataset to train our model against. Here are the models I will be using as they all can be used similarly to one another for this project. </a:t>
-            </a:r>
-          </a:p>
-          <a:p>
-            <a:endParaRPr lang="en-US" dirty="0"/>
-          </a:p>
-        </p:txBody>
-      </p:sp>
-      <p:sp>
-        <p:nvSpPr>
-          <p:cNvPr id="4" name="Slide Number Placeholder 3"/>
-          <p:cNvSpPr>
-            <a:spLocks noGrp="1"/>
-          </p:cNvSpPr>
-          <p:nvPr>
-            <p:ph type="sldNum" sz="quarter" idx="5"/>
-          </p:nvPr>
-        </p:nvSpPr>
-        <p:spPr/>
-        <p:txBody>
-          <a:bodyPr/>
-          <a:lstStyle/>
-          <a:p>
-            <a:fld id="{3EACAF79-C3D2-41BC-A30A-2EE193489C00}" type="slidenum">
-              <a:rPr lang="en-US" smtClean="0"/>
-              <a:t>11</a:t>
-            </a:fld>
-            <a:endParaRPr lang="en-US"/>
-          </a:p>
-        </p:txBody>
-      </p:sp>
-    </p:spTree>
-    <p:extLst>
-      <p:ext uri="{BB962C8B-B14F-4D97-AF65-F5344CB8AC3E}">
-        <p14:creationId xmlns:p14="http://schemas.microsoft.com/office/powerpoint/2010/main" val="3551400767"/>
-      </p:ext>
-    </p:extLst>
-  </p:cSld>
-  <p:clrMapOvr>
-    <a:masterClrMapping/>
-  </p:clrMapOvr>
-</p:notes>
-</file>
-
-<file path=ppt/notesSlides/notesSlide11.xml><?xml version="1.0" encoding="utf-8"?>
-<p:notes xmlns:a="http://schemas.openxmlformats.org/drawingml/2006/main" xmlns:r="http://schemas.openxmlformats.org/officeDocument/2006/relationships" xmlns:p="http://schemas.openxmlformats.org/presentationml/2006/main">
-  <p:cSld>
-    <p:spTree>
-      <p:nvGrpSpPr>
-        <p:cNvPr id="1" name=""/>
-        <p:cNvGrpSpPr/>
-        <p:nvPr/>
-      </p:nvGrpSpPr>
-      <p:grpSpPr>
-        <a:xfrm>
-          <a:off x="0" y="0"/>
-          <a:ext cx="0" cy="0"/>
-          <a:chOff x="0" y="0"/>
-          <a:chExt cx="0" cy="0"/>
-        </a:xfrm>
-      </p:grpSpPr>
-      <p:sp>
-        <p:nvSpPr>
-          <p:cNvPr id="2" name="Slide Image Placeholder 1"/>
-          <p:cNvSpPr>
-            <a:spLocks noGrp="1" noRot="1" noChangeAspect="1"/>
-          </p:cNvSpPr>
-          <p:nvPr>
-            <p:ph type="sldImg"/>
-          </p:nvPr>
-        </p:nvSpPr>
-        <p:spPr/>
-      </p:sp>
-      <p:sp>
-        <p:nvSpPr>
-          <p:cNvPr id="3" name="Notes Placeholder 2"/>
-          <p:cNvSpPr>
-            <a:spLocks noGrp="1"/>
-          </p:cNvSpPr>
-          <p:nvPr>
-            <p:ph type="body" idx="1"/>
-          </p:nvPr>
-        </p:nvSpPr>
-        <p:spPr/>
-        <p:txBody>
-          <a:bodyPr/>
-          <a:lstStyle/>
-          <a:p>
-            <a:r>
-              <a:rPr lang="en-US" dirty="0"/>
-              <a:t>Most of the models can be used similarly to the ones shown here making the use of multiple models to compare against an easier task. </a:t>
-            </a:r>
-          </a:p>
-        </p:txBody>
-      </p:sp>
-      <p:sp>
-        <p:nvSpPr>
-          <p:cNvPr id="4" name="Slide Number Placeholder 3"/>
-          <p:cNvSpPr>
-            <a:spLocks noGrp="1"/>
-          </p:cNvSpPr>
-          <p:nvPr>
-            <p:ph type="sldNum" sz="quarter" idx="5"/>
-          </p:nvPr>
-        </p:nvSpPr>
-        <p:spPr/>
-        <p:txBody>
-          <a:bodyPr/>
-          <a:lstStyle/>
-          <a:p>
-            <a:fld id="{3EACAF79-C3D2-41BC-A30A-2EE193489C00}" type="slidenum">
-              <a:rPr lang="en-US" smtClean="0"/>
-              <a:t>12</a:t>
-            </a:fld>
-            <a:endParaRPr lang="en-US"/>
-          </a:p>
-        </p:txBody>
-      </p:sp>
-    </p:spTree>
-    <p:extLst>
-      <p:ext uri="{BB962C8B-B14F-4D97-AF65-F5344CB8AC3E}">
-        <p14:creationId xmlns:p14="http://schemas.microsoft.com/office/powerpoint/2010/main" val="2120569305"/>
-      </p:ext>
-    </p:extLst>
-  </p:cSld>
-  <p:clrMapOvr>
-    <a:masterClrMapping/>
-  </p:clrMapOvr>
-</p:notes>
-</file>
-
-<file path=ppt/notesSlides/notesSlide12.xml><?xml version="1.0" encoding="utf-8"?>
-<p:notes xmlns:a="http://schemas.openxmlformats.org/drawingml/2006/main" xmlns:r="http://schemas.openxmlformats.org/officeDocument/2006/relationships" xmlns:p="http://schemas.openxmlformats.org/presentationml/2006/main">
-  <p:cSld>
-    <p:spTree>
-      <p:nvGrpSpPr>
-        <p:cNvPr id="1" name=""/>
-        <p:cNvGrpSpPr/>
-        <p:nvPr/>
-      </p:nvGrpSpPr>
-      <p:grpSpPr>
-        <a:xfrm>
-          <a:off x="0" y="0"/>
-          <a:ext cx="0" cy="0"/>
-          <a:chOff x="0" y="0"/>
-          <a:chExt cx="0" cy="0"/>
-        </a:xfrm>
-      </p:grpSpPr>
-      <p:sp>
-        <p:nvSpPr>
-          <p:cNvPr id="2" name="Slide Image Placeholder 1"/>
-          <p:cNvSpPr>
-            <a:spLocks noGrp="1" noRot="1" noChangeAspect="1"/>
-          </p:cNvSpPr>
-          <p:nvPr>
-            <p:ph type="sldImg"/>
-          </p:nvPr>
-        </p:nvSpPr>
-        <p:spPr/>
-      </p:sp>
-      <p:sp>
-        <p:nvSpPr>
-          <p:cNvPr id="3" name="Notes Placeholder 2"/>
-          <p:cNvSpPr>
-            <a:spLocks noGrp="1"/>
-          </p:cNvSpPr>
-          <p:nvPr>
-            <p:ph type="body" idx="1"/>
-          </p:nvPr>
-        </p:nvSpPr>
-        <p:spPr/>
-        <p:txBody>
-          <a:bodyPr/>
-          <a:lstStyle/>
-          <a:p>
-            <a:pPr marL="0" marR="0" lvl="0" indent="0" algn="l" defTabSz="914400" rtl="0" eaLnBrk="1" fontAlgn="auto" latinLnBrk="0" hangingPunct="1">
-              <a:lnSpc>
-                <a:spcPct val="100000"/>
-              </a:lnSpc>
-              <a:spcBef>
-                <a:spcPts val="0"/>
-              </a:spcBef>
-              <a:spcAft>
-                <a:spcPts val="0"/>
-              </a:spcAft>
-              <a:buClrTx/>
-              <a:buSzTx/>
-              <a:buFontTx/>
-              <a:buNone/>
-              <a:tabLst/>
-              <a:defRPr/>
-            </a:pPr>
-            <a:r>
-              <a:rPr lang="en-US" sz="1200" kern="1200" dirty="0">
-                <a:solidFill>
-                  <a:schemeClr val="tx1"/>
-                </a:solidFill>
-                <a:effectLst/>
-                <a:latin typeface="+mn-lt"/>
-                <a:ea typeface="+mn-ea"/>
-                <a:cs typeface="+mn-cs"/>
-              </a:rPr>
-              <a:t>Based on our results it would seem that the Linear SVC model produces our best results of 78.3% accuracy on the test set with the best model under the training set being the Random Forest with 94% accuracy. I think for this project there is clear room for improvement if we can adjust hyperparameters using cross-validation I’m unsure how to do this yet, however. </a:t>
-            </a:r>
-            <a:r>
-              <a:rPr lang="en-US" sz="1200" kern="1200">
-                <a:solidFill>
-                  <a:schemeClr val="tx1"/>
-                </a:solidFill>
-                <a:effectLst/>
-                <a:latin typeface="+mn-lt"/>
-                <a:ea typeface="+mn-ea"/>
-                <a:cs typeface="+mn-cs"/>
-              </a:rPr>
-              <a:t>I think we got some interesting results and while my methods could be more efficient, I think we got decent scores and was a fun project to work on. </a:t>
-            </a:r>
-          </a:p>
-          <a:p>
-            <a:endParaRPr lang="en-US" dirty="0"/>
-          </a:p>
-        </p:txBody>
-      </p:sp>
-      <p:sp>
-        <p:nvSpPr>
-          <p:cNvPr id="4" name="Slide Number Placeholder 3"/>
-          <p:cNvSpPr>
-            <a:spLocks noGrp="1"/>
-          </p:cNvSpPr>
-          <p:nvPr>
-            <p:ph type="sldNum" sz="quarter" idx="5"/>
-          </p:nvPr>
-        </p:nvSpPr>
-        <p:spPr/>
-        <p:txBody>
-          <a:bodyPr/>
-          <a:lstStyle/>
-          <a:p>
-            <a:fld id="{3EACAF79-C3D2-41BC-A30A-2EE193489C00}" type="slidenum">
-              <a:rPr lang="en-US" smtClean="0"/>
-              <a:t>13</a:t>
-            </a:fld>
-            <a:endParaRPr lang="en-US"/>
-          </a:p>
-        </p:txBody>
-      </p:sp>
-    </p:spTree>
-    <p:extLst>
-      <p:ext uri="{BB962C8B-B14F-4D97-AF65-F5344CB8AC3E}">
-        <p14:creationId xmlns:p14="http://schemas.microsoft.com/office/powerpoint/2010/main" val="2913231932"/>
-      </p:ext>
-    </p:extLst>
-  </p:cSld>
-  <p:clrMapOvr>
-    <a:masterClrMapping/>
-  </p:clrMapOvr>
-</p:notes>
-</file>
-
-<file path=ppt/notesSlides/notesSlide2.xml><?xml version="1.0" encoding="utf-8"?>
-<p:notes xmlns:a="http://schemas.openxmlformats.org/drawingml/2006/main" xmlns:r="http://schemas.openxmlformats.org/officeDocument/2006/relationships" xmlns:p="http://schemas.openxmlformats.org/presentationml/2006/main">
-  <p:cSld>
-    <p:spTree>
-      <p:nvGrpSpPr>
-        <p:cNvPr id="1" name=""/>
-        <p:cNvGrpSpPr/>
-        <p:nvPr/>
-      </p:nvGrpSpPr>
-      <p:grpSpPr>
-        <a:xfrm>
-          <a:off x="0" y="0"/>
-          <a:ext cx="0" cy="0"/>
-          <a:chOff x="0" y="0"/>
-          <a:chExt cx="0" cy="0"/>
-        </a:xfrm>
-      </p:grpSpPr>
-      <p:sp>
-        <p:nvSpPr>
-          <p:cNvPr id="2" name="Slide Image Placeholder 1"/>
-          <p:cNvSpPr>
-            <a:spLocks noGrp="1" noRot="1" noChangeAspect="1"/>
-          </p:cNvSpPr>
-          <p:nvPr>
-            <p:ph type="sldImg"/>
-          </p:nvPr>
-        </p:nvSpPr>
-        <p:spPr/>
-      </p:sp>
-      <p:sp>
-        <p:nvSpPr>
-          <p:cNvPr id="3" name="Notes Placeholder 2"/>
-          <p:cNvSpPr>
-            <a:spLocks noGrp="1"/>
-          </p:cNvSpPr>
-          <p:nvPr>
-            <p:ph type="body" idx="1"/>
-          </p:nvPr>
-        </p:nvSpPr>
-        <p:spPr/>
-        <p:txBody>
-          <a:bodyPr/>
-          <a:lstStyle/>
-          <a:p>
-            <a:r>
-              <a:rPr lang="en-US" dirty="0"/>
-              <a:t>Using seaborn I used a heatmap to discover any missing values. A heatmap makes it easy to visualize the missing values in our dataset. </a:t>
-            </a:r>
-          </a:p>
-          <a:p>
-            <a:endParaRPr lang="en-US" dirty="0"/>
-          </a:p>
-          <a:p>
-            <a:endParaRPr lang="en-US" dirty="0"/>
-          </a:p>
-        </p:txBody>
-      </p:sp>
-      <p:sp>
-        <p:nvSpPr>
-          <p:cNvPr id="4" name="Slide Number Placeholder 3"/>
-          <p:cNvSpPr>
-            <a:spLocks noGrp="1"/>
-          </p:cNvSpPr>
-          <p:nvPr>
-            <p:ph type="sldNum" sz="quarter" idx="5"/>
-          </p:nvPr>
-        </p:nvSpPr>
-        <p:spPr/>
-        <p:txBody>
-          <a:bodyPr/>
-          <a:lstStyle/>
-          <a:p>
-            <a:fld id="{3EACAF79-C3D2-41BC-A30A-2EE193489C00}" type="slidenum">
-              <a:rPr lang="en-US" smtClean="0"/>
-              <a:t>3</a:t>
-            </a:fld>
-            <a:endParaRPr lang="en-US"/>
-          </a:p>
-        </p:txBody>
-      </p:sp>
-    </p:spTree>
-    <p:extLst>
-      <p:ext uri="{BB962C8B-B14F-4D97-AF65-F5344CB8AC3E}">
-        <p14:creationId xmlns:p14="http://schemas.microsoft.com/office/powerpoint/2010/main" val="3676241449"/>
-      </p:ext>
-    </p:extLst>
-  </p:cSld>
-  <p:clrMapOvr>
-    <a:masterClrMapping/>
-  </p:clrMapOvr>
-</p:notes>
-</file>
-
-<file path=ppt/notesSlides/notesSlide3.xml><?xml version="1.0" encoding="utf-8"?>
-<p:notes xmlns:a="http://schemas.openxmlformats.org/drawingml/2006/main" xmlns:r="http://schemas.openxmlformats.org/officeDocument/2006/relationships" xmlns:p="http://schemas.openxmlformats.org/presentationml/2006/main">
-  <p:cSld>
-    <p:spTree>
-      <p:nvGrpSpPr>
-        <p:cNvPr id="1" name=""/>
-        <p:cNvGrpSpPr/>
-        <p:nvPr/>
-      </p:nvGrpSpPr>
-      <p:grpSpPr>
-        <a:xfrm>
-          <a:off x="0" y="0"/>
-          <a:ext cx="0" cy="0"/>
-          <a:chOff x="0" y="0"/>
-          <a:chExt cx="0" cy="0"/>
-        </a:xfrm>
-      </p:grpSpPr>
-      <p:sp>
-        <p:nvSpPr>
-          <p:cNvPr id="2" name="Slide Image Placeholder 1"/>
-          <p:cNvSpPr>
-            <a:spLocks noGrp="1" noRot="1" noChangeAspect="1"/>
-          </p:cNvSpPr>
-          <p:nvPr>
-            <p:ph type="sldImg"/>
-          </p:nvPr>
-        </p:nvSpPr>
-        <p:spPr/>
-      </p:sp>
-      <p:sp>
-        <p:nvSpPr>
-          <p:cNvPr id="3" name="Notes Placeholder 2"/>
-          <p:cNvSpPr>
-            <a:spLocks noGrp="1"/>
-          </p:cNvSpPr>
-          <p:nvPr>
-            <p:ph type="body" idx="1"/>
-          </p:nvPr>
-        </p:nvSpPr>
-        <p:spPr/>
-        <p:txBody>
-          <a:bodyPr/>
-          <a:lstStyle/>
-          <a:p>
-            <a:pPr marL="0" marR="0" lvl="0" indent="0" algn="l" defTabSz="914400" rtl="0" eaLnBrk="1" fontAlgn="auto" latinLnBrk="0" hangingPunct="1">
-              <a:lnSpc>
-                <a:spcPct val="100000"/>
-              </a:lnSpc>
-              <a:spcBef>
-                <a:spcPts val="0"/>
-              </a:spcBef>
-              <a:spcAft>
-                <a:spcPts val="0"/>
-              </a:spcAft>
-              <a:buClrTx/>
-              <a:buSzTx/>
-              <a:buFontTx/>
-              <a:buNone/>
-              <a:tabLst/>
-              <a:defRPr/>
-            </a:pPr>
-            <a:r>
-              <a:rPr lang="en-US" sz="1200" kern="1200" dirty="0">
-                <a:solidFill>
-                  <a:schemeClr val="tx1"/>
-                </a:solidFill>
-                <a:effectLst/>
-                <a:latin typeface="+mn-lt"/>
-                <a:ea typeface="+mn-ea"/>
-                <a:cs typeface="+mn-cs"/>
-              </a:rPr>
-              <a:t>We can see that the majority of patients are around 50-65 with around one third of them above 65. When looking at CPK we can confirm the outliers based on this histogram as well as the other features, ejection fraction, serum sodium, platelet counts and creatinine. Most of the patients CPK values are below 1,000. Platelets were between 150k-400k. Serum Creatinine values were below 2 for 75% of patients. Sodium values were between 132-142. Ejection Fraction was varied as some patients were low at around 15% or high at 55% when excluding outliers.</a:t>
-            </a:r>
-          </a:p>
-          <a:p>
-            <a:endParaRPr lang="en-US" dirty="0"/>
-          </a:p>
-        </p:txBody>
-      </p:sp>
-      <p:sp>
-        <p:nvSpPr>
-          <p:cNvPr id="4" name="Slide Number Placeholder 3"/>
-          <p:cNvSpPr>
-            <a:spLocks noGrp="1"/>
-          </p:cNvSpPr>
-          <p:nvPr>
-            <p:ph type="sldNum" sz="quarter" idx="5"/>
-          </p:nvPr>
-        </p:nvSpPr>
-        <p:spPr/>
-        <p:txBody>
-          <a:bodyPr/>
-          <a:lstStyle/>
-          <a:p>
-            <a:fld id="{3EACAF79-C3D2-41BC-A30A-2EE193489C00}" type="slidenum">
-              <a:rPr lang="en-US" smtClean="0"/>
-              <a:t>4</a:t>
-            </a:fld>
-            <a:endParaRPr lang="en-US"/>
-          </a:p>
-        </p:txBody>
-      </p:sp>
-    </p:spTree>
-    <p:extLst>
-      <p:ext uri="{BB962C8B-B14F-4D97-AF65-F5344CB8AC3E}">
-        <p14:creationId xmlns:p14="http://schemas.microsoft.com/office/powerpoint/2010/main" val="3334048677"/>
-      </p:ext>
-    </p:extLst>
-  </p:cSld>
-  <p:clrMapOvr>
-    <a:masterClrMapping/>
-  </p:clrMapOvr>
-</p:notes>
-</file>
-
-<file path=ppt/notesSlides/notesSlide4.xml><?xml version="1.0" encoding="utf-8"?>
-<p:notes xmlns:a="http://schemas.openxmlformats.org/drawingml/2006/main" xmlns:r="http://schemas.openxmlformats.org/officeDocument/2006/relationships" xmlns:p="http://schemas.openxmlformats.org/presentationml/2006/main">
-  <p:cSld>
-    <p:spTree>
-      <p:nvGrpSpPr>
-        <p:cNvPr id="1" name=""/>
-        <p:cNvGrpSpPr/>
-        <p:nvPr/>
-      </p:nvGrpSpPr>
-      <p:grpSpPr>
-        <a:xfrm>
-          <a:off x="0" y="0"/>
-          <a:ext cx="0" cy="0"/>
-          <a:chOff x="0" y="0"/>
-          <a:chExt cx="0" cy="0"/>
-        </a:xfrm>
-      </p:grpSpPr>
-      <p:sp>
-        <p:nvSpPr>
-          <p:cNvPr id="2" name="Slide Image Placeholder 1"/>
-          <p:cNvSpPr>
-            <a:spLocks noGrp="1" noRot="1" noChangeAspect="1"/>
-          </p:cNvSpPr>
-          <p:nvPr>
-            <p:ph type="sldImg"/>
-          </p:nvPr>
-        </p:nvSpPr>
-        <p:spPr/>
-      </p:sp>
-      <p:sp>
-        <p:nvSpPr>
-          <p:cNvPr id="3" name="Notes Placeholder 2"/>
-          <p:cNvSpPr>
-            <a:spLocks noGrp="1"/>
-          </p:cNvSpPr>
-          <p:nvPr>
-            <p:ph type="body" idx="1"/>
-          </p:nvPr>
-        </p:nvSpPr>
-        <p:spPr/>
-        <p:txBody>
-          <a:bodyPr/>
-          <a:lstStyle/>
-          <a:p>
-            <a:r>
-              <a:rPr lang="en-US" sz="1200" kern="1200" dirty="0">
-                <a:solidFill>
-                  <a:schemeClr val="tx1"/>
-                </a:solidFill>
-                <a:effectLst/>
-                <a:latin typeface="+mn-lt"/>
-                <a:ea typeface="+mn-ea"/>
-                <a:cs typeface="+mn-cs"/>
-              </a:rPr>
-              <a:t>Next, we can see the distributions of the categorical variables. I looked at anemia, diabetes, high blood pressure, sex and smoking as they were binary so it would be easy to spot some differences and gain some insight. The majority of patients were male about 65% with 1 being Male. About a third of patients suffered from high blood pressure, smoking or both at once. Around 40% of patients had diabetes, anemia or both as well.</a:t>
-            </a:r>
-            <a:endParaRPr lang="en-US" dirty="0"/>
-          </a:p>
-          <a:p>
-            <a:endParaRPr lang="en-US" dirty="0"/>
-          </a:p>
-          <a:p>
-            <a:r>
-              <a:rPr lang="en-US" dirty="0"/>
-              <a:t>Based on our analysis so far, we can make some basic assumptions before we continue </a:t>
-            </a:r>
-            <a:br>
-              <a:rPr lang="en-US" dirty="0"/>
-            </a:br>
-            <a:br>
-              <a:rPr lang="en-US" dirty="0"/>
-            </a:br>
-            <a:r>
-              <a:rPr lang="en-US" sz="1200" b="0" i="0" kern="1200" dirty="0">
-                <a:solidFill>
-                  <a:schemeClr val="tx1"/>
-                </a:solidFill>
-                <a:effectLst/>
-                <a:latin typeface="+mn-lt"/>
-                <a:ea typeface="+mn-ea"/>
-                <a:cs typeface="+mn-cs"/>
-              </a:rPr>
-              <a:t>Women may have higher chances of survival than men</a:t>
-            </a:r>
-          </a:p>
-          <a:p>
-            <a:r>
-              <a:rPr lang="en-US" sz="1200" b="0" i="0" kern="1200" dirty="0">
-                <a:solidFill>
-                  <a:schemeClr val="tx1"/>
-                </a:solidFill>
-                <a:effectLst/>
-                <a:latin typeface="+mn-lt"/>
-                <a:ea typeface="+mn-ea"/>
-                <a:cs typeface="+mn-cs"/>
-              </a:rPr>
-              <a:t>Those who had less time in follow up days had higher chances of survival</a:t>
-            </a:r>
-          </a:p>
-          <a:p>
-            <a:r>
-              <a:rPr lang="en-US" sz="1200" b="0" i="0" kern="1200" dirty="0">
-                <a:solidFill>
-                  <a:schemeClr val="tx1"/>
-                </a:solidFill>
-                <a:effectLst/>
-                <a:latin typeface="+mn-lt"/>
-                <a:ea typeface="+mn-ea"/>
-                <a:cs typeface="+mn-cs"/>
-              </a:rPr>
-              <a:t>Those who were younger than a certain age had higher chances of survival</a:t>
-            </a:r>
-          </a:p>
-          <a:p>
-            <a:endParaRPr lang="en-US" dirty="0"/>
-          </a:p>
-        </p:txBody>
-      </p:sp>
-      <p:sp>
-        <p:nvSpPr>
-          <p:cNvPr id="4" name="Slide Number Placeholder 3"/>
-          <p:cNvSpPr>
-            <a:spLocks noGrp="1"/>
-          </p:cNvSpPr>
-          <p:nvPr>
-            <p:ph type="sldNum" sz="quarter" idx="5"/>
-          </p:nvPr>
-        </p:nvSpPr>
-        <p:spPr/>
-        <p:txBody>
-          <a:bodyPr/>
-          <a:lstStyle/>
-          <a:p>
-            <a:fld id="{3EACAF79-C3D2-41BC-A30A-2EE193489C00}" type="slidenum">
-              <a:rPr lang="en-US" smtClean="0"/>
-              <a:t>5</a:t>
-            </a:fld>
-            <a:endParaRPr lang="en-US"/>
-          </a:p>
-        </p:txBody>
-      </p:sp>
-    </p:spTree>
-    <p:extLst>
-      <p:ext uri="{BB962C8B-B14F-4D97-AF65-F5344CB8AC3E}">
-        <p14:creationId xmlns:p14="http://schemas.microsoft.com/office/powerpoint/2010/main" val="2291960498"/>
-      </p:ext>
-    </p:extLst>
-  </p:cSld>
-  <p:clrMapOvr>
-    <a:masterClrMapping/>
-  </p:clrMapOvr>
-</p:notes>
-</file>
-
-<file path=ppt/notesSlides/notesSlide5.xml><?xml version="1.0" encoding="utf-8"?>
-<p:notes xmlns:a="http://schemas.openxmlformats.org/drawingml/2006/main" xmlns:r="http://schemas.openxmlformats.org/officeDocument/2006/relationships" xmlns:p="http://schemas.openxmlformats.org/presentationml/2006/main">
-  <p:cSld>
-    <p:spTree>
-      <p:nvGrpSpPr>
-        <p:cNvPr id="1" name=""/>
-        <p:cNvGrpSpPr/>
-        <p:nvPr/>
-      </p:nvGrpSpPr>
-      <p:grpSpPr>
-        <a:xfrm>
-          <a:off x="0" y="0"/>
-          <a:ext cx="0" cy="0"/>
-          <a:chOff x="0" y="0"/>
-          <a:chExt cx="0" cy="0"/>
-        </a:xfrm>
-      </p:grpSpPr>
-      <p:sp>
-        <p:nvSpPr>
-          <p:cNvPr id="2" name="Slide Image Placeholder 1"/>
-          <p:cNvSpPr>
-            <a:spLocks noGrp="1" noRot="1" noChangeAspect="1"/>
-          </p:cNvSpPr>
-          <p:nvPr>
-            <p:ph type="sldImg"/>
-          </p:nvPr>
-        </p:nvSpPr>
-        <p:spPr/>
-      </p:sp>
-      <p:sp>
-        <p:nvSpPr>
-          <p:cNvPr id="3" name="Notes Placeholder 2"/>
-          <p:cNvSpPr>
-            <a:spLocks noGrp="1"/>
-          </p:cNvSpPr>
-          <p:nvPr>
-            <p:ph type="body" idx="1"/>
-          </p:nvPr>
-        </p:nvSpPr>
-        <p:spPr/>
-        <p:txBody>
-          <a:bodyPr/>
-          <a:lstStyle/>
-          <a:p>
-            <a:r>
-              <a:rPr lang="en-US" sz="1200" kern="1200" dirty="0">
-                <a:solidFill>
-                  <a:schemeClr val="tx1"/>
-                </a:solidFill>
-                <a:effectLst/>
-                <a:latin typeface="+mn-lt"/>
-                <a:ea typeface="+mn-ea"/>
-                <a:cs typeface="+mn-cs"/>
-              </a:rPr>
-              <a:t>I also wanted to see the relationship between the came variables but against the death event variable to take a look at sex, smoking, anemia, diabetes and high blood pressure to see if there were strong correlations between them and the death event. After evaluation I notice there is not any obvious correlation between their sex or whether they smoked against whether they died or not.</a:t>
-            </a:r>
-            <a:endParaRPr lang="en-US" dirty="0"/>
-          </a:p>
-        </p:txBody>
-      </p:sp>
-      <p:sp>
-        <p:nvSpPr>
-          <p:cNvPr id="4" name="Slide Number Placeholder 3"/>
-          <p:cNvSpPr>
-            <a:spLocks noGrp="1"/>
-          </p:cNvSpPr>
-          <p:nvPr>
-            <p:ph type="sldNum" sz="quarter" idx="5"/>
-          </p:nvPr>
-        </p:nvSpPr>
-        <p:spPr/>
-        <p:txBody>
-          <a:bodyPr/>
-          <a:lstStyle/>
-          <a:p>
-            <a:fld id="{3EACAF79-C3D2-41BC-A30A-2EE193489C00}" type="slidenum">
-              <a:rPr lang="en-US" smtClean="0"/>
-              <a:t>6</a:t>
-            </a:fld>
-            <a:endParaRPr lang="en-US"/>
-          </a:p>
-        </p:txBody>
-      </p:sp>
-    </p:spTree>
-    <p:extLst>
-      <p:ext uri="{BB962C8B-B14F-4D97-AF65-F5344CB8AC3E}">
-        <p14:creationId xmlns:p14="http://schemas.microsoft.com/office/powerpoint/2010/main" val="4039666683"/>
-      </p:ext>
-    </p:extLst>
-  </p:cSld>
-  <p:clrMapOvr>
-    <a:masterClrMapping/>
-  </p:clrMapOvr>
-</p:notes>
-</file>
-
-<file path=ppt/notesSlides/notesSlide6.xml><?xml version="1.0" encoding="utf-8"?>
-<p:notes xmlns:a="http://schemas.openxmlformats.org/drawingml/2006/main" xmlns:r="http://schemas.openxmlformats.org/officeDocument/2006/relationships" xmlns:p="http://schemas.openxmlformats.org/presentationml/2006/main">
-  <p:cSld>
-    <p:spTree>
-      <p:nvGrpSpPr>
-        <p:cNvPr id="1" name=""/>
-        <p:cNvGrpSpPr/>
-        <p:nvPr/>
-      </p:nvGrpSpPr>
-      <p:grpSpPr>
-        <a:xfrm>
-          <a:off x="0" y="0"/>
-          <a:ext cx="0" cy="0"/>
-          <a:chOff x="0" y="0"/>
-          <a:chExt cx="0" cy="0"/>
-        </a:xfrm>
-      </p:grpSpPr>
-      <p:sp>
-        <p:nvSpPr>
-          <p:cNvPr id="2" name="Slide Image Placeholder 1"/>
-          <p:cNvSpPr>
-            <a:spLocks noGrp="1" noRot="1" noChangeAspect="1"/>
-          </p:cNvSpPr>
-          <p:nvPr>
-            <p:ph type="sldImg"/>
-          </p:nvPr>
-        </p:nvSpPr>
-        <p:spPr/>
-      </p:sp>
-      <p:sp>
-        <p:nvSpPr>
-          <p:cNvPr id="3" name="Notes Placeholder 2"/>
-          <p:cNvSpPr>
-            <a:spLocks noGrp="1"/>
-          </p:cNvSpPr>
-          <p:nvPr>
-            <p:ph type="body" idx="1"/>
-          </p:nvPr>
-        </p:nvSpPr>
-        <p:spPr/>
-        <p:txBody>
-          <a:bodyPr/>
-          <a:lstStyle/>
-          <a:p>
-            <a:r>
-              <a:rPr lang="en-US" dirty="0"/>
-              <a:t>This heatmap gives us a good visual for looking at the most impacted variables against the death event (weather a patient dies while being monitored by doctors)</a:t>
-            </a:r>
-          </a:p>
-          <a:p>
-            <a:endParaRPr lang="en-US" dirty="0"/>
-          </a:p>
-          <a:p>
-            <a:r>
-              <a:rPr lang="en-US" sz="1200" kern="1200" dirty="0">
-                <a:solidFill>
-                  <a:schemeClr val="tx1"/>
-                </a:solidFill>
-                <a:effectLst/>
-                <a:latin typeface="+mn-lt"/>
-                <a:ea typeface="+mn-ea"/>
-                <a:cs typeface="+mn-cs"/>
-              </a:rPr>
-              <a:t>After looking at the heatmap we can see that the highest correlation is the serum creatinine variable.</a:t>
-            </a:r>
-          </a:p>
-          <a:p>
-            <a:endParaRPr lang="en-US" sz="1200" kern="1200" dirty="0">
-              <a:solidFill>
-                <a:schemeClr val="tx1"/>
-              </a:solidFill>
-              <a:effectLst/>
-              <a:latin typeface="+mn-lt"/>
-              <a:ea typeface="+mn-ea"/>
-              <a:cs typeface="+mn-cs"/>
-            </a:endParaRPr>
-          </a:p>
-          <a:p>
-            <a:r>
-              <a:rPr lang="en-US" sz="1200" kern="1200" dirty="0">
-                <a:solidFill>
-                  <a:schemeClr val="tx1"/>
-                </a:solidFill>
-                <a:effectLst/>
-                <a:latin typeface="+mn-lt"/>
-                <a:ea typeface="+mn-ea"/>
-                <a:cs typeface="+mn-cs"/>
-              </a:rPr>
-              <a:t>This gives us the ability to take a deeper look at this variables and see if we can come to any conclusions with it.</a:t>
-            </a:r>
-          </a:p>
-          <a:p>
-            <a:endParaRPr lang="en-US" sz="1200" kern="1200" dirty="0">
-              <a:solidFill>
-                <a:schemeClr val="tx1"/>
-              </a:solidFill>
-              <a:effectLst/>
-              <a:latin typeface="+mn-lt"/>
-              <a:ea typeface="+mn-ea"/>
-              <a:cs typeface="+mn-cs"/>
-            </a:endParaRPr>
-          </a:p>
-          <a:p>
-            <a:endParaRPr lang="en-US" dirty="0"/>
-          </a:p>
-        </p:txBody>
-      </p:sp>
-      <p:sp>
-        <p:nvSpPr>
-          <p:cNvPr id="4" name="Slide Number Placeholder 3"/>
-          <p:cNvSpPr>
-            <a:spLocks noGrp="1"/>
-          </p:cNvSpPr>
-          <p:nvPr>
-            <p:ph type="sldNum" sz="quarter" idx="5"/>
-          </p:nvPr>
-        </p:nvSpPr>
-        <p:spPr/>
-        <p:txBody>
-          <a:bodyPr/>
-          <a:lstStyle/>
-          <a:p>
-            <a:fld id="{3EACAF79-C3D2-41BC-A30A-2EE193489C00}" type="slidenum">
-              <a:rPr lang="en-US" smtClean="0"/>
-              <a:t>7</a:t>
-            </a:fld>
-            <a:endParaRPr lang="en-US"/>
-          </a:p>
-        </p:txBody>
-      </p:sp>
-    </p:spTree>
-    <p:extLst>
-      <p:ext uri="{BB962C8B-B14F-4D97-AF65-F5344CB8AC3E}">
-        <p14:creationId xmlns:p14="http://schemas.microsoft.com/office/powerpoint/2010/main" val="2127437612"/>
-      </p:ext>
-    </p:extLst>
-  </p:cSld>
-  <p:clrMapOvr>
-    <a:masterClrMapping/>
-  </p:clrMapOvr>
-</p:notes>
-</file>
-
-<file path=ppt/notesSlides/notesSlide7.xml><?xml version="1.0" encoding="utf-8"?>
-<p:notes xmlns:a="http://schemas.openxmlformats.org/drawingml/2006/main" xmlns:r="http://schemas.openxmlformats.org/officeDocument/2006/relationships" xmlns:p="http://schemas.openxmlformats.org/presentationml/2006/main">
-  <p:cSld>
-    <p:spTree>
-      <p:nvGrpSpPr>
-        <p:cNvPr id="1" name=""/>
-        <p:cNvGrpSpPr/>
-        <p:nvPr/>
-      </p:nvGrpSpPr>
-      <p:grpSpPr>
-        <a:xfrm>
-          <a:off x="0" y="0"/>
-          <a:ext cx="0" cy="0"/>
-          <a:chOff x="0" y="0"/>
-          <a:chExt cx="0" cy="0"/>
-        </a:xfrm>
-      </p:grpSpPr>
-      <p:sp>
-        <p:nvSpPr>
-          <p:cNvPr id="2" name="Slide Image Placeholder 1"/>
-          <p:cNvSpPr>
-            <a:spLocks noGrp="1" noRot="1" noChangeAspect="1"/>
-          </p:cNvSpPr>
-          <p:nvPr>
-            <p:ph type="sldImg"/>
-          </p:nvPr>
-        </p:nvSpPr>
-        <p:spPr/>
-      </p:sp>
-      <p:sp>
-        <p:nvSpPr>
-          <p:cNvPr id="3" name="Notes Placeholder 2"/>
-          <p:cNvSpPr>
-            <a:spLocks noGrp="1"/>
-          </p:cNvSpPr>
-          <p:nvPr>
-            <p:ph type="body" idx="1"/>
-          </p:nvPr>
-        </p:nvSpPr>
-        <p:spPr/>
-        <p:txBody>
-          <a:bodyPr/>
-          <a:lstStyle/>
-          <a:p>
-            <a:r>
-              <a:rPr lang="en-US" sz="1200" kern="1200" dirty="0">
-                <a:solidFill>
-                  <a:schemeClr val="tx1"/>
-                </a:solidFill>
-                <a:effectLst/>
-                <a:latin typeface="+mn-lt"/>
-                <a:ea typeface="+mn-ea"/>
-                <a:cs typeface="+mn-cs"/>
-              </a:rPr>
-              <a:t>Based on all the plots and visualizations we can see that individuals especially over 70 had higher chances of dying and those under 50 had higher chances of survival suggesting the need to band ages. Patients with a larger amount of follow up days tended to survive the most while those with greater than 50 days ended up with a higher mortality. </a:t>
-            </a:r>
-            <a:endParaRPr lang="en-US" dirty="0"/>
-          </a:p>
-        </p:txBody>
-      </p:sp>
-      <p:sp>
-        <p:nvSpPr>
-          <p:cNvPr id="4" name="Slide Number Placeholder 3"/>
-          <p:cNvSpPr>
-            <a:spLocks noGrp="1"/>
-          </p:cNvSpPr>
-          <p:nvPr>
-            <p:ph type="sldNum" sz="quarter" idx="5"/>
-          </p:nvPr>
-        </p:nvSpPr>
-        <p:spPr/>
-        <p:txBody>
-          <a:bodyPr/>
-          <a:lstStyle/>
-          <a:p>
-            <a:fld id="{3EACAF79-C3D2-41BC-A30A-2EE193489C00}" type="slidenum">
-              <a:rPr lang="en-US" smtClean="0"/>
-              <a:t>8</a:t>
-            </a:fld>
-            <a:endParaRPr lang="en-US"/>
-          </a:p>
-        </p:txBody>
-      </p:sp>
-    </p:spTree>
-    <p:extLst>
-      <p:ext uri="{BB962C8B-B14F-4D97-AF65-F5344CB8AC3E}">
-        <p14:creationId xmlns:p14="http://schemas.microsoft.com/office/powerpoint/2010/main" val="1532982132"/>
-      </p:ext>
-    </p:extLst>
-  </p:cSld>
-  <p:clrMapOvr>
-    <a:masterClrMapping/>
-  </p:clrMapOvr>
-</p:notes>
-</file>
-
-<file path=ppt/notesSlides/notesSlide8.xml><?xml version="1.0" encoding="utf-8"?>
-<p:notes xmlns:a="http://schemas.openxmlformats.org/drawingml/2006/main" xmlns:r="http://schemas.openxmlformats.org/officeDocument/2006/relationships" xmlns:p="http://schemas.openxmlformats.org/presentationml/2006/main">
-  <p:cSld>
-    <p:spTree>
-      <p:nvGrpSpPr>
-        <p:cNvPr id="1" name=""/>
-        <p:cNvGrpSpPr/>
-        <p:nvPr/>
-      </p:nvGrpSpPr>
-      <p:grpSpPr>
-        <a:xfrm>
-          <a:off x="0" y="0"/>
-          <a:ext cx="0" cy="0"/>
-          <a:chOff x="0" y="0"/>
-          <a:chExt cx="0" cy="0"/>
-        </a:xfrm>
-      </p:grpSpPr>
-      <p:sp>
-        <p:nvSpPr>
-          <p:cNvPr id="2" name="Slide Image Placeholder 1"/>
-          <p:cNvSpPr>
-            <a:spLocks noGrp="1" noRot="1" noChangeAspect="1"/>
-          </p:cNvSpPr>
-          <p:nvPr>
-            <p:ph type="sldImg"/>
-          </p:nvPr>
-        </p:nvSpPr>
-        <p:spPr/>
-      </p:sp>
-      <p:sp>
-        <p:nvSpPr>
-          <p:cNvPr id="3" name="Notes Placeholder 2"/>
-          <p:cNvSpPr>
-            <a:spLocks noGrp="1"/>
-          </p:cNvSpPr>
-          <p:nvPr>
-            <p:ph type="body" idx="1"/>
-          </p:nvPr>
-        </p:nvSpPr>
-        <p:spPr/>
-        <p:txBody>
-          <a:bodyPr/>
-          <a:lstStyle/>
-          <a:p>
-            <a:pPr marL="0" marR="0" lvl="0" indent="0" algn="l" defTabSz="914400" rtl="0" eaLnBrk="1" fontAlgn="auto" latinLnBrk="0" hangingPunct="1">
-              <a:lnSpc>
-                <a:spcPct val="100000"/>
-              </a:lnSpc>
-              <a:spcBef>
-                <a:spcPts val="0"/>
-              </a:spcBef>
-              <a:spcAft>
-                <a:spcPts val="0"/>
-              </a:spcAft>
-              <a:buClrTx/>
-              <a:buSzTx/>
-              <a:buFontTx/>
-              <a:buNone/>
-              <a:tabLst/>
-              <a:defRPr/>
-            </a:pPr>
-            <a:r>
-              <a:rPr lang="en-US" sz="1200" kern="1200" dirty="0">
-                <a:solidFill>
-                  <a:schemeClr val="tx1"/>
-                </a:solidFill>
-                <a:effectLst/>
-                <a:latin typeface="+mn-lt"/>
-                <a:ea typeface="+mn-ea"/>
-                <a:cs typeface="+mn-cs"/>
-              </a:rPr>
-              <a:t>Another interesting thing was the ejection fraction, those with high percentages had lower deaths and those with lower percentages of about less than 30% had more deaths. Two features, Platelets and CPK, seem to not have any effect with survival. So, we have four numerical variables that can be used for our future model building. </a:t>
-            </a:r>
-            <a:endParaRPr lang="en-US" dirty="0"/>
-          </a:p>
-        </p:txBody>
-      </p:sp>
-      <p:sp>
-        <p:nvSpPr>
-          <p:cNvPr id="4" name="Slide Number Placeholder 3"/>
-          <p:cNvSpPr>
-            <a:spLocks noGrp="1"/>
-          </p:cNvSpPr>
-          <p:nvPr>
-            <p:ph type="sldNum" sz="quarter" idx="5"/>
-          </p:nvPr>
-        </p:nvSpPr>
-        <p:spPr/>
-        <p:txBody>
-          <a:bodyPr/>
-          <a:lstStyle/>
-          <a:p>
-            <a:fld id="{3EACAF79-C3D2-41BC-A30A-2EE193489C00}" type="slidenum">
-              <a:rPr lang="en-US" smtClean="0"/>
-              <a:t>9</a:t>
-            </a:fld>
-            <a:endParaRPr lang="en-US"/>
-          </a:p>
-        </p:txBody>
-      </p:sp>
-    </p:spTree>
-    <p:extLst>
-      <p:ext uri="{BB962C8B-B14F-4D97-AF65-F5344CB8AC3E}">
-        <p14:creationId xmlns:p14="http://schemas.microsoft.com/office/powerpoint/2010/main" val="4129091619"/>
-      </p:ext>
-    </p:extLst>
-  </p:cSld>
-  <p:clrMapOvr>
-    <a:masterClrMapping/>
-  </p:clrMapOvr>
-</p:notes>
-</file>
-
-<file path=ppt/notesSlides/notesSlide9.xml><?xml version="1.0" encoding="utf-8"?>
 <p:notes xmlns:a="http://schemas.openxmlformats.org/drawingml/2006/main" xmlns:r="http://schemas.openxmlformats.org/officeDocument/2006/relationships" xmlns:p="http://schemas.openxmlformats.org/presentationml/2006/main">
   <p:cSld>
     <p:spTree>
@@ -1975,6 +768,1347 @@
     <p:extLst>
       <p:ext uri="{BB962C8B-B14F-4D97-AF65-F5344CB8AC3E}">
         <p14:creationId xmlns:p14="http://schemas.microsoft.com/office/powerpoint/2010/main" val="1455119134"/>
+      </p:ext>
+    </p:extLst>
+  </p:cSld>
+  <p:clrMapOvr>
+    <a:masterClrMapping/>
+  </p:clrMapOvr>
+</p:notes>
+</file>
+
+<file path=ppt/notesSlides/notesSlide11.xml><?xml version="1.0" encoding="utf-8"?>
+<p:notes xmlns:a="http://schemas.openxmlformats.org/drawingml/2006/main" xmlns:r="http://schemas.openxmlformats.org/officeDocument/2006/relationships" xmlns:p="http://schemas.openxmlformats.org/presentationml/2006/main">
+  <p:cSld>
+    <p:spTree>
+      <p:nvGrpSpPr>
+        <p:cNvPr id="1" name=""/>
+        <p:cNvGrpSpPr/>
+        <p:nvPr/>
+      </p:nvGrpSpPr>
+      <p:grpSpPr>
+        <a:xfrm>
+          <a:off x="0" y="0"/>
+          <a:ext cx="0" cy="0"/>
+          <a:chOff x="0" y="0"/>
+          <a:chExt cx="0" cy="0"/>
+        </a:xfrm>
+      </p:grpSpPr>
+      <p:sp>
+        <p:nvSpPr>
+          <p:cNvPr id="2" name="Slide Image Placeholder 1"/>
+          <p:cNvSpPr>
+            <a:spLocks noGrp="1" noRot="1" noChangeAspect="1"/>
+          </p:cNvSpPr>
+          <p:nvPr>
+            <p:ph type="sldImg"/>
+          </p:nvPr>
+        </p:nvSpPr>
+        <p:spPr/>
+      </p:sp>
+      <p:sp>
+        <p:nvSpPr>
+          <p:cNvPr id="3" name="Notes Placeholder 2"/>
+          <p:cNvSpPr>
+            <a:spLocks noGrp="1"/>
+          </p:cNvSpPr>
+          <p:nvPr>
+            <p:ph type="body" idx="1"/>
+          </p:nvPr>
+        </p:nvSpPr>
+        <p:spPr/>
+        <p:txBody>
+          <a:bodyPr/>
+          <a:lstStyle/>
+          <a:p>
+            <a:pPr marL="0" marR="0" lvl="0" indent="0" algn="l" defTabSz="914400" rtl="0" eaLnBrk="1" fontAlgn="auto" latinLnBrk="0" hangingPunct="1">
+              <a:lnSpc>
+                <a:spcPct val="100000"/>
+              </a:lnSpc>
+              <a:spcBef>
+                <a:spcPts val="0"/>
+              </a:spcBef>
+              <a:spcAft>
+                <a:spcPts val="0"/>
+              </a:spcAft>
+              <a:buClrTx/>
+              <a:buSzTx/>
+              <a:buFontTx/>
+              <a:buNone/>
+              <a:tabLst/>
+              <a:defRPr/>
+            </a:pPr>
+            <a:r>
+              <a:rPr lang="en-US" sz="1200" kern="1200" dirty="0">
+                <a:solidFill>
+                  <a:schemeClr val="tx1"/>
+                </a:solidFill>
+                <a:effectLst/>
+                <a:latin typeface="+mn-lt"/>
+                <a:ea typeface="+mn-ea"/>
+                <a:cs typeface="+mn-cs"/>
+              </a:rPr>
+              <a:t>After removing outliers, we can create our training and test sets. Since this is a classification and a regression problem, we can predict an output based off other independent features, additionally as this is a supervised problem as we will have a training dataset to train our model against. Here are the models I will be using as they all can be used similarly to one another for this project. </a:t>
+            </a:r>
+          </a:p>
+          <a:p>
+            <a:endParaRPr lang="en-US" dirty="0"/>
+          </a:p>
+        </p:txBody>
+      </p:sp>
+      <p:sp>
+        <p:nvSpPr>
+          <p:cNvPr id="4" name="Slide Number Placeholder 3"/>
+          <p:cNvSpPr>
+            <a:spLocks noGrp="1"/>
+          </p:cNvSpPr>
+          <p:nvPr>
+            <p:ph type="sldNum" sz="quarter" idx="5"/>
+          </p:nvPr>
+        </p:nvSpPr>
+        <p:spPr/>
+        <p:txBody>
+          <a:bodyPr/>
+          <a:lstStyle/>
+          <a:p>
+            <a:fld id="{3EACAF79-C3D2-41BC-A30A-2EE193489C00}" type="slidenum">
+              <a:rPr lang="en-US" smtClean="0"/>
+              <a:t>11</a:t>
+            </a:fld>
+            <a:endParaRPr lang="en-US"/>
+          </a:p>
+        </p:txBody>
+      </p:sp>
+    </p:spTree>
+    <p:extLst>
+      <p:ext uri="{BB962C8B-B14F-4D97-AF65-F5344CB8AC3E}">
+        <p14:creationId xmlns:p14="http://schemas.microsoft.com/office/powerpoint/2010/main" val="3551400767"/>
+      </p:ext>
+    </p:extLst>
+  </p:cSld>
+  <p:clrMapOvr>
+    <a:masterClrMapping/>
+  </p:clrMapOvr>
+</p:notes>
+</file>
+
+<file path=ppt/notesSlides/notesSlide12.xml><?xml version="1.0" encoding="utf-8"?>
+<p:notes xmlns:a="http://schemas.openxmlformats.org/drawingml/2006/main" xmlns:r="http://schemas.openxmlformats.org/officeDocument/2006/relationships" xmlns:p="http://schemas.openxmlformats.org/presentationml/2006/main">
+  <p:cSld>
+    <p:spTree>
+      <p:nvGrpSpPr>
+        <p:cNvPr id="1" name=""/>
+        <p:cNvGrpSpPr/>
+        <p:nvPr/>
+      </p:nvGrpSpPr>
+      <p:grpSpPr>
+        <a:xfrm>
+          <a:off x="0" y="0"/>
+          <a:ext cx="0" cy="0"/>
+          <a:chOff x="0" y="0"/>
+          <a:chExt cx="0" cy="0"/>
+        </a:xfrm>
+      </p:grpSpPr>
+      <p:sp>
+        <p:nvSpPr>
+          <p:cNvPr id="2" name="Slide Image Placeholder 1"/>
+          <p:cNvSpPr>
+            <a:spLocks noGrp="1" noRot="1" noChangeAspect="1"/>
+          </p:cNvSpPr>
+          <p:nvPr>
+            <p:ph type="sldImg"/>
+          </p:nvPr>
+        </p:nvSpPr>
+        <p:spPr/>
+      </p:sp>
+      <p:sp>
+        <p:nvSpPr>
+          <p:cNvPr id="3" name="Notes Placeholder 2"/>
+          <p:cNvSpPr>
+            <a:spLocks noGrp="1"/>
+          </p:cNvSpPr>
+          <p:nvPr>
+            <p:ph type="body" idx="1"/>
+          </p:nvPr>
+        </p:nvSpPr>
+        <p:spPr/>
+        <p:txBody>
+          <a:bodyPr/>
+          <a:lstStyle/>
+          <a:p>
+            <a:r>
+              <a:rPr lang="en-US" dirty="0"/>
+              <a:t>Most of the models can be used similarly to the ones shown here making the use of multiple models to compare against an easier task. </a:t>
+            </a:r>
+          </a:p>
+        </p:txBody>
+      </p:sp>
+      <p:sp>
+        <p:nvSpPr>
+          <p:cNvPr id="4" name="Slide Number Placeholder 3"/>
+          <p:cNvSpPr>
+            <a:spLocks noGrp="1"/>
+          </p:cNvSpPr>
+          <p:nvPr>
+            <p:ph type="sldNum" sz="quarter" idx="5"/>
+          </p:nvPr>
+        </p:nvSpPr>
+        <p:spPr/>
+        <p:txBody>
+          <a:bodyPr/>
+          <a:lstStyle/>
+          <a:p>
+            <a:fld id="{3EACAF79-C3D2-41BC-A30A-2EE193489C00}" type="slidenum">
+              <a:rPr lang="en-US" smtClean="0"/>
+              <a:t>12</a:t>
+            </a:fld>
+            <a:endParaRPr lang="en-US"/>
+          </a:p>
+        </p:txBody>
+      </p:sp>
+    </p:spTree>
+    <p:extLst>
+      <p:ext uri="{BB962C8B-B14F-4D97-AF65-F5344CB8AC3E}">
+        <p14:creationId xmlns:p14="http://schemas.microsoft.com/office/powerpoint/2010/main" val="2120569305"/>
+      </p:ext>
+    </p:extLst>
+  </p:cSld>
+  <p:clrMapOvr>
+    <a:masterClrMapping/>
+  </p:clrMapOvr>
+</p:notes>
+</file>
+
+<file path=ppt/notesSlides/notesSlide13.xml><?xml version="1.0" encoding="utf-8"?>
+<p:notes xmlns:a="http://schemas.openxmlformats.org/drawingml/2006/main" xmlns:r="http://schemas.openxmlformats.org/officeDocument/2006/relationships" xmlns:p="http://schemas.openxmlformats.org/presentationml/2006/main">
+  <p:cSld>
+    <p:spTree>
+      <p:nvGrpSpPr>
+        <p:cNvPr id="1" name=""/>
+        <p:cNvGrpSpPr/>
+        <p:nvPr/>
+      </p:nvGrpSpPr>
+      <p:grpSpPr>
+        <a:xfrm>
+          <a:off x="0" y="0"/>
+          <a:ext cx="0" cy="0"/>
+          <a:chOff x="0" y="0"/>
+          <a:chExt cx="0" cy="0"/>
+        </a:xfrm>
+      </p:grpSpPr>
+      <p:sp>
+        <p:nvSpPr>
+          <p:cNvPr id="2" name="Slide Image Placeholder 1"/>
+          <p:cNvSpPr>
+            <a:spLocks noGrp="1" noRot="1" noChangeAspect="1"/>
+          </p:cNvSpPr>
+          <p:nvPr>
+            <p:ph type="sldImg"/>
+          </p:nvPr>
+        </p:nvSpPr>
+        <p:spPr/>
+      </p:sp>
+      <p:sp>
+        <p:nvSpPr>
+          <p:cNvPr id="3" name="Notes Placeholder 2"/>
+          <p:cNvSpPr>
+            <a:spLocks noGrp="1"/>
+          </p:cNvSpPr>
+          <p:nvPr>
+            <p:ph type="body" idx="1"/>
+          </p:nvPr>
+        </p:nvSpPr>
+        <p:spPr/>
+        <p:txBody>
+          <a:bodyPr/>
+          <a:lstStyle/>
+          <a:p>
+            <a:pPr marL="0" marR="0" lvl="0" indent="0" algn="l" defTabSz="914400" rtl="0" eaLnBrk="1" fontAlgn="auto" latinLnBrk="0" hangingPunct="1">
+              <a:lnSpc>
+                <a:spcPct val="100000"/>
+              </a:lnSpc>
+              <a:spcBef>
+                <a:spcPts val="0"/>
+              </a:spcBef>
+              <a:spcAft>
+                <a:spcPts val="0"/>
+              </a:spcAft>
+              <a:buClrTx/>
+              <a:buSzTx/>
+              <a:buFontTx/>
+              <a:buNone/>
+              <a:tabLst/>
+              <a:defRPr/>
+            </a:pPr>
+            <a:r>
+              <a:rPr lang="en-US" sz="1200" kern="1200" dirty="0">
+                <a:solidFill>
+                  <a:schemeClr val="tx1"/>
+                </a:solidFill>
+                <a:effectLst/>
+                <a:latin typeface="+mn-lt"/>
+                <a:ea typeface="+mn-ea"/>
+                <a:cs typeface="+mn-cs"/>
+              </a:rPr>
+              <a:t>Based on our results it would seem that the Linear SVC model produces our best results of 78.3% accuracy on the test set with the best model under the training set being the Random Forest with 94% accuracy. I think for this project there is clear room for improvement if we can adjust hyperparameters using cross-validation I’m unsure how to do this yet, however. </a:t>
+            </a:r>
+            <a:r>
+              <a:rPr lang="en-US" sz="1200" kern="1200">
+                <a:solidFill>
+                  <a:schemeClr val="tx1"/>
+                </a:solidFill>
+                <a:effectLst/>
+                <a:latin typeface="+mn-lt"/>
+                <a:ea typeface="+mn-ea"/>
+                <a:cs typeface="+mn-cs"/>
+              </a:rPr>
+              <a:t>I think we got some interesting results and while my methods could be more efficient, I think we got decent scores and was a fun project to work on. </a:t>
+            </a:r>
+          </a:p>
+          <a:p>
+            <a:endParaRPr lang="en-US" dirty="0"/>
+          </a:p>
+        </p:txBody>
+      </p:sp>
+      <p:sp>
+        <p:nvSpPr>
+          <p:cNvPr id="4" name="Slide Number Placeholder 3"/>
+          <p:cNvSpPr>
+            <a:spLocks noGrp="1"/>
+          </p:cNvSpPr>
+          <p:nvPr>
+            <p:ph type="sldNum" sz="quarter" idx="5"/>
+          </p:nvPr>
+        </p:nvSpPr>
+        <p:spPr/>
+        <p:txBody>
+          <a:bodyPr/>
+          <a:lstStyle/>
+          <a:p>
+            <a:fld id="{3EACAF79-C3D2-41BC-A30A-2EE193489C00}" type="slidenum">
+              <a:rPr lang="en-US" smtClean="0"/>
+              <a:t>13</a:t>
+            </a:fld>
+            <a:endParaRPr lang="en-US"/>
+          </a:p>
+        </p:txBody>
+      </p:sp>
+    </p:spTree>
+    <p:extLst>
+      <p:ext uri="{BB962C8B-B14F-4D97-AF65-F5344CB8AC3E}">
+        <p14:creationId xmlns:p14="http://schemas.microsoft.com/office/powerpoint/2010/main" val="2913231932"/>
+      </p:ext>
+    </p:extLst>
+  </p:cSld>
+  <p:clrMapOvr>
+    <a:masterClrMapping/>
+  </p:clrMapOvr>
+</p:notes>
+</file>
+
+<file path=ppt/notesSlides/notesSlide2.xml><?xml version="1.0" encoding="utf-8"?>
+<p:notes xmlns:a="http://schemas.openxmlformats.org/drawingml/2006/main" xmlns:r="http://schemas.openxmlformats.org/officeDocument/2006/relationships" xmlns:p="http://schemas.openxmlformats.org/presentationml/2006/main">
+  <p:cSld>
+    <p:spTree>
+      <p:nvGrpSpPr>
+        <p:cNvPr id="1" name=""/>
+        <p:cNvGrpSpPr/>
+        <p:nvPr/>
+      </p:nvGrpSpPr>
+      <p:grpSpPr>
+        <a:xfrm>
+          <a:off x="0" y="0"/>
+          <a:ext cx="0" cy="0"/>
+          <a:chOff x="0" y="0"/>
+          <a:chExt cx="0" cy="0"/>
+        </a:xfrm>
+      </p:grpSpPr>
+      <p:sp>
+        <p:nvSpPr>
+          <p:cNvPr id="2" name="Slide Image Placeholder 1"/>
+          <p:cNvSpPr>
+            <a:spLocks noGrp="1" noRot="1" noChangeAspect="1"/>
+          </p:cNvSpPr>
+          <p:nvPr>
+            <p:ph type="sldImg"/>
+          </p:nvPr>
+        </p:nvSpPr>
+        <p:spPr/>
+      </p:sp>
+      <p:sp>
+        <p:nvSpPr>
+          <p:cNvPr id="3" name="Notes Placeholder 2"/>
+          <p:cNvSpPr>
+            <a:spLocks noGrp="1"/>
+          </p:cNvSpPr>
+          <p:nvPr>
+            <p:ph type="body" idx="1"/>
+          </p:nvPr>
+        </p:nvSpPr>
+        <p:spPr/>
+        <p:txBody>
+          <a:bodyPr/>
+          <a:lstStyle/>
+          <a:p>
+            <a:pPr marL="0" marR="0" lvl="0" indent="0" algn="l" defTabSz="914400" rtl="0" eaLnBrk="1" fontAlgn="auto" latinLnBrk="0" hangingPunct="1">
+              <a:lnSpc>
+                <a:spcPct val="100000"/>
+              </a:lnSpc>
+              <a:spcBef>
+                <a:spcPts val="0"/>
+              </a:spcBef>
+              <a:spcAft>
+                <a:spcPts val="0"/>
+              </a:spcAft>
+              <a:buClrTx/>
+              <a:buSzTx/>
+              <a:buFontTx/>
+              <a:buNone/>
+              <a:tabLst/>
+              <a:defRPr/>
+            </a:pPr>
+            <a:endParaRPr lang="en-US" sz="1200" kern="1200" dirty="0">
+              <a:solidFill>
+                <a:schemeClr val="tx1"/>
+              </a:solidFill>
+              <a:effectLst/>
+              <a:latin typeface="+mn-lt"/>
+              <a:ea typeface="+mn-ea"/>
+              <a:cs typeface="+mn-cs"/>
+            </a:endParaRPr>
+          </a:p>
+          <a:p>
+            <a:pPr marL="0" marR="0" lvl="0" indent="0" algn="l" defTabSz="914400" rtl="0" eaLnBrk="1" fontAlgn="auto" latinLnBrk="0" hangingPunct="1">
+              <a:lnSpc>
+                <a:spcPct val="100000"/>
+              </a:lnSpc>
+              <a:spcBef>
+                <a:spcPts val="0"/>
+              </a:spcBef>
+              <a:spcAft>
+                <a:spcPts val="0"/>
+              </a:spcAft>
+              <a:buClrTx/>
+              <a:buSzTx/>
+              <a:buFontTx/>
+              <a:buNone/>
+              <a:tabLst/>
+              <a:defRPr/>
+            </a:pPr>
+            <a:r>
+              <a:rPr lang="en-US" sz="1200" kern="1200" dirty="0">
+                <a:solidFill>
+                  <a:schemeClr val="tx1"/>
+                </a:solidFill>
+                <a:effectLst/>
+                <a:latin typeface="+mn-lt"/>
+                <a:ea typeface="+mn-ea"/>
+                <a:cs typeface="+mn-cs"/>
+              </a:rPr>
+              <a:t>My hypothesis is that high blood pressure is the variable that contributes the most to death events in patients. I want to see if I can predict based on the variables given the risk of a patient dying of heart disease. I plan to use model fitting for multiple models and compare the results to determine the best fitting model for this data.</a:t>
+            </a:r>
+          </a:p>
+          <a:p>
+            <a:endParaRPr lang="en-US" dirty="0"/>
+          </a:p>
+        </p:txBody>
+      </p:sp>
+      <p:sp>
+        <p:nvSpPr>
+          <p:cNvPr id="4" name="Slide Number Placeholder 3"/>
+          <p:cNvSpPr>
+            <a:spLocks noGrp="1"/>
+          </p:cNvSpPr>
+          <p:nvPr>
+            <p:ph type="sldNum" sz="quarter" idx="5"/>
+          </p:nvPr>
+        </p:nvSpPr>
+        <p:spPr/>
+        <p:txBody>
+          <a:bodyPr/>
+          <a:lstStyle/>
+          <a:p>
+            <a:fld id="{3EACAF79-C3D2-41BC-A30A-2EE193489C00}" type="slidenum">
+              <a:rPr lang="en-US" smtClean="0"/>
+              <a:t>2</a:t>
+            </a:fld>
+            <a:endParaRPr lang="en-US"/>
+          </a:p>
+        </p:txBody>
+      </p:sp>
+    </p:spTree>
+    <p:extLst>
+      <p:ext uri="{BB962C8B-B14F-4D97-AF65-F5344CB8AC3E}">
+        <p14:creationId xmlns:p14="http://schemas.microsoft.com/office/powerpoint/2010/main" val="344907940"/>
+      </p:ext>
+    </p:extLst>
+  </p:cSld>
+  <p:clrMapOvr>
+    <a:masterClrMapping/>
+  </p:clrMapOvr>
+</p:notes>
+</file>
+
+<file path=ppt/notesSlides/notesSlide3.xml><?xml version="1.0" encoding="utf-8"?>
+<p:notes xmlns:a="http://schemas.openxmlformats.org/drawingml/2006/main" xmlns:r="http://schemas.openxmlformats.org/officeDocument/2006/relationships" xmlns:p="http://schemas.openxmlformats.org/presentationml/2006/main">
+  <p:cSld>
+    <p:spTree>
+      <p:nvGrpSpPr>
+        <p:cNvPr id="1" name=""/>
+        <p:cNvGrpSpPr/>
+        <p:nvPr/>
+      </p:nvGrpSpPr>
+      <p:grpSpPr>
+        <a:xfrm>
+          <a:off x="0" y="0"/>
+          <a:ext cx="0" cy="0"/>
+          <a:chOff x="0" y="0"/>
+          <a:chExt cx="0" cy="0"/>
+        </a:xfrm>
+      </p:grpSpPr>
+      <p:sp>
+        <p:nvSpPr>
+          <p:cNvPr id="2" name="Slide Image Placeholder 1"/>
+          <p:cNvSpPr>
+            <a:spLocks noGrp="1" noRot="1" noChangeAspect="1"/>
+          </p:cNvSpPr>
+          <p:nvPr>
+            <p:ph type="sldImg"/>
+          </p:nvPr>
+        </p:nvSpPr>
+        <p:spPr/>
+      </p:sp>
+      <p:sp>
+        <p:nvSpPr>
+          <p:cNvPr id="3" name="Notes Placeholder 2"/>
+          <p:cNvSpPr>
+            <a:spLocks noGrp="1"/>
+          </p:cNvSpPr>
+          <p:nvPr>
+            <p:ph type="body" idx="1"/>
+          </p:nvPr>
+        </p:nvSpPr>
+        <p:spPr/>
+        <p:txBody>
+          <a:bodyPr/>
+          <a:lstStyle/>
+          <a:p>
+            <a:r>
+              <a:rPr lang="en-US" dirty="0"/>
+              <a:t>Using seaborn I used a heatmap to discover any missing values. A heatmap makes it easy to visualize the missing values in our dataset. </a:t>
+            </a:r>
+          </a:p>
+          <a:p>
+            <a:endParaRPr lang="en-US" dirty="0"/>
+          </a:p>
+          <a:p>
+            <a:endParaRPr lang="en-US" dirty="0"/>
+          </a:p>
+        </p:txBody>
+      </p:sp>
+      <p:sp>
+        <p:nvSpPr>
+          <p:cNvPr id="4" name="Slide Number Placeholder 3"/>
+          <p:cNvSpPr>
+            <a:spLocks noGrp="1"/>
+          </p:cNvSpPr>
+          <p:nvPr>
+            <p:ph type="sldNum" sz="quarter" idx="5"/>
+          </p:nvPr>
+        </p:nvSpPr>
+        <p:spPr/>
+        <p:txBody>
+          <a:bodyPr/>
+          <a:lstStyle/>
+          <a:p>
+            <a:fld id="{3EACAF79-C3D2-41BC-A30A-2EE193489C00}" type="slidenum">
+              <a:rPr lang="en-US" smtClean="0"/>
+              <a:t>3</a:t>
+            </a:fld>
+            <a:endParaRPr lang="en-US"/>
+          </a:p>
+        </p:txBody>
+      </p:sp>
+    </p:spTree>
+    <p:extLst>
+      <p:ext uri="{BB962C8B-B14F-4D97-AF65-F5344CB8AC3E}">
+        <p14:creationId xmlns:p14="http://schemas.microsoft.com/office/powerpoint/2010/main" val="3676241449"/>
+      </p:ext>
+    </p:extLst>
+  </p:cSld>
+  <p:clrMapOvr>
+    <a:masterClrMapping/>
+  </p:clrMapOvr>
+</p:notes>
+</file>
+
+<file path=ppt/notesSlides/notesSlide4.xml><?xml version="1.0" encoding="utf-8"?>
+<p:notes xmlns:a="http://schemas.openxmlformats.org/drawingml/2006/main" xmlns:r="http://schemas.openxmlformats.org/officeDocument/2006/relationships" xmlns:p="http://schemas.openxmlformats.org/presentationml/2006/main">
+  <p:cSld>
+    <p:spTree>
+      <p:nvGrpSpPr>
+        <p:cNvPr id="1" name=""/>
+        <p:cNvGrpSpPr/>
+        <p:nvPr/>
+      </p:nvGrpSpPr>
+      <p:grpSpPr>
+        <a:xfrm>
+          <a:off x="0" y="0"/>
+          <a:ext cx="0" cy="0"/>
+          <a:chOff x="0" y="0"/>
+          <a:chExt cx="0" cy="0"/>
+        </a:xfrm>
+      </p:grpSpPr>
+      <p:sp>
+        <p:nvSpPr>
+          <p:cNvPr id="2" name="Slide Image Placeholder 1"/>
+          <p:cNvSpPr>
+            <a:spLocks noGrp="1" noRot="1" noChangeAspect="1"/>
+          </p:cNvSpPr>
+          <p:nvPr>
+            <p:ph type="sldImg"/>
+          </p:nvPr>
+        </p:nvSpPr>
+        <p:spPr/>
+      </p:sp>
+      <p:sp>
+        <p:nvSpPr>
+          <p:cNvPr id="3" name="Notes Placeholder 2"/>
+          <p:cNvSpPr>
+            <a:spLocks noGrp="1"/>
+          </p:cNvSpPr>
+          <p:nvPr>
+            <p:ph type="body" idx="1"/>
+          </p:nvPr>
+        </p:nvSpPr>
+        <p:spPr/>
+        <p:txBody>
+          <a:bodyPr/>
+          <a:lstStyle/>
+          <a:p>
+            <a:pPr marL="0" marR="0" lvl="0" indent="0" algn="l" defTabSz="914400" rtl="0" eaLnBrk="1" fontAlgn="auto" latinLnBrk="0" hangingPunct="1">
+              <a:lnSpc>
+                <a:spcPct val="100000"/>
+              </a:lnSpc>
+              <a:spcBef>
+                <a:spcPts val="0"/>
+              </a:spcBef>
+              <a:spcAft>
+                <a:spcPts val="0"/>
+              </a:spcAft>
+              <a:buClrTx/>
+              <a:buSzTx/>
+              <a:buFontTx/>
+              <a:buNone/>
+              <a:tabLst/>
+              <a:defRPr/>
+            </a:pPr>
+            <a:r>
+              <a:rPr lang="en-US" sz="1200" kern="1200" dirty="0">
+                <a:solidFill>
+                  <a:schemeClr val="tx1"/>
+                </a:solidFill>
+                <a:effectLst/>
+                <a:latin typeface="+mn-lt"/>
+                <a:ea typeface="+mn-ea"/>
+                <a:cs typeface="+mn-cs"/>
+              </a:rPr>
+              <a:t>Next, we look our continuous variables for outliers and general information </a:t>
+            </a:r>
+          </a:p>
+          <a:p>
+            <a:pPr marL="0" marR="0" lvl="0" indent="0" algn="l" defTabSz="914400" rtl="0" eaLnBrk="1" fontAlgn="auto" latinLnBrk="0" hangingPunct="1">
+              <a:lnSpc>
+                <a:spcPct val="100000"/>
+              </a:lnSpc>
+              <a:spcBef>
+                <a:spcPts val="0"/>
+              </a:spcBef>
+              <a:spcAft>
+                <a:spcPts val="0"/>
+              </a:spcAft>
+              <a:buClrTx/>
+              <a:buSzTx/>
+              <a:buFontTx/>
+              <a:buNone/>
+              <a:tabLst/>
+              <a:defRPr/>
+            </a:pPr>
+            <a:endParaRPr lang="en-US" sz="1200" kern="1200" dirty="0">
+              <a:solidFill>
+                <a:schemeClr val="tx1"/>
+              </a:solidFill>
+              <a:effectLst/>
+              <a:latin typeface="+mn-lt"/>
+              <a:ea typeface="+mn-ea"/>
+              <a:cs typeface="+mn-cs"/>
+            </a:endParaRPr>
+          </a:p>
+          <a:p>
+            <a:pPr marL="0" marR="0" lvl="0" indent="0" algn="l" defTabSz="914400" rtl="0" eaLnBrk="1" fontAlgn="auto" latinLnBrk="0" hangingPunct="1">
+              <a:lnSpc>
+                <a:spcPct val="100000"/>
+              </a:lnSpc>
+              <a:spcBef>
+                <a:spcPts val="0"/>
+              </a:spcBef>
+              <a:spcAft>
+                <a:spcPts val="0"/>
+              </a:spcAft>
+              <a:buClrTx/>
+              <a:buSzTx/>
+              <a:buFontTx/>
+              <a:buNone/>
+              <a:tabLst/>
+              <a:defRPr/>
+            </a:pPr>
+            <a:r>
+              <a:rPr lang="en-US" sz="1200" kern="1200" dirty="0">
+                <a:solidFill>
+                  <a:schemeClr val="tx1"/>
+                </a:solidFill>
+                <a:effectLst/>
+                <a:latin typeface="+mn-lt"/>
+                <a:ea typeface="+mn-ea"/>
+                <a:cs typeface="+mn-cs"/>
+              </a:rPr>
+              <a:t>We can see that the majority of patients are around 50-65 with around one third of them above 65. When looking at Creatinine Phosphokinase (CPK) we can confirm the outliers based on this histogram as well as the other features, ejection fraction, serum sodium, platelet counts and creatinine. Most of the patients CPK values are below 1,000. Platelets were between 150k-400k. Serum Creatinine values were below 2 for 75% of patients. Sodium values were between 132-142. Ejection Fraction was varied as some patients were low at around 15% or high at 55% when excluding outliers.</a:t>
+            </a:r>
+          </a:p>
+          <a:p>
+            <a:endParaRPr lang="en-US" dirty="0"/>
+          </a:p>
+        </p:txBody>
+      </p:sp>
+      <p:sp>
+        <p:nvSpPr>
+          <p:cNvPr id="4" name="Slide Number Placeholder 3"/>
+          <p:cNvSpPr>
+            <a:spLocks noGrp="1"/>
+          </p:cNvSpPr>
+          <p:nvPr>
+            <p:ph type="sldNum" sz="quarter" idx="5"/>
+          </p:nvPr>
+        </p:nvSpPr>
+        <p:spPr/>
+        <p:txBody>
+          <a:bodyPr/>
+          <a:lstStyle/>
+          <a:p>
+            <a:fld id="{3EACAF79-C3D2-41BC-A30A-2EE193489C00}" type="slidenum">
+              <a:rPr lang="en-US" smtClean="0"/>
+              <a:t>4</a:t>
+            </a:fld>
+            <a:endParaRPr lang="en-US"/>
+          </a:p>
+        </p:txBody>
+      </p:sp>
+    </p:spTree>
+    <p:extLst>
+      <p:ext uri="{BB962C8B-B14F-4D97-AF65-F5344CB8AC3E}">
+        <p14:creationId xmlns:p14="http://schemas.microsoft.com/office/powerpoint/2010/main" val="3334048677"/>
+      </p:ext>
+    </p:extLst>
+  </p:cSld>
+  <p:clrMapOvr>
+    <a:masterClrMapping/>
+  </p:clrMapOvr>
+</p:notes>
+</file>
+
+<file path=ppt/notesSlides/notesSlide5.xml><?xml version="1.0" encoding="utf-8"?>
+<p:notes xmlns:a="http://schemas.openxmlformats.org/drawingml/2006/main" xmlns:r="http://schemas.openxmlformats.org/officeDocument/2006/relationships" xmlns:p="http://schemas.openxmlformats.org/presentationml/2006/main">
+  <p:cSld>
+    <p:spTree>
+      <p:nvGrpSpPr>
+        <p:cNvPr id="1" name=""/>
+        <p:cNvGrpSpPr/>
+        <p:nvPr/>
+      </p:nvGrpSpPr>
+      <p:grpSpPr>
+        <a:xfrm>
+          <a:off x="0" y="0"/>
+          <a:ext cx="0" cy="0"/>
+          <a:chOff x="0" y="0"/>
+          <a:chExt cx="0" cy="0"/>
+        </a:xfrm>
+      </p:grpSpPr>
+      <p:sp>
+        <p:nvSpPr>
+          <p:cNvPr id="2" name="Slide Image Placeholder 1"/>
+          <p:cNvSpPr>
+            <a:spLocks noGrp="1" noRot="1" noChangeAspect="1"/>
+          </p:cNvSpPr>
+          <p:nvPr>
+            <p:ph type="sldImg"/>
+          </p:nvPr>
+        </p:nvSpPr>
+        <p:spPr/>
+      </p:sp>
+      <p:sp>
+        <p:nvSpPr>
+          <p:cNvPr id="3" name="Notes Placeholder 2"/>
+          <p:cNvSpPr>
+            <a:spLocks noGrp="1"/>
+          </p:cNvSpPr>
+          <p:nvPr>
+            <p:ph type="body" idx="1"/>
+          </p:nvPr>
+        </p:nvSpPr>
+        <p:spPr/>
+        <p:txBody>
+          <a:bodyPr/>
+          <a:lstStyle/>
+          <a:p>
+            <a:r>
+              <a:rPr lang="en-US" sz="1200" kern="1200" dirty="0">
+                <a:solidFill>
+                  <a:schemeClr val="tx1"/>
+                </a:solidFill>
+                <a:effectLst/>
+                <a:latin typeface="+mn-lt"/>
+                <a:ea typeface="+mn-ea"/>
+                <a:cs typeface="+mn-cs"/>
+              </a:rPr>
+              <a:t>Next, we can see the distributions of the categorical variables. I looked at anemia, diabetes, high blood pressure, sex and smoking as they were binary so it would be easy to spot some differences and gain some insight. The majority of patients were male about 65% with 1 being Male. About a third of patients suffered from high blood pressure, smoking or both at once. Around 40% of patients had diabetes, anemia or both as well.</a:t>
+            </a:r>
+            <a:endParaRPr lang="en-US" dirty="0"/>
+          </a:p>
+          <a:p>
+            <a:endParaRPr lang="en-US" dirty="0"/>
+          </a:p>
+          <a:p>
+            <a:r>
+              <a:rPr lang="en-US" dirty="0"/>
+              <a:t>Based on our analysis so far, we can make some basic assumptions before we continue </a:t>
+            </a:r>
+            <a:br>
+              <a:rPr lang="en-US" dirty="0"/>
+            </a:br>
+            <a:br>
+              <a:rPr lang="en-US" dirty="0"/>
+            </a:br>
+            <a:r>
+              <a:rPr lang="en-US" sz="1200" b="0" i="0" kern="1200" dirty="0">
+                <a:solidFill>
+                  <a:schemeClr val="tx1"/>
+                </a:solidFill>
+                <a:effectLst/>
+                <a:latin typeface="+mn-lt"/>
+                <a:ea typeface="+mn-ea"/>
+                <a:cs typeface="+mn-cs"/>
+              </a:rPr>
+              <a:t>Women may have higher chances of survival than men</a:t>
+            </a:r>
+          </a:p>
+          <a:p>
+            <a:r>
+              <a:rPr lang="en-US" sz="1200" b="0" i="0" kern="1200" dirty="0">
+                <a:solidFill>
+                  <a:schemeClr val="tx1"/>
+                </a:solidFill>
+                <a:effectLst/>
+                <a:latin typeface="+mn-lt"/>
+                <a:ea typeface="+mn-ea"/>
+                <a:cs typeface="+mn-cs"/>
+              </a:rPr>
+              <a:t>Those who had less time in follow up days had higher chances of survival</a:t>
+            </a:r>
+          </a:p>
+          <a:p>
+            <a:r>
+              <a:rPr lang="en-US" sz="1200" b="0" i="0" kern="1200" dirty="0">
+                <a:solidFill>
+                  <a:schemeClr val="tx1"/>
+                </a:solidFill>
+                <a:effectLst/>
+                <a:latin typeface="+mn-lt"/>
+                <a:ea typeface="+mn-ea"/>
+                <a:cs typeface="+mn-cs"/>
+              </a:rPr>
+              <a:t>Those who were younger than a certain age had higher chances of survival</a:t>
+            </a:r>
+          </a:p>
+          <a:p>
+            <a:endParaRPr lang="en-US" dirty="0"/>
+          </a:p>
+        </p:txBody>
+      </p:sp>
+      <p:sp>
+        <p:nvSpPr>
+          <p:cNvPr id="4" name="Slide Number Placeholder 3"/>
+          <p:cNvSpPr>
+            <a:spLocks noGrp="1"/>
+          </p:cNvSpPr>
+          <p:nvPr>
+            <p:ph type="sldNum" sz="quarter" idx="5"/>
+          </p:nvPr>
+        </p:nvSpPr>
+        <p:spPr/>
+        <p:txBody>
+          <a:bodyPr/>
+          <a:lstStyle/>
+          <a:p>
+            <a:fld id="{3EACAF79-C3D2-41BC-A30A-2EE193489C00}" type="slidenum">
+              <a:rPr lang="en-US" smtClean="0"/>
+              <a:t>5</a:t>
+            </a:fld>
+            <a:endParaRPr lang="en-US"/>
+          </a:p>
+        </p:txBody>
+      </p:sp>
+    </p:spTree>
+    <p:extLst>
+      <p:ext uri="{BB962C8B-B14F-4D97-AF65-F5344CB8AC3E}">
+        <p14:creationId xmlns:p14="http://schemas.microsoft.com/office/powerpoint/2010/main" val="2291960498"/>
+      </p:ext>
+    </p:extLst>
+  </p:cSld>
+  <p:clrMapOvr>
+    <a:masterClrMapping/>
+  </p:clrMapOvr>
+</p:notes>
+</file>
+
+<file path=ppt/notesSlides/notesSlide6.xml><?xml version="1.0" encoding="utf-8"?>
+<p:notes xmlns:a="http://schemas.openxmlformats.org/drawingml/2006/main" xmlns:r="http://schemas.openxmlformats.org/officeDocument/2006/relationships" xmlns:p="http://schemas.openxmlformats.org/presentationml/2006/main">
+  <p:cSld>
+    <p:spTree>
+      <p:nvGrpSpPr>
+        <p:cNvPr id="1" name=""/>
+        <p:cNvGrpSpPr/>
+        <p:nvPr/>
+      </p:nvGrpSpPr>
+      <p:grpSpPr>
+        <a:xfrm>
+          <a:off x="0" y="0"/>
+          <a:ext cx="0" cy="0"/>
+          <a:chOff x="0" y="0"/>
+          <a:chExt cx="0" cy="0"/>
+        </a:xfrm>
+      </p:grpSpPr>
+      <p:sp>
+        <p:nvSpPr>
+          <p:cNvPr id="2" name="Slide Image Placeholder 1"/>
+          <p:cNvSpPr>
+            <a:spLocks noGrp="1" noRot="1" noChangeAspect="1"/>
+          </p:cNvSpPr>
+          <p:nvPr>
+            <p:ph type="sldImg"/>
+          </p:nvPr>
+        </p:nvSpPr>
+        <p:spPr/>
+      </p:sp>
+      <p:sp>
+        <p:nvSpPr>
+          <p:cNvPr id="3" name="Notes Placeholder 2"/>
+          <p:cNvSpPr>
+            <a:spLocks noGrp="1"/>
+          </p:cNvSpPr>
+          <p:nvPr>
+            <p:ph type="body" idx="1"/>
+          </p:nvPr>
+        </p:nvSpPr>
+        <p:spPr/>
+        <p:txBody>
+          <a:bodyPr/>
+          <a:lstStyle/>
+          <a:p>
+            <a:r>
+              <a:rPr lang="en-US" sz="1200" kern="1200" dirty="0">
+                <a:solidFill>
+                  <a:schemeClr val="tx1"/>
+                </a:solidFill>
+                <a:effectLst/>
+                <a:latin typeface="+mn-lt"/>
+                <a:ea typeface="+mn-ea"/>
+                <a:cs typeface="+mn-cs"/>
+              </a:rPr>
+              <a:t>I also wanted to see the relationship between the same variables but against the death event variable to take a look at sex, smoking, anemia, diabetes and high blood pressure to see if there were strong correlations between them and the death event. After evaluation I notice there is not any obvious correlation between their sex or whether they smoked against whether they died or not.</a:t>
+            </a:r>
+            <a:endParaRPr lang="en-US" dirty="0"/>
+          </a:p>
+        </p:txBody>
+      </p:sp>
+      <p:sp>
+        <p:nvSpPr>
+          <p:cNvPr id="4" name="Slide Number Placeholder 3"/>
+          <p:cNvSpPr>
+            <a:spLocks noGrp="1"/>
+          </p:cNvSpPr>
+          <p:nvPr>
+            <p:ph type="sldNum" sz="quarter" idx="5"/>
+          </p:nvPr>
+        </p:nvSpPr>
+        <p:spPr/>
+        <p:txBody>
+          <a:bodyPr/>
+          <a:lstStyle/>
+          <a:p>
+            <a:fld id="{3EACAF79-C3D2-41BC-A30A-2EE193489C00}" type="slidenum">
+              <a:rPr lang="en-US" smtClean="0"/>
+              <a:t>6</a:t>
+            </a:fld>
+            <a:endParaRPr lang="en-US"/>
+          </a:p>
+        </p:txBody>
+      </p:sp>
+    </p:spTree>
+    <p:extLst>
+      <p:ext uri="{BB962C8B-B14F-4D97-AF65-F5344CB8AC3E}">
+        <p14:creationId xmlns:p14="http://schemas.microsoft.com/office/powerpoint/2010/main" val="4039666683"/>
+      </p:ext>
+    </p:extLst>
+  </p:cSld>
+  <p:clrMapOvr>
+    <a:masterClrMapping/>
+  </p:clrMapOvr>
+</p:notes>
+</file>
+
+<file path=ppt/notesSlides/notesSlide7.xml><?xml version="1.0" encoding="utf-8"?>
+<p:notes xmlns:a="http://schemas.openxmlformats.org/drawingml/2006/main" xmlns:r="http://schemas.openxmlformats.org/officeDocument/2006/relationships" xmlns:p="http://schemas.openxmlformats.org/presentationml/2006/main">
+  <p:cSld>
+    <p:spTree>
+      <p:nvGrpSpPr>
+        <p:cNvPr id="1" name=""/>
+        <p:cNvGrpSpPr/>
+        <p:nvPr/>
+      </p:nvGrpSpPr>
+      <p:grpSpPr>
+        <a:xfrm>
+          <a:off x="0" y="0"/>
+          <a:ext cx="0" cy="0"/>
+          <a:chOff x="0" y="0"/>
+          <a:chExt cx="0" cy="0"/>
+        </a:xfrm>
+      </p:grpSpPr>
+      <p:sp>
+        <p:nvSpPr>
+          <p:cNvPr id="2" name="Slide Image Placeholder 1"/>
+          <p:cNvSpPr>
+            <a:spLocks noGrp="1" noRot="1" noChangeAspect="1"/>
+          </p:cNvSpPr>
+          <p:nvPr>
+            <p:ph type="sldImg"/>
+          </p:nvPr>
+        </p:nvSpPr>
+        <p:spPr/>
+      </p:sp>
+      <p:sp>
+        <p:nvSpPr>
+          <p:cNvPr id="3" name="Notes Placeholder 2"/>
+          <p:cNvSpPr>
+            <a:spLocks noGrp="1"/>
+          </p:cNvSpPr>
+          <p:nvPr>
+            <p:ph type="body" idx="1"/>
+          </p:nvPr>
+        </p:nvSpPr>
+        <p:spPr/>
+        <p:txBody>
+          <a:bodyPr/>
+          <a:lstStyle/>
+          <a:p>
+            <a:r>
+              <a:rPr lang="en-US" dirty="0"/>
+              <a:t>This heatmap gives us a good visual for looking at the most impacted variables against the death event (weather a patient dies while being monitored by doctors)</a:t>
+            </a:r>
+          </a:p>
+          <a:p>
+            <a:endParaRPr lang="en-US" dirty="0"/>
+          </a:p>
+          <a:p>
+            <a:r>
+              <a:rPr lang="en-US" sz="1200" kern="1200" dirty="0">
+                <a:solidFill>
+                  <a:schemeClr val="tx1"/>
+                </a:solidFill>
+                <a:effectLst/>
+                <a:latin typeface="+mn-lt"/>
+                <a:ea typeface="+mn-ea"/>
+                <a:cs typeface="+mn-cs"/>
+              </a:rPr>
+              <a:t>After looking at the heatmap we can see that the highest correlation is the serum creatinine variable.</a:t>
+            </a:r>
+          </a:p>
+          <a:p>
+            <a:endParaRPr lang="en-US" sz="1200" kern="1200" dirty="0">
+              <a:solidFill>
+                <a:schemeClr val="tx1"/>
+              </a:solidFill>
+              <a:effectLst/>
+              <a:latin typeface="+mn-lt"/>
+              <a:ea typeface="+mn-ea"/>
+              <a:cs typeface="+mn-cs"/>
+            </a:endParaRPr>
+          </a:p>
+          <a:p>
+            <a:r>
+              <a:rPr lang="en-US" sz="1200" kern="1200" dirty="0">
+                <a:solidFill>
+                  <a:schemeClr val="tx1"/>
+                </a:solidFill>
+                <a:effectLst/>
+                <a:latin typeface="+mn-lt"/>
+                <a:ea typeface="+mn-ea"/>
+                <a:cs typeface="+mn-cs"/>
+              </a:rPr>
+              <a:t>This gives us the ability to take a deeper look at this variables and see if we can come to any conclusions with it.</a:t>
+            </a:r>
+          </a:p>
+          <a:p>
+            <a:endParaRPr lang="en-US" sz="1200" kern="1200" dirty="0">
+              <a:solidFill>
+                <a:schemeClr val="tx1"/>
+              </a:solidFill>
+              <a:effectLst/>
+              <a:latin typeface="+mn-lt"/>
+              <a:ea typeface="+mn-ea"/>
+              <a:cs typeface="+mn-cs"/>
+            </a:endParaRPr>
+          </a:p>
+          <a:p>
+            <a:endParaRPr lang="en-US" dirty="0"/>
+          </a:p>
+        </p:txBody>
+      </p:sp>
+      <p:sp>
+        <p:nvSpPr>
+          <p:cNvPr id="4" name="Slide Number Placeholder 3"/>
+          <p:cNvSpPr>
+            <a:spLocks noGrp="1"/>
+          </p:cNvSpPr>
+          <p:nvPr>
+            <p:ph type="sldNum" sz="quarter" idx="5"/>
+          </p:nvPr>
+        </p:nvSpPr>
+        <p:spPr/>
+        <p:txBody>
+          <a:bodyPr/>
+          <a:lstStyle/>
+          <a:p>
+            <a:fld id="{3EACAF79-C3D2-41BC-A30A-2EE193489C00}" type="slidenum">
+              <a:rPr lang="en-US" smtClean="0"/>
+              <a:t>7</a:t>
+            </a:fld>
+            <a:endParaRPr lang="en-US"/>
+          </a:p>
+        </p:txBody>
+      </p:sp>
+    </p:spTree>
+    <p:extLst>
+      <p:ext uri="{BB962C8B-B14F-4D97-AF65-F5344CB8AC3E}">
+        <p14:creationId xmlns:p14="http://schemas.microsoft.com/office/powerpoint/2010/main" val="2127437612"/>
+      </p:ext>
+    </p:extLst>
+  </p:cSld>
+  <p:clrMapOvr>
+    <a:masterClrMapping/>
+  </p:clrMapOvr>
+</p:notes>
+</file>
+
+<file path=ppt/notesSlides/notesSlide8.xml><?xml version="1.0" encoding="utf-8"?>
+<p:notes xmlns:a="http://schemas.openxmlformats.org/drawingml/2006/main" xmlns:r="http://schemas.openxmlformats.org/officeDocument/2006/relationships" xmlns:p="http://schemas.openxmlformats.org/presentationml/2006/main">
+  <p:cSld>
+    <p:spTree>
+      <p:nvGrpSpPr>
+        <p:cNvPr id="1" name=""/>
+        <p:cNvGrpSpPr/>
+        <p:nvPr/>
+      </p:nvGrpSpPr>
+      <p:grpSpPr>
+        <a:xfrm>
+          <a:off x="0" y="0"/>
+          <a:ext cx="0" cy="0"/>
+          <a:chOff x="0" y="0"/>
+          <a:chExt cx="0" cy="0"/>
+        </a:xfrm>
+      </p:grpSpPr>
+      <p:sp>
+        <p:nvSpPr>
+          <p:cNvPr id="2" name="Slide Image Placeholder 1"/>
+          <p:cNvSpPr>
+            <a:spLocks noGrp="1" noRot="1" noChangeAspect="1"/>
+          </p:cNvSpPr>
+          <p:nvPr>
+            <p:ph type="sldImg"/>
+          </p:nvPr>
+        </p:nvSpPr>
+        <p:spPr/>
+      </p:sp>
+      <p:sp>
+        <p:nvSpPr>
+          <p:cNvPr id="3" name="Notes Placeholder 2"/>
+          <p:cNvSpPr>
+            <a:spLocks noGrp="1"/>
+          </p:cNvSpPr>
+          <p:nvPr>
+            <p:ph type="body" idx="1"/>
+          </p:nvPr>
+        </p:nvSpPr>
+        <p:spPr/>
+        <p:txBody>
+          <a:bodyPr/>
+          <a:lstStyle/>
+          <a:p>
+            <a:r>
+              <a:rPr lang="en-US" sz="1200" kern="1200" dirty="0">
+                <a:solidFill>
+                  <a:schemeClr val="tx1"/>
+                </a:solidFill>
+                <a:effectLst/>
+                <a:latin typeface="+mn-lt"/>
+                <a:ea typeface="+mn-ea"/>
+                <a:cs typeface="+mn-cs"/>
+              </a:rPr>
+              <a:t>Based on all the plots and visualizations we can see that individuals especially over 70 had higher chances of dying and those under 50 had higher chances of survival suggesting the need to band ages. Patients with a larger amount of follow up days tended to survive the most while those with greater than 50 days ended up with a higher mortality. </a:t>
+            </a:r>
+            <a:endParaRPr lang="en-US" dirty="0"/>
+          </a:p>
+        </p:txBody>
+      </p:sp>
+      <p:sp>
+        <p:nvSpPr>
+          <p:cNvPr id="4" name="Slide Number Placeholder 3"/>
+          <p:cNvSpPr>
+            <a:spLocks noGrp="1"/>
+          </p:cNvSpPr>
+          <p:nvPr>
+            <p:ph type="sldNum" sz="quarter" idx="5"/>
+          </p:nvPr>
+        </p:nvSpPr>
+        <p:spPr/>
+        <p:txBody>
+          <a:bodyPr/>
+          <a:lstStyle/>
+          <a:p>
+            <a:fld id="{3EACAF79-C3D2-41BC-A30A-2EE193489C00}" type="slidenum">
+              <a:rPr lang="en-US" smtClean="0"/>
+              <a:t>8</a:t>
+            </a:fld>
+            <a:endParaRPr lang="en-US"/>
+          </a:p>
+        </p:txBody>
+      </p:sp>
+    </p:spTree>
+    <p:extLst>
+      <p:ext uri="{BB962C8B-B14F-4D97-AF65-F5344CB8AC3E}">
+        <p14:creationId xmlns:p14="http://schemas.microsoft.com/office/powerpoint/2010/main" val="1532982132"/>
+      </p:ext>
+    </p:extLst>
+  </p:cSld>
+  <p:clrMapOvr>
+    <a:masterClrMapping/>
+  </p:clrMapOvr>
+</p:notes>
+</file>
+
+<file path=ppt/notesSlides/notesSlide9.xml><?xml version="1.0" encoding="utf-8"?>
+<p:notes xmlns:a="http://schemas.openxmlformats.org/drawingml/2006/main" xmlns:r="http://schemas.openxmlformats.org/officeDocument/2006/relationships" xmlns:p="http://schemas.openxmlformats.org/presentationml/2006/main">
+  <p:cSld>
+    <p:spTree>
+      <p:nvGrpSpPr>
+        <p:cNvPr id="1" name=""/>
+        <p:cNvGrpSpPr/>
+        <p:nvPr/>
+      </p:nvGrpSpPr>
+      <p:grpSpPr>
+        <a:xfrm>
+          <a:off x="0" y="0"/>
+          <a:ext cx="0" cy="0"/>
+          <a:chOff x="0" y="0"/>
+          <a:chExt cx="0" cy="0"/>
+        </a:xfrm>
+      </p:grpSpPr>
+      <p:sp>
+        <p:nvSpPr>
+          <p:cNvPr id="2" name="Slide Image Placeholder 1"/>
+          <p:cNvSpPr>
+            <a:spLocks noGrp="1" noRot="1" noChangeAspect="1"/>
+          </p:cNvSpPr>
+          <p:nvPr>
+            <p:ph type="sldImg"/>
+          </p:nvPr>
+        </p:nvSpPr>
+        <p:spPr/>
+      </p:sp>
+      <p:sp>
+        <p:nvSpPr>
+          <p:cNvPr id="3" name="Notes Placeholder 2"/>
+          <p:cNvSpPr>
+            <a:spLocks noGrp="1"/>
+          </p:cNvSpPr>
+          <p:nvPr>
+            <p:ph type="body" idx="1"/>
+          </p:nvPr>
+        </p:nvSpPr>
+        <p:spPr/>
+        <p:txBody>
+          <a:bodyPr/>
+          <a:lstStyle/>
+          <a:p>
+            <a:pPr marL="0" marR="0" lvl="0" indent="0" algn="l" defTabSz="914400" rtl="0" eaLnBrk="1" fontAlgn="auto" latinLnBrk="0" hangingPunct="1">
+              <a:lnSpc>
+                <a:spcPct val="100000"/>
+              </a:lnSpc>
+              <a:spcBef>
+                <a:spcPts val="0"/>
+              </a:spcBef>
+              <a:spcAft>
+                <a:spcPts val="0"/>
+              </a:spcAft>
+              <a:buClrTx/>
+              <a:buSzTx/>
+              <a:buFontTx/>
+              <a:buNone/>
+              <a:tabLst/>
+              <a:defRPr/>
+            </a:pPr>
+            <a:r>
+              <a:rPr lang="en-US" sz="1200" kern="1200" dirty="0">
+                <a:solidFill>
+                  <a:schemeClr val="tx1"/>
+                </a:solidFill>
+                <a:effectLst/>
+                <a:latin typeface="+mn-lt"/>
+                <a:ea typeface="+mn-ea"/>
+                <a:cs typeface="+mn-cs"/>
+              </a:rPr>
+              <a:t>Another interesting thing was the ejection fraction, those with high percentages had lower deaths and those with lower percentages of about less than 30% had more deaths. Two features, Platelets and CPK, seem to not have any effect with survival. So, we have four numerical variables that can be used for our future model building. </a:t>
+            </a:r>
+            <a:endParaRPr lang="en-US" dirty="0"/>
+          </a:p>
+        </p:txBody>
+      </p:sp>
+      <p:sp>
+        <p:nvSpPr>
+          <p:cNvPr id="4" name="Slide Number Placeholder 3"/>
+          <p:cNvSpPr>
+            <a:spLocks noGrp="1"/>
+          </p:cNvSpPr>
+          <p:nvPr>
+            <p:ph type="sldNum" sz="quarter" idx="5"/>
+          </p:nvPr>
+        </p:nvSpPr>
+        <p:spPr/>
+        <p:txBody>
+          <a:bodyPr/>
+          <a:lstStyle/>
+          <a:p>
+            <a:fld id="{3EACAF79-C3D2-41BC-A30A-2EE193489C00}" type="slidenum">
+              <a:rPr lang="en-US" smtClean="0"/>
+              <a:t>9</a:t>
+            </a:fld>
+            <a:endParaRPr lang="en-US"/>
+          </a:p>
+        </p:txBody>
+      </p:sp>
+    </p:spTree>
+    <p:extLst>
+      <p:ext uri="{BB962C8B-B14F-4D97-AF65-F5344CB8AC3E}">
+        <p14:creationId xmlns:p14="http://schemas.microsoft.com/office/powerpoint/2010/main" val="4129091619"/>
       </p:ext>
     </p:extLst>
   </p:cSld>
@@ -13636,7 +13770,843 @@
       </p:grpSpPr>
       <p:sp>
         <p:nvSpPr>
-          <p:cNvPr id="73" name="Freeform 7">
+          <p:cNvPr id="2" name="Title 1">
+            <a:extLst>
+              <a:ext uri="{FF2B5EF4-FFF2-40B4-BE49-F238E27FC236}">
+                <a16:creationId xmlns:a16="http://schemas.microsoft.com/office/drawing/2014/main" id="{82578E34-7C3A-465C-8BD7-6D43DA599110}"/>
+              </a:ext>
+            </a:extLst>
+          </p:cNvPr>
+          <p:cNvSpPr>
+            <a:spLocks noGrp="1"/>
+          </p:cNvSpPr>
+          <p:nvPr>
+            <p:ph type="title"/>
+          </p:nvPr>
+        </p:nvSpPr>
+        <p:spPr>
+          <a:xfrm>
+            <a:off x="643855" y="1447799"/>
+            <a:ext cx="3108626" cy="1444752"/>
+          </a:xfrm>
+        </p:spPr>
+        <p:txBody>
+          <a:bodyPr anchor="b">
+            <a:normAutofit/>
+          </a:bodyPr>
+          <a:lstStyle/>
+          <a:p>
+            <a:pPr>
+              <a:lnSpc>
+                <a:spcPct val="90000"/>
+              </a:lnSpc>
+            </a:pPr>
+            <a:r>
+              <a:rPr lang="en-US" sz="2700"/>
+              <a:t>Analysis – Outliers of Continuous Features</a:t>
+            </a:r>
+          </a:p>
+        </p:txBody>
+      </p:sp>
+      <p:sp>
+        <p:nvSpPr>
+          <p:cNvPr id="82" name="Freeform 11">
+            <a:extLst>
+              <a:ext uri="{FF2B5EF4-FFF2-40B4-BE49-F238E27FC236}">
+                <a16:creationId xmlns:a16="http://schemas.microsoft.com/office/drawing/2014/main" id="{2FEA51AE-2D18-46BE-B2CA-B90B13168980}"/>
+              </a:ext>
+              <a:ext uri="{C183D7F6-B498-43B3-948B-1728B52AA6E4}">
+                <adec:decorative xmlns:adec="http://schemas.microsoft.com/office/drawing/2017/decorative" val="1"/>
+              </a:ext>
+            </a:extLst>
+          </p:cNvPr>
+          <p:cNvSpPr>
+            <a:spLocks noGrp="1" noRot="1" noChangeAspect="1" noMove="1" noResize="1" noEditPoints="1" noAdjustHandles="1" noChangeArrowheads="1" noChangeShapeType="1" noTextEdit="1"/>
+          </p:cNvSpPr>
+          <p:nvPr>
+            <p:extLst>
+              <p:ext uri="{386F3935-93C4-4BCD-93E2-E3B085C9AB24}">
+                <p16:designElem xmlns:p16="http://schemas.microsoft.com/office/powerpoint/2015/main" val="1"/>
+              </p:ext>
+            </p:extLst>
+          </p:nvPr>
+        </p:nvSpPr>
+        <p:spPr>
+          <a:xfrm>
+            <a:off x="3948110" y="-1"/>
+            <a:ext cx="559472" cy="3709642"/>
+          </a:xfrm>
+          <a:custGeom>
+            <a:avLst/>
+            <a:gdLst>
+              <a:gd name="connsiteX0" fmla="*/ 0 w 559472"/>
+              <a:gd name="connsiteY0" fmla="*/ 0 h 3709642"/>
+              <a:gd name="connsiteX1" fmla="*/ 473952 w 559472"/>
+              <a:gd name="connsiteY1" fmla="*/ 0 h 3709642"/>
+              <a:gd name="connsiteX2" fmla="*/ 485840 w 559472"/>
+              <a:gd name="connsiteY2" fmla="*/ 161194 h 3709642"/>
+              <a:gd name="connsiteX3" fmla="*/ 523949 w 559472"/>
+              <a:gd name="connsiteY3" fmla="*/ 3672197 h 3709642"/>
+              <a:gd name="connsiteX4" fmla="*/ 454748 w 559472"/>
+              <a:gd name="connsiteY4" fmla="*/ 3709642 h 3709642"/>
+              <a:gd name="connsiteX5" fmla="*/ 448224 w 559472"/>
+              <a:gd name="connsiteY5" fmla="*/ 3510471 h 3709642"/>
+              <a:gd name="connsiteX6" fmla="*/ 443564 w 559472"/>
+              <a:gd name="connsiteY6" fmla="*/ 3408563 h 3709642"/>
+              <a:gd name="connsiteX7" fmla="*/ 438902 w 559472"/>
+              <a:gd name="connsiteY7" fmla="*/ 3304407 h 3709642"/>
+              <a:gd name="connsiteX8" fmla="*/ 433941 w 559472"/>
+              <a:gd name="connsiteY8" fmla="*/ 3198777 h 3709642"/>
+              <a:gd name="connsiteX9" fmla="*/ 427584 w 559472"/>
+              <a:gd name="connsiteY9" fmla="*/ 3092510 h 3709642"/>
+              <a:gd name="connsiteX10" fmla="*/ 420988 w 559472"/>
+              <a:gd name="connsiteY10" fmla="*/ 2984390 h 3709642"/>
+              <a:gd name="connsiteX11" fmla="*/ 414330 w 559472"/>
+              <a:gd name="connsiteY11" fmla="*/ 2874401 h 3709642"/>
+              <a:gd name="connsiteX12" fmla="*/ 406840 w 559472"/>
+              <a:gd name="connsiteY12" fmla="*/ 2762980 h 3709642"/>
+              <a:gd name="connsiteX13" fmla="*/ 397745 w 559472"/>
+              <a:gd name="connsiteY13" fmla="*/ 2650566 h 3709642"/>
+              <a:gd name="connsiteX14" fmla="*/ 389154 w 559472"/>
+              <a:gd name="connsiteY14" fmla="*/ 2536612 h 3709642"/>
+              <a:gd name="connsiteX15" fmla="*/ 379225 w 559472"/>
+              <a:gd name="connsiteY15" fmla="*/ 2421642 h 3709642"/>
+              <a:gd name="connsiteX16" fmla="*/ 368316 w 559472"/>
+              <a:gd name="connsiteY16" fmla="*/ 2305627 h 3709642"/>
+              <a:gd name="connsiteX17" fmla="*/ 357466 w 559472"/>
+              <a:gd name="connsiteY17" fmla="*/ 2189233 h 3709642"/>
+              <a:gd name="connsiteX18" fmla="*/ 344982 w 559472"/>
+              <a:gd name="connsiteY18" fmla="*/ 2071473 h 3709642"/>
+              <a:gd name="connsiteX19" fmla="*/ 332466 w 559472"/>
+              <a:gd name="connsiteY19" fmla="*/ 1952216 h 3709642"/>
+              <a:gd name="connsiteX20" fmla="*/ 319121 w 559472"/>
+              <a:gd name="connsiteY20" fmla="*/ 1833776 h 3709642"/>
+              <a:gd name="connsiteX21" fmla="*/ 304408 w 559472"/>
+              <a:gd name="connsiteY21" fmla="*/ 1713948 h 3709642"/>
+              <a:gd name="connsiteX22" fmla="*/ 288685 w 559472"/>
+              <a:gd name="connsiteY22" fmla="*/ 1592703 h 3709642"/>
+              <a:gd name="connsiteX23" fmla="*/ 273050 w 559472"/>
+              <a:gd name="connsiteY23" fmla="*/ 1471451 h 3709642"/>
+              <a:gd name="connsiteX24" fmla="*/ 255813 w 559472"/>
+              <a:gd name="connsiteY24" fmla="*/ 1350328 h 3709642"/>
+              <a:gd name="connsiteX25" fmla="*/ 237060 w 559472"/>
+              <a:gd name="connsiteY25" fmla="*/ 1227080 h 3709642"/>
+              <a:gd name="connsiteX26" fmla="*/ 218488 w 559472"/>
+              <a:gd name="connsiteY26" fmla="*/ 1106065 h 3709642"/>
+              <a:gd name="connsiteX27" fmla="*/ 198221 w 559472"/>
+              <a:gd name="connsiteY27" fmla="*/ 982940 h 3709642"/>
+              <a:gd name="connsiteX28" fmla="*/ 177152 w 559472"/>
+              <a:gd name="connsiteY28" fmla="*/ 858755 h 3709642"/>
+              <a:gd name="connsiteX29" fmla="*/ 155551 w 559472"/>
+              <a:gd name="connsiteY29" fmla="*/ 736861 h 3709642"/>
+              <a:gd name="connsiteX30" fmla="*/ 131782 w 559472"/>
+              <a:gd name="connsiteY30" fmla="*/ 613645 h 3709642"/>
+              <a:gd name="connsiteX31" fmla="*/ 107123 w 559472"/>
+              <a:gd name="connsiteY31" fmla="*/ 490500 h 3709642"/>
+              <a:gd name="connsiteX32" fmla="*/ 82552 w 559472"/>
+              <a:gd name="connsiteY32" fmla="*/ 367348 h 3709642"/>
+              <a:gd name="connsiteX33" fmla="*/ 55608 w 559472"/>
+              <a:gd name="connsiteY33" fmla="*/ 244762 h 3709642"/>
+              <a:gd name="connsiteX34" fmla="*/ 28130 w 559472"/>
+              <a:gd name="connsiteY34" fmla="*/ 122220 h 3709642"/>
+              <a:gd name="connsiteX35" fmla="*/ 0 w 559472"/>
+              <a:gd name="connsiteY35" fmla="*/ 0 h 3709642"/>
+            </a:gdLst>
+            <a:ahLst/>
+            <a:cxnLst>
+              <a:cxn ang="0">
+                <a:pos x="connsiteX0" y="connsiteY0"/>
+              </a:cxn>
+              <a:cxn ang="0">
+                <a:pos x="connsiteX1" y="connsiteY1"/>
+              </a:cxn>
+              <a:cxn ang="0">
+                <a:pos x="connsiteX2" y="connsiteY2"/>
+              </a:cxn>
+              <a:cxn ang="0">
+                <a:pos x="connsiteX3" y="connsiteY3"/>
+              </a:cxn>
+              <a:cxn ang="0">
+                <a:pos x="connsiteX4" y="connsiteY4"/>
+              </a:cxn>
+              <a:cxn ang="0">
+                <a:pos x="connsiteX5" y="connsiteY5"/>
+              </a:cxn>
+              <a:cxn ang="0">
+                <a:pos x="connsiteX6" y="connsiteY6"/>
+              </a:cxn>
+              <a:cxn ang="0">
+                <a:pos x="connsiteX7" y="connsiteY7"/>
+              </a:cxn>
+              <a:cxn ang="0">
+                <a:pos x="connsiteX8" y="connsiteY8"/>
+              </a:cxn>
+              <a:cxn ang="0">
+                <a:pos x="connsiteX9" y="connsiteY9"/>
+              </a:cxn>
+              <a:cxn ang="0">
+                <a:pos x="connsiteX10" y="connsiteY10"/>
+              </a:cxn>
+              <a:cxn ang="0">
+                <a:pos x="connsiteX11" y="connsiteY11"/>
+              </a:cxn>
+              <a:cxn ang="0">
+                <a:pos x="connsiteX12" y="connsiteY12"/>
+              </a:cxn>
+              <a:cxn ang="0">
+                <a:pos x="connsiteX13" y="connsiteY13"/>
+              </a:cxn>
+              <a:cxn ang="0">
+                <a:pos x="connsiteX14" y="connsiteY14"/>
+              </a:cxn>
+              <a:cxn ang="0">
+                <a:pos x="connsiteX15" y="connsiteY15"/>
+              </a:cxn>
+              <a:cxn ang="0">
+                <a:pos x="connsiteX16" y="connsiteY16"/>
+              </a:cxn>
+              <a:cxn ang="0">
+                <a:pos x="connsiteX17" y="connsiteY17"/>
+              </a:cxn>
+              <a:cxn ang="0">
+                <a:pos x="connsiteX18" y="connsiteY18"/>
+              </a:cxn>
+              <a:cxn ang="0">
+                <a:pos x="connsiteX19" y="connsiteY19"/>
+              </a:cxn>
+              <a:cxn ang="0">
+                <a:pos x="connsiteX20" y="connsiteY20"/>
+              </a:cxn>
+              <a:cxn ang="0">
+                <a:pos x="connsiteX21" y="connsiteY21"/>
+              </a:cxn>
+              <a:cxn ang="0">
+                <a:pos x="connsiteX22" y="connsiteY22"/>
+              </a:cxn>
+              <a:cxn ang="0">
+                <a:pos x="connsiteX23" y="connsiteY23"/>
+              </a:cxn>
+              <a:cxn ang="0">
+                <a:pos x="connsiteX24" y="connsiteY24"/>
+              </a:cxn>
+              <a:cxn ang="0">
+                <a:pos x="connsiteX25" y="connsiteY25"/>
+              </a:cxn>
+              <a:cxn ang="0">
+                <a:pos x="connsiteX26" y="connsiteY26"/>
+              </a:cxn>
+              <a:cxn ang="0">
+                <a:pos x="connsiteX27" y="connsiteY27"/>
+              </a:cxn>
+              <a:cxn ang="0">
+                <a:pos x="connsiteX28" y="connsiteY28"/>
+              </a:cxn>
+              <a:cxn ang="0">
+                <a:pos x="connsiteX29" y="connsiteY29"/>
+              </a:cxn>
+              <a:cxn ang="0">
+                <a:pos x="connsiteX30" y="connsiteY30"/>
+              </a:cxn>
+              <a:cxn ang="0">
+                <a:pos x="connsiteX31" y="connsiteY31"/>
+              </a:cxn>
+              <a:cxn ang="0">
+                <a:pos x="connsiteX32" y="connsiteY32"/>
+              </a:cxn>
+              <a:cxn ang="0">
+                <a:pos x="connsiteX33" y="connsiteY33"/>
+              </a:cxn>
+              <a:cxn ang="0">
+                <a:pos x="connsiteX34" y="connsiteY34"/>
+              </a:cxn>
+              <a:cxn ang="0">
+                <a:pos x="connsiteX35" y="connsiteY35"/>
+              </a:cxn>
+            </a:cxnLst>
+            <a:rect l="l" t="t" r="r" b="b"/>
+            <a:pathLst>
+              <a:path w="559472" h="3709642">
+                <a:moveTo>
+                  <a:pt x="0" y="0"/>
+                </a:moveTo>
+                <a:lnTo>
+                  <a:pt x="473952" y="0"/>
+                </a:lnTo>
+                <a:lnTo>
+                  <a:pt x="485840" y="161194"/>
+                </a:lnTo>
+                <a:cubicBezTo>
+                  <a:pt x="552063" y="1147770"/>
+                  <a:pt x="592441" y="3086737"/>
+                  <a:pt x="523949" y="3672197"/>
+                </a:cubicBezTo>
+                <a:cubicBezTo>
+                  <a:pt x="500842" y="3684557"/>
+                  <a:pt x="477855" y="3697282"/>
+                  <a:pt x="454748" y="3709642"/>
+                </a:cubicBezTo>
+                <a:lnTo>
+                  <a:pt x="448224" y="3510471"/>
+                </a:lnTo>
+                <a:lnTo>
+                  <a:pt x="443564" y="3408563"/>
+                </a:lnTo>
+                <a:lnTo>
+                  <a:pt x="438902" y="3304407"/>
+                </a:lnTo>
+                <a:lnTo>
+                  <a:pt x="433941" y="3198777"/>
+                </a:lnTo>
+                <a:lnTo>
+                  <a:pt x="427584" y="3092510"/>
+                </a:lnTo>
+                <a:lnTo>
+                  <a:pt x="420988" y="2984390"/>
+                </a:lnTo>
+                <a:lnTo>
+                  <a:pt x="414330" y="2874401"/>
+                </a:lnTo>
+                <a:lnTo>
+                  <a:pt x="406840" y="2762980"/>
+                </a:lnTo>
+                <a:lnTo>
+                  <a:pt x="397745" y="2650566"/>
+                </a:lnTo>
+                <a:lnTo>
+                  <a:pt x="389154" y="2536612"/>
+                </a:lnTo>
+                <a:lnTo>
+                  <a:pt x="379225" y="2421642"/>
+                </a:lnTo>
+                <a:lnTo>
+                  <a:pt x="368316" y="2305627"/>
+                </a:lnTo>
+                <a:lnTo>
+                  <a:pt x="357466" y="2189233"/>
+                </a:lnTo>
+                <a:lnTo>
+                  <a:pt x="344982" y="2071473"/>
+                </a:lnTo>
+                <a:lnTo>
+                  <a:pt x="332466" y="1952216"/>
+                </a:lnTo>
+                <a:lnTo>
+                  <a:pt x="319121" y="1833776"/>
+                </a:lnTo>
+                <a:lnTo>
+                  <a:pt x="304408" y="1713948"/>
+                </a:lnTo>
+                <a:lnTo>
+                  <a:pt x="288685" y="1592703"/>
+                </a:lnTo>
+                <a:lnTo>
+                  <a:pt x="273050" y="1471451"/>
+                </a:lnTo>
+                <a:lnTo>
+                  <a:pt x="255813" y="1350328"/>
+                </a:lnTo>
+                <a:lnTo>
+                  <a:pt x="237060" y="1227080"/>
+                </a:lnTo>
+                <a:lnTo>
+                  <a:pt x="218488" y="1106065"/>
+                </a:lnTo>
+                <a:lnTo>
+                  <a:pt x="198221" y="982940"/>
+                </a:lnTo>
+                <a:lnTo>
+                  <a:pt x="177152" y="858755"/>
+                </a:lnTo>
+                <a:lnTo>
+                  <a:pt x="155551" y="736861"/>
+                </a:lnTo>
+                <a:lnTo>
+                  <a:pt x="131782" y="613645"/>
+                </a:lnTo>
+                <a:lnTo>
+                  <a:pt x="107123" y="490500"/>
+                </a:lnTo>
+                <a:lnTo>
+                  <a:pt x="82552" y="367348"/>
+                </a:lnTo>
+                <a:lnTo>
+                  <a:pt x="55608" y="244762"/>
+                </a:lnTo>
+                <a:lnTo>
+                  <a:pt x="28130" y="122220"/>
+                </a:lnTo>
+                <a:lnTo>
+                  <a:pt x="0" y="0"/>
+                </a:lnTo>
+                <a:close/>
+              </a:path>
+            </a:pathLst>
+          </a:custGeom>
+          <a:solidFill>
+            <a:schemeClr val="tx1">
+              <a:alpha val="20000"/>
+            </a:schemeClr>
+          </a:solidFill>
+          <a:ln>
+            <a:noFill/>
+          </a:ln>
+        </p:spPr>
+        <p:txBody>
+          <a:bodyPr rtlCol="0" anchor="ctr"/>
+          <a:lstStyle/>
+          <a:p>
+            <a:pPr algn="ctr"/>
+            <a:endParaRPr lang="en-US"/>
+          </a:p>
+        </p:txBody>
+      </p:sp>
+      <p:sp>
+        <p:nvSpPr>
+          <p:cNvPr id="84" name="Rectangle 83">
+            <a:extLst>
+              <a:ext uri="{FF2B5EF4-FFF2-40B4-BE49-F238E27FC236}">
+                <a16:creationId xmlns:a16="http://schemas.microsoft.com/office/drawing/2014/main" id="{5E6A537E-C106-45AE-9BBB-3CE559441813}"/>
+              </a:ext>
+              <a:ext uri="{C183D7F6-B498-43B3-948B-1728B52AA6E4}">
+                <adec:decorative xmlns:adec="http://schemas.microsoft.com/office/drawing/2017/decorative" val="1"/>
+              </a:ext>
+            </a:extLst>
+          </p:cNvPr>
+          <p:cNvSpPr>
+            <a:spLocks noGrp="1" noRot="1" noChangeAspect="1" noMove="1" noResize="1" noEditPoints="1" noAdjustHandles="1" noChangeArrowheads="1" noChangeShapeType="1" noTextEdit="1"/>
+          </p:cNvSpPr>
+          <p:nvPr>
+            <p:extLst>
+              <p:ext uri="{386F3935-93C4-4BCD-93E2-E3B085C9AB24}">
+                <p16:designElem xmlns:p16="http://schemas.microsoft.com/office/powerpoint/2015/main" val="1"/>
+              </p:ext>
+            </p:extLst>
+          </p:nvPr>
+        </p:nvSpPr>
+        <p:spPr>
+          <a:xfrm>
+            <a:off x="4639056" y="0"/>
+            <a:ext cx="7552944" cy="6858000"/>
+          </a:xfrm>
+          <a:prstGeom prst="rect">
+            <a:avLst/>
+          </a:prstGeom>
+          <a:solidFill>
+            <a:srgbClr val="FFFFFF"/>
+          </a:solidFill>
+          <a:ln>
+            <a:noFill/>
+          </a:ln>
+        </p:spPr>
+        <p:style>
+          <a:lnRef idx="2">
+            <a:schemeClr val="accent1">
+              <a:shade val="50000"/>
+            </a:schemeClr>
+          </a:lnRef>
+          <a:fillRef idx="1">
+            <a:schemeClr val="accent1"/>
+          </a:fillRef>
+          <a:effectRef idx="0">
+            <a:schemeClr val="accent1"/>
+          </a:effectRef>
+          <a:fontRef idx="minor">
+            <a:schemeClr val="lt1"/>
+          </a:fontRef>
+        </p:style>
+        <p:txBody>
+          <a:bodyPr rtlCol="0" anchor="ctr"/>
+          <a:lstStyle/>
+          <a:p>
+            <a:pPr algn="ctr"/>
+            <a:endParaRPr lang="en-US"/>
+          </a:p>
+        </p:txBody>
+      </p:sp>
+      <p:sp>
+        <p:nvSpPr>
+          <p:cNvPr id="86" name="Freeform 5">
+            <a:extLst>
+              <a:ext uri="{FF2B5EF4-FFF2-40B4-BE49-F238E27FC236}">
+                <a16:creationId xmlns:a16="http://schemas.microsoft.com/office/drawing/2014/main" id="{F918BA52-E4A7-4EEC-898E-C49023767C63}"/>
+              </a:ext>
+              <a:ext uri="{C183D7F6-B498-43B3-948B-1728B52AA6E4}">
+                <adec:decorative xmlns:adec="http://schemas.microsoft.com/office/drawing/2017/decorative" val="1"/>
+              </a:ext>
+            </a:extLst>
+          </p:cNvPr>
+          <p:cNvSpPr>
+            <a:spLocks noGrp="1" noRot="1" noChangeAspect="1" noMove="1" noResize="1" noEditPoints="1" noAdjustHandles="1" noChangeArrowheads="1" noChangeShapeType="1" noTextEdit="1"/>
+          </p:cNvSpPr>
+          <p:nvPr>
+            <p:extLst>
+              <p:ext uri="{386F3935-93C4-4BCD-93E2-E3B085C9AB24}">
+                <p16:designElem xmlns:p16="http://schemas.microsoft.com/office/powerpoint/2015/main" val="1"/>
+              </p:ext>
+            </p:extLst>
+          </p:nvPr>
+        </p:nvSpPr>
+        <p:spPr bwMode="gray">
+          <a:xfrm rot="16200000">
+            <a:off x="1404667" y="2756642"/>
+            <a:ext cx="6858000" cy="1344715"/>
+          </a:xfrm>
+          <a:custGeom>
+            <a:avLst/>
+            <a:gdLst/>
+            <a:ahLst/>
+            <a:cxnLst/>
+            <a:rect l="l" t="t" r="r" b="b"/>
+            <a:pathLst>
+              <a:path w="10000" h="8000">
+                <a:moveTo>
+                  <a:pt x="0" y="0"/>
+                </a:moveTo>
+                <a:lnTo>
+                  <a:pt x="0" y="7970"/>
+                </a:lnTo>
+                <a:lnTo>
+                  <a:pt x="10000" y="8000"/>
+                </a:lnTo>
+                <a:lnTo>
+                  <a:pt x="10000" y="7"/>
+                </a:lnTo>
+                <a:lnTo>
+                  <a:pt x="10000" y="7"/>
+                </a:lnTo>
+                <a:lnTo>
+                  <a:pt x="9773" y="156"/>
+                </a:lnTo>
+                <a:lnTo>
+                  <a:pt x="9547" y="298"/>
+                </a:lnTo>
+                <a:lnTo>
+                  <a:pt x="9320" y="437"/>
+                </a:lnTo>
+                <a:lnTo>
+                  <a:pt x="9092" y="556"/>
+                </a:lnTo>
+                <a:lnTo>
+                  <a:pt x="8865" y="676"/>
+                </a:lnTo>
+                <a:lnTo>
+                  <a:pt x="8637" y="788"/>
+                </a:lnTo>
+                <a:lnTo>
+                  <a:pt x="8412" y="884"/>
+                </a:lnTo>
+                <a:lnTo>
+                  <a:pt x="8184" y="975"/>
+                </a:lnTo>
+                <a:lnTo>
+                  <a:pt x="7957" y="1058"/>
+                </a:lnTo>
+                <a:lnTo>
+                  <a:pt x="7734" y="1130"/>
+                </a:lnTo>
+                <a:lnTo>
+                  <a:pt x="7508" y="1202"/>
+                </a:lnTo>
+                <a:lnTo>
+                  <a:pt x="7285" y="1262"/>
+                </a:lnTo>
+                <a:lnTo>
+                  <a:pt x="7062" y="1309"/>
+                </a:lnTo>
+                <a:lnTo>
+                  <a:pt x="6840" y="1358"/>
+                </a:lnTo>
+                <a:lnTo>
+                  <a:pt x="6620" y="1399"/>
+                </a:lnTo>
+                <a:lnTo>
+                  <a:pt x="6402" y="1428"/>
+                </a:lnTo>
+                <a:lnTo>
+                  <a:pt x="6184" y="1453"/>
+                </a:lnTo>
+                <a:lnTo>
+                  <a:pt x="5968" y="1477"/>
+                </a:lnTo>
+                <a:lnTo>
+                  <a:pt x="5755" y="1488"/>
+                </a:lnTo>
+                <a:lnTo>
+                  <a:pt x="5542" y="1500"/>
+                </a:lnTo>
+                <a:lnTo>
+                  <a:pt x="5332" y="1506"/>
+                </a:lnTo>
+                <a:lnTo>
+                  <a:pt x="5124" y="1500"/>
+                </a:lnTo>
+                <a:lnTo>
+                  <a:pt x="4918" y="1500"/>
+                </a:lnTo>
+                <a:lnTo>
+                  <a:pt x="4714" y="1488"/>
+                </a:lnTo>
+                <a:lnTo>
+                  <a:pt x="4514" y="1470"/>
+                </a:lnTo>
+                <a:lnTo>
+                  <a:pt x="4316" y="1453"/>
+                </a:lnTo>
+                <a:lnTo>
+                  <a:pt x="4122" y="1434"/>
+                </a:lnTo>
+                <a:lnTo>
+                  <a:pt x="3929" y="1405"/>
+                </a:lnTo>
+                <a:lnTo>
+                  <a:pt x="3739" y="1374"/>
+                </a:lnTo>
+                <a:lnTo>
+                  <a:pt x="3553" y="1346"/>
+                </a:lnTo>
+                <a:lnTo>
+                  <a:pt x="3190" y="1267"/>
+                </a:lnTo>
+                <a:lnTo>
+                  <a:pt x="2842" y="1183"/>
+                </a:lnTo>
+                <a:lnTo>
+                  <a:pt x="2508" y="1095"/>
+                </a:lnTo>
+                <a:lnTo>
+                  <a:pt x="2192" y="998"/>
+                </a:lnTo>
+                <a:lnTo>
+                  <a:pt x="1890" y="897"/>
+                </a:lnTo>
+                <a:lnTo>
+                  <a:pt x="1610" y="788"/>
+                </a:lnTo>
+                <a:lnTo>
+                  <a:pt x="1347" y="681"/>
+                </a:lnTo>
+                <a:lnTo>
+                  <a:pt x="1105" y="574"/>
+                </a:lnTo>
+                <a:lnTo>
+                  <a:pt x="883" y="473"/>
+                </a:lnTo>
+                <a:lnTo>
+                  <a:pt x="686" y="377"/>
+                </a:lnTo>
+                <a:lnTo>
+                  <a:pt x="508" y="286"/>
+                </a:lnTo>
+                <a:lnTo>
+                  <a:pt x="358" y="210"/>
+                </a:lnTo>
+                <a:lnTo>
+                  <a:pt x="232" y="138"/>
+                </a:lnTo>
+                <a:lnTo>
+                  <a:pt x="59" y="35"/>
+                </a:lnTo>
+                <a:lnTo>
+                  <a:pt x="0" y="0"/>
+                </a:lnTo>
+                <a:lnTo>
+                  <a:pt x="0" y="0"/>
+                </a:lnTo>
+                <a:close/>
+              </a:path>
+            </a:pathLst>
+          </a:custGeom>
+          <a:solidFill>
+            <a:srgbClr val="FFFFFF"/>
+          </a:solidFill>
+          <a:ln>
+            <a:noFill/>
+          </a:ln>
+        </p:spPr>
+      </p:sp>
+      <p:sp>
+        <p:nvSpPr>
+          <p:cNvPr id="88" name="Rectangle 87">
+            <a:extLst>
+              <a:ext uri="{FF2B5EF4-FFF2-40B4-BE49-F238E27FC236}">
+                <a16:creationId xmlns:a16="http://schemas.microsoft.com/office/drawing/2014/main" id="{86D3F3B7-282C-4DDC-AD1B-C497F2942BA6}"/>
+              </a:ext>
+              <a:ext uri="{C183D7F6-B498-43B3-948B-1728B52AA6E4}">
+                <adec:decorative xmlns:adec="http://schemas.microsoft.com/office/drawing/2017/decorative" val="1"/>
+              </a:ext>
+            </a:extLst>
+          </p:cNvPr>
+          <p:cNvSpPr>
+            <a:spLocks noGrp="1" noRot="1" noChangeAspect="1" noMove="1" noResize="1" noEditPoints="1" noAdjustHandles="1" noChangeArrowheads="1" noChangeShapeType="1" noTextEdit="1"/>
+          </p:cNvSpPr>
+          <p:nvPr>
+            <p:extLst>
+              <p:ext uri="{386F3935-93C4-4BCD-93E2-E3B085C9AB24}">
+                <p16:designElem xmlns:p16="http://schemas.microsoft.com/office/powerpoint/2015/main" val="1"/>
+              </p:ext>
+            </p:extLst>
+          </p:nvPr>
+        </p:nvSpPr>
+        <p:spPr>
+          <a:xfrm>
+            <a:off x="10437812" y="0"/>
+            <a:ext cx="685800" cy="1143000"/>
+          </a:xfrm>
+          <a:prstGeom prst="rect">
+            <a:avLst/>
+          </a:prstGeom>
+          <a:solidFill>
+            <a:schemeClr val="accent1"/>
+          </a:solidFill>
+          <a:ln>
+            <a:noFill/>
+          </a:ln>
+        </p:spPr>
+        <p:style>
+          <a:lnRef idx="1">
+            <a:schemeClr val="accent1"/>
+          </a:lnRef>
+          <a:fillRef idx="3">
+            <a:schemeClr val="accent1"/>
+          </a:fillRef>
+          <a:effectRef idx="2">
+            <a:schemeClr val="accent1"/>
+          </a:effectRef>
+          <a:fontRef idx="minor">
+            <a:schemeClr val="lt1"/>
+          </a:fontRef>
+        </p:style>
+      </p:sp>
+      <p:sp>
+        <p:nvSpPr>
+          <p:cNvPr id="3" name="Content Placeholder 2">
+            <a:extLst>
+              <a:ext uri="{FF2B5EF4-FFF2-40B4-BE49-F238E27FC236}">
+                <a16:creationId xmlns:a16="http://schemas.microsoft.com/office/drawing/2014/main" id="{C2E400D3-1254-4509-A87F-08BACA9E70F8}"/>
+              </a:ext>
+            </a:extLst>
+          </p:cNvPr>
+          <p:cNvSpPr>
+            <a:spLocks noGrp="1"/>
+          </p:cNvSpPr>
+          <p:nvPr>
+            <p:ph idx="1"/>
+          </p:nvPr>
+        </p:nvSpPr>
+        <p:spPr>
+          <a:xfrm>
+            <a:off x="643855" y="3072385"/>
+            <a:ext cx="3108057" cy="2947415"/>
+          </a:xfrm>
+        </p:spPr>
+        <p:txBody>
+          <a:bodyPr>
+            <a:normAutofit/>
+          </a:bodyPr>
+          <a:lstStyle/>
+          <a:p>
+            <a:r>
+              <a:rPr lang="en-US" sz="1400"/>
+              <a:t>We can see that the majority of patients are around 50-65 with around one third of them above 65.</a:t>
+            </a:r>
+          </a:p>
+          <a:p>
+            <a:r>
+              <a:rPr lang="en-US" sz="1400"/>
+              <a:t>CPK Enzyme shows the most blatent outliers with the other variables containing some as well.</a:t>
+            </a:r>
+          </a:p>
+          <a:p>
+            <a:endParaRPr lang="en-US" sz="1400"/>
+          </a:p>
+        </p:txBody>
+      </p:sp>
+      <p:pic>
+        <p:nvPicPr>
+          <p:cNvPr id="15" name="Picture 14">
+            <a:extLst>
+              <a:ext uri="{FF2B5EF4-FFF2-40B4-BE49-F238E27FC236}">
+                <a16:creationId xmlns:a16="http://schemas.microsoft.com/office/drawing/2014/main" id="{C31A8118-3BDF-4A3F-8B6F-A73B3DF3CE51}"/>
+              </a:ext>
+            </a:extLst>
+          </p:cNvPr>
+          <p:cNvPicPr/>
+          <p:nvPr/>
+        </p:nvPicPr>
+        <p:blipFill>
+          <a:blip r:embed="rId4"/>
+          <a:stretch>
+            <a:fillRect/>
+          </a:stretch>
+        </p:blipFill>
+        <p:spPr>
+          <a:xfrm>
+            <a:off x="5048451" y="1793165"/>
+            <a:ext cx="6495847" cy="3881268"/>
+          </a:xfrm>
+          <a:prstGeom prst="rect">
+            <a:avLst/>
+          </a:prstGeom>
+          <a:effectLst/>
+        </p:spPr>
+      </p:pic>
+    </p:spTree>
+    <p:extLst>
+      <p:ext uri="{BB962C8B-B14F-4D97-AF65-F5344CB8AC3E}">
+        <p14:creationId xmlns:p14="http://schemas.microsoft.com/office/powerpoint/2010/main" val="3438103428"/>
+      </p:ext>
+    </p:extLst>
+  </p:cSld>
+  <p:clrMapOvr>
+    <a:masterClrMapping/>
+  </p:clrMapOvr>
+</p:sld>
+</file>
+
+<file path=ppt/slides/slide5.xml><?xml version="1.0" encoding="utf-8"?>
+<p:sld xmlns:a="http://schemas.openxmlformats.org/drawingml/2006/main" xmlns:r="http://schemas.openxmlformats.org/officeDocument/2006/relationships" xmlns:p="http://schemas.openxmlformats.org/presentationml/2006/main">
+  <p:cSld>
+    <p:bg>
+      <p:bgPr>
+        <a:blipFill rotWithShape="1">
+          <a:blip r:embed="rId3">
+            <a:duotone>
+              <a:schemeClr val="bg2">
+                <a:shade val="62000"/>
+                <a:hueMod val="108000"/>
+                <a:satMod val="164000"/>
+                <a:lumMod val="69000"/>
+              </a:schemeClr>
+              <a:schemeClr val="bg2">
+                <a:tint val="96000"/>
+                <a:hueMod val="90000"/>
+                <a:satMod val="130000"/>
+                <a:lumMod val="134000"/>
+              </a:schemeClr>
+            </a:duotone>
+          </a:blip>
+          <a:stretch/>
+        </a:blipFill>
+        <a:effectLst/>
+      </p:bgPr>
+    </p:bg>
+    <p:spTree>
+      <p:nvGrpSpPr>
+        <p:cNvPr id="1" name=""/>
+        <p:cNvGrpSpPr/>
+        <p:nvPr/>
+      </p:nvGrpSpPr>
+      <p:grpSpPr>
+        <a:xfrm>
+          <a:off x="0" y="0"/>
+          <a:ext cx="0" cy="0"/>
+          <a:chOff x="0" y="0"/>
+          <a:chExt cx="0" cy="0"/>
+        </a:xfrm>
+      </p:grpSpPr>
+      <p:sp>
+        <p:nvSpPr>
+          <p:cNvPr id="26" name="Freeform 7">
             <a:extLst>
               <a:ext uri="{FF2B5EF4-FFF2-40B4-BE49-F238E27FC236}">
                 <a16:creationId xmlns:a16="http://schemas.microsoft.com/office/drawing/2014/main" id="{0A01F2A2-AEDD-47DC-AFB5-B97CEB9A5328}"/>
@@ -14003,7 +14973,7 @@
           <p:cNvPr id="2" name="Title 1">
             <a:extLst>
               <a:ext uri="{FF2B5EF4-FFF2-40B4-BE49-F238E27FC236}">
-                <a16:creationId xmlns:a16="http://schemas.microsoft.com/office/drawing/2014/main" id="{82578E34-7C3A-465C-8BD7-6D43DA599110}"/>
+                <a16:creationId xmlns:a16="http://schemas.microsoft.com/office/drawing/2014/main" id="{1E732ED6-8DED-48E4-8BD9-EE4B928DAAF2}"/>
               </a:ext>
             </a:extLst>
           </p:cNvPr>
@@ -14026,21 +14996,17 @@
           </a:bodyPr>
           <a:lstStyle/>
           <a:p>
-            <a:pPr>
-              <a:lnSpc>
-                <a:spcPct val="90000"/>
-              </a:lnSpc>
-            </a:pPr>
             <a:r>
-              <a:rPr lang="en-US" sz="3600"/>
-              <a:t>Analysis – Outliers of Continuous Features</a:t>
+              <a:rPr lang="en-US"/>
+              <a:t>Analysis – Categorical Features</a:t>
             </a:r>
-          </a:p>
-        </p:txBody>
-      </p:sp>
-      <p:sp>
-        <p:nvSpPr>
-          <p:cNvPr id="75" name="Rectangle 74">
+            <a:endParaRPr lang="en-US" dirty="0"/>
+          </a:p>
+        </p:txBody>
+      </p:sp>
+      <p:sp>
+        <p:nvSpPr>
+          <p:cNvPr id="27" name="Rectangle 19">
             <a:extLst>
               <a:ext uri="{FF2B5EF4-FFF2-40B4-BE49-F238E27FC236}">
                 <a16:creationId xmlns:a16="http://schemas.microsoft.com/office/drawing/2014/main" id="{DB5AF5F3-AD0A-4EFA-854A-47C780F26264}"/>
@@ -14103,826 +15069,7 @@
       </p:sp>
       <p:sp>
         <p:nvSpPr>
-          <p:cNvPr id="77" name="Freeform 5">
-            <a:extLst>
-              <a:ext uri="{FF2B5EF4-FFF2-40B4-BE49-F238E27FC236}">
-                <a16:creationId xmlns:a16="http://schemas.microsoft.com/office/drawing/2014/main" id="{1E3D6D6C-E192-4135-B1DB-17C71EEBC946}"/>
-              </a:ext>
-              <a:ext uri="{C183D7F6-B498-43B3-948B-1728B52AA6E4}">
-                <adec:decorative xmlns:adec="http://schemas.microsoft.com/office/drawing/2017/decorative" val="1"/>
-              </a:ext>
-            </a:extLst>
-          </p:cNvPr>
-          <p:cNvSpPr>
-            <a:spLocks noGrp="1" noRot="1" noChangeAspect="1" noMove="1" noResize="1" noEditPoints="1" noAdjustHandles="1" noChangeArrowheads="1" noChangeShapeType="1" noTextEdit="1"/>
-          </p:cNvSpPr>
-          <p:nvPr>
-            <p:extLst>
-              <p:ext uri="{386F3935-93C4-4BCD-93E2-E3B085C9AB24}">
-                <p16:designElem xmlns:p16="http://schemas.microsoft.com/office/powerpoint/2015/main" val="1"/>
-              </p:ext>
-            </p:extLst>
-          </p:nvPr>
-        </p:nvSpPr>
-        <p:spPr bwMode="gray">
-          <a:xfrm>
-            <a:off x="1" y="1762067"/>
-            <a:ext cx="12191695" cy="2802467"/>
-          </a:xfrm>
-          <a:custGeom>
-            <a:avLst/>
-            <a:gdLst/>
-            <a:ahLst/>
-            <a:cxnLst/>
-            <a:rect l="l" t="t" r="r" b="b"/>
-            <a:pathLst>
-              <a:path w="10000" h="8000">
-                <a:moveTo>
-                  <a:pt x="0" y="0"/>
-                </a:moveTo>
-                <a:lnTo>
-                  <a:pt x="0" y="7970"/>
-                </a:lnTo>
-                <a:lnTo>
-                  <a:pt x="10000" y="8000"/>
-                </a:lnTo>
-                <a:lnTo>
-                  <a:pt x="10000" y="7"/>
-                </a:lnTo>
-                <a:lnTo>
-                  <a:pt x="10000" y="7"/>
-                </a:lnTo>
-                <a:lnTo>
-                  <a:pt x="9773" y="156"/>
-                </a:lnTo>
-                <a:lnTo>
-                  <a:pt x="9547" y="298"/>
-                </a:lnTo>
-                <a:lnTo>
-                  <a:pt x="9320" y="437"/>
-                </a:lnTo>
-                <a:lnTo>
-                  <a:pt x="9092" y="556"/>
-                </a:lnTo>
-                <a:lnTo>
-                  <a:pt x="8865" y="676"/>
-                </a:lnTo>
-                <a:lnTo>
-                  <a:pt x="8637" y="788"/>
-                </a:lnTo>
-                <a:lnTo>
-                  <a:pt x="8412" y="884"/>
-                </a:lnTo>
-                <a:lnTo>
-                  <a:pt x="8184" y="975"/>
-                </a:lnTo>
-                <a:lnTo>
-                  <a:pt x="7957" y="1058"/>
-                </a:lnTo>
-                <a:lnTo>
-                  <a:pt x="7734" y="1130"/>
-                </a:lnTo>
-                <a:lnTo>
-                  <a:pt x="7508" y="1202"/>
-                </a:lnTo>
-                <a:lnTo>
-                  <a:pt x="7285" y="1262"/>
-                </a:lnTo>
-                <a:lnTo>
-                  <a:pt x="7062" y="1309"/>
-                </a:lnTo>
-                <a:lnTo>
-                  <a:pt x="6840" y="1358"/>
-                </a:lnTo>
-                <a:lnTo>
-                  <a:pt x="6620" y="1399"/>
-                </a:lnTo>
-                <a:lnTo>
-                  <a:pt x="6402" y="1428"/>
-                </a:lnTo>
-                <a:lnTo>
-                  <a:pt x="6184" y="1453"/>
-                </a:lnTo>
-                <a:lnTo>
-                  <a:pt x="5968" y="1477"/>
-                </a:lnTo>
-                <a:lnTo>
-                  <a:pt x="5755" y="1488"/>
-                </a:lnTo>
-                <a:lnTo>
-                  <a:pt x="5542" y="1500"/>
-                </a:lnTo>
-                <a:lnTo>
-                  <a:pt x="5332" y="1506"/>
-                </a:lnTo>
-                <a:lnTo>
-                  <a:pt x="5124" y="1500"/>
-                </a:lnTo>
-                <a:lnTo>
-                  <a:pt x="4918" y="1500"/>
-                </a:lnTo>
-                <a:lnTo>
-                  <a:pt x="4714" y="1488"/>
-                </a:lnTo>
-                <a:lnTo>
-                  <a:pt x="4514" y="1470"/>
-                </a:lnTo>
-                <a:lnTo>
-                  <a:pt x="4316" y="1453"/>
-                </a:lnTo>
-                <a:lnTo>
-                  <a:pt x="4122" y="1434"/>
-                </a:lnTo>
-                <a:lnTo>
-                  <a:pt x="3929" y="1405"/>
-                </a:lnTo>
-                <a:lnTo>
-                  <a:pt x="3739" y="1374"/>
-                </a:lnTo>
-                <a:lnTo>
-                  <a:pt x="3553" y="1346"/>
-                </a:lnTo>
-                <a:lnTo>
-                  <a:pt x="3190" y="1267"/>
-                </a:lnTo>
-                <a:lnTo>
-                  <a:pt x="2842" y="1183"/>
-                </a:lnTo>
-                <a:lnTo>
-                  <a:pt x="2508" y="1095"/>
-                </a:lnTo>
-                <a:lnTo>
-                  <a:pt x="2192" y="998"/>
-                </a:lnTo>
-                <a:lnTo>
-                  <a:pt x="1890" y="897"/>
-                </a:lnTo>
-                <a:lnTo>
-                  <a:pt x="1610" y="788"/>
-                </a:lnTo>
-                <a:lnTo>
-                  <a:pt x="1347" y="681"/>
-                </a:lnTo>
-                <a:lnTo>
-                  <a:pt x="1105" y="574"/>
-                </a:lnTo>
-                <a:lnTo>
-                  <a:pt x="883" y="473"/>
-                </a:lnTo>
-                <a:lnTo>
-                  <a:pt x="686" y="377"/>
-                </a:lnTo>
-                <a:lnTo>
-                  <a:pt x="508" y="286"/>
-                </a:lnTo>
-                <a:lnTo>
-                  <a:pt x="358" y="210"/>
-                </a:lnTo>
-                <a:lnTo>
-                  <a:pt x="232" y="138"/>
-                </a:lnTo>
-                <a:lnTo>
-                  <a:pt x="59" y="35"/>
-                </a:lnTo>
-                <a:lnTo>
-                  <a:pt x="0" y="0"/>
-                </a:lnTo>
-                <a:lnTo>
-                  <a:pt x="0" y="0"/>
-                </a:lnTo>
-                <a:close/>
-              </a:path>
-            </a:pathLst>
-          </a:custGeom>
-          <a:solidFill>
-            <a:srgbClr val="FFFFFF"/>
-          </a:solidFill>
-          <a:ln>
-            <a:noFill/>
-          </a:ln>
-        </p:spPr>
-      </p:sp>
-      <p:sp>
-        <p:nvSpPr>
-          <p:cNvPr id="3" name="Content Placeholder 2">
-            <a:extLst>
-              <a:ext uri="{FF2B5EF4-FFF2-40B4-BE49-F238E27FC236}">
-                <a16:creationId xmlns:a16="http://schemas.microsoft.com/office/drawing/2014/main" id="{C2E400D3-1254-4509-A87F-08BACA9E70F8}"/>
-              </a:ext>
-            </a:extLst>
-          </p:cNvPr>
-          <p:cNvSpPr>
-            <a:spLocks noGrp="1"/>
-          </p:cNvSpPr>
-          <p:nvPr>
-            <p:ph idx="1"/>
-          </p:nvPr>
-        </p:nvSpPr>
-        <p:spPr>
-          <a:xfrm>
-            <a:off x="648931" y="2548281"/>
-            <a:ext cx="5122606" cy="3658689"/>
-          </a:xfrm>
-        </p:spPr>
-        <p:txBody>
-          <a:bodyPr>
-            <a:normAutofit/>
-          </a:bodyPr>
-          <a:lstStyle/>
-          <a:p>
-            <a:r>
-              <a:rPr lang="en-US">
-                <a:solidFill>
-                  <a:schemeClr val="bg1"/>
-                </a:solidFill>
-              </a:rPr>
-              <a:t>We can see that the majority of patients are around 50-65 with around one third of them above 65.</a:t>
-            </a:r>
-          </a:p>
-          <a:p>
-            <a:r>
-              <a:rPr lang="en-US">
-                <a:solidFill>
-                  <a:schemeClr val="bg1"/>
-                </a:solidFill>
-              </a:rPr>
-              <a:t>CPK Enzyme shows the most blatent outliers with the other variables containing some as well.</a:t>
-            </a:r>
-          </a:p>
-          <a:p>
-            <a:endParaRPr lang="en-US">
-              <a:solidFill>
-                <a:schemeClr val="bg1"/>
-              </a:solidFill>
-            </a:endParaRPr>
-          </a:p>
-        </p:txBody>
-      </p:sp>
-      <p:pic>
-        <p:nvPicPr>
-          <p:cNvPr id="2052" name="Picture 4" descr="Chart, waterfall chart&#10;&#10;Description automatically generated">
-            <a:extLst>
-              <a:ext uri="{FF2B5EF4-FFF2-40B4-BE49-F238E27FC236}">
-                <a16:creationId xmlns:a16="http://schemas.microsoft.com/office/drawing/2014/main" id="{316B623B-8683-4AE1-B3F7-075D8DF4D556}"/>
-              </a:ext>
-            </a:extLst>
-          </p:cNvPr>
-          <p:cNvPicPr>
-            <a:picLocks noChangeAspect="1" noChangeArrowheads="1"/>
-          </p:cNvPicPr>
-          <p:nvPr/>
-        </p:nvPicPr>
-        <p:blipFill rotWithShape="1">
-          <a:blip r:embed="rId4">
-            <a:extLst>
-              <a:ext uri="{28A0092B-C50C-407E-A947-70E740481C1C}">
-                <a14:useLocalDpi xmlns:a14="http://schemas.microsoft.com/office/drawing/2010/main" val="0"/>
-              </a:ext>
-            </a:extLst>
-          </a:blip>
-          <a:srcRect r="22372" b="-1"/>
-          <a:stretch/>
-        </p:blipFill>
-        <p:spPr bwMode="auto">
-          <a:xfrm>
-            <a:off x="6438882" y="2548281"/>
-            <a:ext cx="4757695" cy="3662018"/>
-          </a:xfrm>
-          <a:prstGeom prst="rect">
-            <a:avLst/>
-          </a:prstGeom>
-          <a:noFill/>
-          <a:effectLst/>
-          <a:extLst>
-            <a:ext uri="{909E8E84-426E-40DD-AFC4-6F175D3DCCD1}">
-              <a14:hiddenFill xmlns:a14="http://schemas.microsoft.com/office/drawing/2010/main">
-                <a:solidFill>
-                  <a:srgbClr val="FFFFFF"/>
-                </a:solidFill>
-              </a14:hiddenFill>
-            </a:ext>
-          </a:extLst>
-        </p:spPr>
-      </p:pic>
-    </p:spTree>
-    <p:extLst>
-      <p:ext uri="{BB962C8B-B14F-4D97-AF65-F5344CB8AC3E}">
-        <p14:creationId xmlns:p14="http://schemas.microsoft.com/office/powerpoint/2010/main" val="3438103428"/>
-      </p:ext>
-    </p:extLst>
-  </p:cSld>
-  <p:clrMapOvr>
-    <a:masterClrMapping/>
-  </p:clrMapOvr>
-</p:sld>
-</file>
-
-<file path=ppt/slides/slide5.xml><?xml version="1.0" encoding="utf-8"?>
-<p:sld xmlns:a="http://schemas.openxmlformats.org/drawingml/2006/main" xmlns:r="http://schemas.openxmlformats.org/officeDocument/2006/relationships" xmlns:p="http://schemas.openxmlformats.org/presentationml/2006/main">
-  <p:cSld>
-    <p:bg>
-      <p:bgPr>
-        <a:blipFill rotWithShape="1">
-          <a:blip r:embed="rId3">
-            <a:duotone>
-              <a:schemeClr val="bg2">
-                <a:shade val="62000"/>
-                <a:hueMod val="108000"/>
-                <a:satMod val="164000"/>
-                <a:lumMod val="69000"/>
-              </a:schemeClr>
-              <a:schemeClr val="bg2">
-                <a:tint val="96000"/>
-                <a:hueMod val="90000"/>
-                <a:satMod val="130000"/>
-                <a:lumMod val="134000"/>
-              </a:schemeClr>
-            </a:duotone>
-          </a:blip>
-          <a:stretch/>
-        </a:blipFill>
-        <a:effectLst/>
-      </p:bgPr>
-    </p:bg>
-    <p:spTree>
-      <p:nvGrpSpPr>
-        <p:cNvPr id="1" name=""/>
-        <p:cNvGrpSpPr/>
-        <p:nvPr/>
-      </p:nvGrpSpPr>
-      <p:grpSpPr>
-        <a:xfrm>
-          <a:off x="0" y="0"/>
-          <a:ext cx="0" cy="0"/>
-          <a:chOff x="0" y="0"/>
-          <a:chExt cx="0" cy="0"/>
-        </a:xfrm>
-      </p:grpSpPr>
-      <p:sp>
-        <p:nvSpPr>
-          <p:cNvPr id="9" name="Freeform 7">
-            <a:extLst>
-              <a:ext uri="{FF2B5EF4-FFF2-40B4-BE49-F238E27FC236}">
-                <a16:creationId xmlns:a16="http://schemas.microsoft.com/office/drawing/2014/main" id="{0A01F2A2-AEDD-47DC-AFB5-B97CEB9A5328}"/>
-              </a:ext>
-              <a:ext uri="{C183D7F6-B498-43B3-948B-1728B52AA6E4}">
-                <adec:decorative xmlns:adec="http://schemas.microsoft.com/office/drawing/2017/decorative" val="1"/>
-              </a:ext>
-            </a:extLst>
-          </p:cNvPr>
-          <p:cNvSpPr>
-            <a:spLocks noGrp="1" noRot="1" noChangeAspect="1" noMove="1" noResize="1" noEditPoints="1" noAdjustHandles="1" noChangeArrowheads="1" noChangeShapeType="1" noTextEdit="1"/>
-          </p:cNvSpPr>
-          <p:nvPr>
-            <p:extLst>
-              <p:ext uri="{386F3935-93C4-4BCD-93E2-E3B085C9AB24}">
-                <p16:designElem xmlns:p16="http://schemas.microsoft.com/office/powerpoint/2015/main" val="1"/>
-              </p:ext>
-            </p:extLst>
-          </p:nvPr>
-        </p:nvSpPr>
-        <p:spPr>
-          <a:xfrm>
-            <a:off x="8719939" y="1460230"/>
-            <a:ext cx="3472060" cy="825932"/>
-          </a:xfrm>
-          <a:custGeom>
-            <a:avLst/>
-            <a:gdLst>
-              <a:gd name="connsiteX0" fmla="*/ 3470310 w 3472060"/>
-              <a:gd name="connsiteY0" fmla="*/ 0 h 825932"/>
-              <a:gd name="connsiteX1" fmla="*/ 3472060 w 3472060"/>
-              <a:gd name="connsiteY1" fmla="*/ 12850 h 825932"/>
-              <a:gd name="connsiteX2" fmla="*/ 3472060 w 3472060"/>
-              <a:gd name="connsiteY2" fmla="*/ 480529 h 825932"/>
-              <a:gd name="connsiteX3" fmla="*/ 3363699 w 3472060"/>
-              <a:gd name="connsiteY3" fmla="*/ 498471 h 825932"/>
-              <a:gd name="connsiteX4" fmla="*/ 42060 w 3472060"/>
-              <a:gd name="connsiteY4" fmla="*/ 824486 h 825932"/>
-              <a:gd name="connsiteX5" fmla="*/ 0 w 3472060"/>
-              <a:gd name="connsiteY5" fmla="*/ 758452 h 825932"/>
-              <a:gd name="connsiteX6" fmla="*/ 188014 w 3472060"/>
-              <a:gd name="connsiteY6" fmla="*/ 735602 h 825932"/>
-              <a:gd name="connsiteX7" fmla="*/ 284087 w 3472060"/>
-              <a:gd name="connsiteY7" fmla="*/ 722590 h 825932"/>
-              <a:gd name="connsiteX8" fmla="*/ 382288 w 3472060"/>
-              <a:gd name="connsiteY8" fmla="*/ 709392 h 825932"/>
-              <a:gd name="connsiteX9" fmla="*/ 481858 w 3472060"/>
-              <a:gd name="connsiteY9" fmla="*/ 695774 h 825932"/>
-              <a:gd name="connsiteX10" fmla="*/ 581897 w 3472060"/>
-              <a:gd name="connsiteY10" fmla="*/ 680711 h 825932"/>
-              <a:gd name="connsiteX11" fmla="*/ 683670 w 3472060"/>
-              <a:gd name="connsiteY11" fmla="*/ 665256 h 825932"/>
-              <a:gd name="connsiteX12" fmla="*/ 787206 w 3472060"/>
-              <a:gd name="connsiteY12" fmla="*/ 649587 h 825932"/>
-              <a:gd name="connsiteX13" fmla="*/ 892019 w 3472060"/>
-              <a:gd name="connsiteY13" fmla="*/ 632968 h 825932"/>
-              <a:gd name="connsiteX14" fmla="*/ 997620 w 3472060"/>
-              <a:gd name="connsiteY14" fmla="*/ 614667 h 825932"/>
-              <a:gd name="connsiteX15" fmla="*/ 1104727 w 3472060"/>
-              <a:gd name="connsiteY15" fmla="*/ 596741 h 825932"/>
-              <a:gd name="connsiteX16" fmla="*/ 1212669 w 3472060"/>
-              <a:gd name="connsiteY16" fmla="*/ 577397 h 825932"/>
-              <a:gd name="connsiteX17" fmla="*/ 1321506 w 3472060"/>
-              <a:gd name="connsiteY17" fmla="*/ 556988 h 825932"/>
-              <a:gd name="connsiteX18" fmla="*/ 1430709 w 3472060"/>
-              <a:gd name="connsiteY18" fmla="*/ 536607 h 825932"/>
-              <a:gd name="connsiteX19" fmla="*/ 1541050 w 3472060"/>
-              <a:gd name="connsiteY19" fmla="*/ 514481 h 825932"/>
-              <a:gd name="connsiteX20" fmla="*/ 1652805 w 3472060"/>
-              <a:gd name="connsiteY20" fmla="*/ 492202 h 825932"/>
-              <a:gd name="connsiteX21" fmla="*/ 1763708 w 3472060"/>
-              <a:gd name="connsiteY21" fmla="*/ 469161 h 825932"/>
-              <a:gd name="connsiteX22" fmla="*/ 1875795 w 3472060"/>
-              <a:gd name="connsiteY22" fmla="*/ 444641 h 825932"/>
-              <a:gd name="connsiteX23" fmla="*/ 1989128 w 3472060"/>
-              <a:gd name="connsiteY23" fmla="*/ 418995 h 825932"/>
-              <a:gd name="connsiteX24" fmla="*/ 2102476 w 3472060"/>
-              <a:gd name="connsiteY24" fmla="*/ 393438 h 825932"/>
-              <a:gd name="connsiteX25" fmla="*/ 2215549 w 3472060"/>
-              <a:gd name="connsiteY25" fmla="*/ 366291 h 825932"/>
-              <a:gd name="connsiteX26" fmla="*/ 2330490 w 3472060"/>
-              <a:gd name="connsiteY26" fmla="*/ 337455 h 825932"/>
-              <a:gd name="connsiteX27" fmla="*/ 2443333 w 3472060"/>
-              <a:gd name="connsiteY27" fmla="*/ 308983 h 825932"/>
-              <a:gd name="connsiteX28" fmla="*/ 2558014 w 3472060"/>
-              <a:gd name="connsiteY28" fmla="*/ 278646 h 825932"/>
-              <a:gd name="connsiteX29" fmla="*/ 2673621 w 3472060"/>
-              <a:gd name="connsiteY29" fmla="*/ 247421 h 825932"/>
-              <a:gd name="connsiteX30" fmla="*/ 2787008 w 3472060"/>
-              <a:gd name="connsiteY30" fmla="*/ 215853 h 825932"/>
-              <a:gd name="connsiteX31" fmla="*/ 2901442 w 3472060"/>
-              <a:gd name="connsiteY31" fmla="*/ 182011 h 825932"/>
-              <a:gd name="connsiteX32" fmla="*/ 3015722 w 3472060"/>
-              <a:gd name="connsiteY32" fmla="*/ 147286 h 825932"/>
-              <a:gd name="connsiteX33" fmla="*/ 3130018 w 3472060"/>
-              <a:gd name="connsiteY33" fmla="*/ 112649 h 825932"/>
-              <a:gd name="connsiteX34" fmla="*/ 3243551 w 3472060"/>
-              <a:gd name="connsiteY34" fmla="*/ 75688 h 825932"/>
-              <a:gd name="connsiteX35" fmla="*/ 3356992 w 3472060"/>
-              <a:gd name="connsiteY35" fmla="*/ 38197 h 825932"/>
-              <a:gd name="connsiteX36" fmla="*/ 3470310 w 3472060"/>
-              <a:gd name="connsiteY36" fmla="*/ 0 h 825932"/>
-            </a:gdLst>
-            <a:ahLst/>
-            <a:cxnLst>
-              <a:cxn ang="0">
-                <a:pos x="connsiteX0" y="connsiteY0"/>
-              </a:cxn>
-              <a:cxn ang="0">
-                <a:pos x="connsiteX1" y="connsiteY1"/>
-              </a:cxn>
-              <a:cxn ang="0">
-                <a:pos x="connsiteX2" y="connsiteY2"/>
-              </a:cxn>
-              <a:cxn ang="0">
-                <a:pos x="connsiteX3" y="connsiteY3"/>
-              </a:cxn>
-              <a:cxn ang="0">
-                <a:pos x="connsiteX4" y="connsiteY4"/>
-              </a:cxn>
-              <a:cxn ang="0">
-                <a:pos x="connsiteX5" y="connsiteY5"/>
-              </a:cxn>
-              <a:cxn ang="0">
-                <a:pos x="connsiteX6" y="connsiteY6"/>
-              </a:cxn>
-              <a:cxn ang="0">
-                <a:pos x="connsiteX7" y="connsiteY7"/>
-              </a:cxn>
-              <a:cxn ang="0">
-                <a:pos x="connsiteX8" y="connsiteY8"/>
-              </a:cxn>
-              <a:cxn ang="0">
-                <a:pos x="connsiteX9" y="connsiteY9"/>
-              </a:cxn>
-              <a:cxn ang="0">
-                <a:pos x="connsiteX10" y="connsiteY10"/>
-              </a:cxn>
-              <a:cxn ang="0">
-                <a:pos x="connsiteX11" y="connsiteY11"/>
-              </a:cxn>
-              <a:cxn ang="0">
-                <a:pos x="connsiteX12" y="connsiteY12"/>
-              </a:cxn>
-              <a:cxn ang="0">
-                <a:pos x="connsiteX13" y="connsiteY13"/>
-              </a:cxn>
-              <a:cxn ang="0">
-                <a:pos x="connsiteX14" y="connsiteY14"/>
-              </a:cxn>
-              <a:cxn ang="0">
-                <a:pos x="connsiteX15" y="connsiteY15"/>
-              </a:cxn>
-              <a:cxn ang="0">
-                <a:pos x="connsiteX16" y="connsiteY16"/>
-              </a:cxn>
-              <a:cxn ang="0">
-                <a:pos x="connsiteX17" y="connsiteY17"/>
-              </a:cxn>
-              <a:cxn ang="0">
-                <a:pos x="connsiteX18" y="connsiteY18"/>
-              </a:cxn>
-              <a:cxn ang="0">
-                <a:pos x="connsiteX19" y="connsiteY19"/>
-              </a:cxn>
-              <a:cxn ang="0">
-                <a:pos x="connsiteX20" y="connsiteY20"/>
-              </a:cxn>
-              <a:cxn ang="0">
-                <a:pos x="connsiteX21" y="connsiteY21"/>
-              </a:cxn>
-              <a:cxn ang="0">
-                <a:pos x="connsiteX22" y="connsiteY22"/>
-              </a:cxn>
-              <a:cxn ang="0">
-                <a:pos x="connsiteX23" y="connsiteY23"/>
-              </a:cxn>
-              <a:cxn ang="0">
-                <a:pos x="connsiteX24" y="connsiteY24"/>
-              </a:cxn>
-              <a:cxn ang="0">
-                <a:pos x="connsiteX25" y="connsiteY25"/>
-              </a:cxn>
-              <a:cxn ang="0">
-                <a:pos x="connsiteX26" y="connsiteY26"/>
-              </a:cxn>
-              <a:cxn ang="0">
-                <a:pos x="connsiteX27" y="connsiteY27"/>
-              </a:cxn>
-              <a:cxn ang="0">
-                <a:pos x="connsiteX28" y="connsiteY28"/>
-              </a:cxn>
-              <a:cxn ang="0">
-                <a:pos x="connsiteX29" y="connsiteY29"/>
-              </a:cxn>
-              <a:cxn ang="0">
-                <a:pos x="connsiteX30" y="connsiteY30"/>
-              </a:cxn>
-              <a:cxn ang="0">
-                <a:pos x="connsiteX31" y="connsiteY31"/>
-              </a:cxn>
-              <a:cxn ang="0">
-                <a:pos x="connsiteX32" y="connsiteY32"/>
-              </a:cxn>
-              <a:cxn ang="0">
-                <a:pos x="connsiteX33" y="connsiteY33"/>
-              </a:cxn>
-              <a:cxn ang="0">
-                <a:pos x="connsiteX34" y="connsiteY34"/>
-              </a:cxn>
-              <a:cxn ang="0">
-                <a:pos x="connsiteX35" y="connsiteY35"/>
-              </a:cxn>
-              <a:cxn ang="0">
-                <a:pos x="connsiteX36" y="connsiteY36"/>
-              </a:cxn>
-            </a:cxnLst>
-            <a:rect l="l" t="t" r="r" b="b"/>
-            <a:pathLst>
-              <a:path w="3472060" h="825932">
-                <a:moveTo>
-                  <a:pt x="3470310" y="0"/>
-                </a:moveTo>
-                <a:lnTo>
-                  <a:pt x="3472060" y="12850"/>
-                </a:lnTo>
-                <a:lnTo>
-                  <a:pt x="3472060" y="480529"/>
-                </a:lnTo>
-                <a:lnTo>
-                  <a:pt x="3363699" y="498471"/>
-                </a:lnTo>
-                <a:cubicBezTo>
-                  <a:pt x="2435623" y="645518"/>
-                  <a:pt x="603076" y="844866"/>
-                  <a:pt x="42060" y="824486"/>
-                </a:cubicBezTo>
-                <a:cubicBezTo>
-                  <a:pt x="28151" y="802425"/>
-                  <a:pt x="13909" y="780513"/>
-                  <a:pt x="0" y="758452"/>
-                </a:cubicBezTo>
-                <a:lnTo>
-                  <a:pt x="188014" y="735602"/>
-                </a:lnTo>
-                <a:lnTo>
-                  <a:pt x="284087" y="722590"/>
-                </a:lnTo>
-                <a:lnTo>
-                  <a:pt x="382288" y="709392"/>
-                </a:lnTo>
-                <a:lnTo>
-                  <a:pt x="481858" y="695774"/>
-                </a:lnTo>
-                <a:lnTo>
-                  <a:pt x="581897" y="680711"/>
-                </a:lnTo>
-                <a:lnTo>
-                  <a:pt x="683670" y="665256"/>
-                </a:lnTo>
-                <a:lnTo>
-                  <a:pt x="787206" y="649587"/>
-                </a:lnTo>
-                <a:lnTo>
-                  <a:pt x="892019" y="632968"/>
-                </a:lnTo>
-                <a:lnTo>
-                  <a:pt x="997620" y="614667"/>
-                </a:lnTo>
-                <a:lnTo>
-                  <a:pt x="1104727" y="596741"/>
-                </a:lnTo>
-                <a:lnTo>
-                  <a:pt x="1212669" y="577397"/>
-                </a:lnTo>
-                <a:lnTo>
-                  <a:pt x="1321506" y="556988"/>
-                </a:lnTo>
-                <a:lnTo>
-                  <a:pt x="1430709" y="536607"/>
-                </a:lnTo>
-                <a:lnTo>
-                  <a:pt x="1541050" y="514481"/>
-                </a:lnTo>
-                <a:lnTo>
-                  <a:pt x="1652805" y="492202"/>
-                </a:lnTo>
-                <a:lnTo>
-                  <a:pt x="1763708" y="469161"/>
-                </a:lnTo>
-                <a:lnTo>
-                  <a:pt x="1875795" y="444641"/>
-                </a:lnTo>
-                <a:lnTo>
-                  <a:pt x="1989128" y="418995"/>
-                </a:lnTo>
-                <a:lnTo>
-                  <a:pt x="2102476" y="393438"/>
-                </a:lnTo>
-                <a:lnTo>
-                  <a:pt x="2215549" y="366291"/>
-                </a:lnTo>
-                <a:lnTo>
-                  <a:pt x="2330490" y="337455"/>
-                </a:lnTo>
-                <a:lnTo>
-                  <a:pt x="2443333" y="308983"/>
-                </a:lnTo>
-                <a:lnTo>
-                  <a:pt x="2558014" y="278646"/>
-                </a:lnTo>
-                <a:lnTo>
-                  <a:pt x="2673621" y="247421"/>
-                </a:lnTo>
-                <a:lnTo>
-                  <a:pt x="2787008" y="215853"/>
-                </a:lnTo>
-                <a:lnTo>
-                  <a:pt x="2901442" y="182011"/>
-                </a:lnTo>
-                <a:lnTo>
-                  <a:pt x="3015722" y="147286"/>
-                </a:lnTo>
-                <a:lnTo>
-                  <a:pt x="3130018" y="112649"/>
-                </a:lnTo>
-                <a:lnTo>
-                  <a:pt x="3243551" y="75688"/>
-                </a:lnTo>
-                <a:lnTo>
-                  <a:pt x="3356992" y="38197"/>
-                </a:lnTo>
-                <a:lnTo>
-                  <a:pt x="3470310" y="0"/>
-                </a:lnTo>
-                <a:close/>
-              </a:path>
-            </a:pathLst>
-          </a:custGeom>
-          <a:solidFill>
-            <a:schemeClr val="tx1">
-              <a:alpha val="20000"/>
-            </a:schemeClr>
-          </a:solidFill>
-          <a:ln>
-            <a:noFill/>
-          </a:ln>
-        </p:spPr>
-        <p:txBody>
-          <a:bodyPr rtlCol="0" anchor="ctr"/>
-          <a:lstStyle/>
-          <a:p>
-            <a:pPr algn="ctr"/>
-            <a:endParaRPr lang="en-US">
-              <a:solidFill>
-                <a:schemeClr val="tx1"/>
-              </a:solidFill>
-            </a:endParaRPr>
-          </a:p>
-        </p:txBody>
-      </p:sp>
-      <p:sp>
-        <p:nvSpPr>
-          <p:cNvPr id="2" name="Title 1">
-            <a:extLst>
-              <a:ext uri="{FF2B5EF4-FFF2-40B4-BE49-F238E27FC236}">
-                <a16:creationId xmlns:a16="http://schemas.microsoft.com/office/drawing/2014/main" id="{1E732ED6-8DED-48E4-8BD9-EE4B928DAAF2}"/>
-              </a:ext>
-            </a:extLst>
-          </p:cNvPr>
-          <p:cNvSpPr>
-            <a:spLocks noGrp="1"/>
-          </p:cNvSpPr>
-          <p:nvPr>
-            <p:ph type="title"/>
-          </p:nvPr>
-        </p:nvSpPr>
-        <p:spPr>
-          <a:xfrm>
-            <a:off x="648930" y="629267"/>
-            <a:ext cx="9252154" cy="1016654"/>
-          </a:xfrm>
-        </p:spPr>
-        <p:txBody>
-          <a:bodyPr>
-            <a:normAutofit/>
-          </a:bodyPr>
-          <a:lstStyle/>
-          <a:p>
-            <a:r>
-              <a:rPr lang="en-US" dirty="0"/>
-              <a:t>Analysis – Categorical Features</a:t>
-            </a:r>
-          </a:p>
-        </p:txBody>
-      </p:sp>
-      <p:sp>
-        <p:nvSpPr>
-          <p:cNvPr id="11" name="Rectangle 10">
-            <a:extLst>
-              <a:ext uri="{FF2B5EF4-FFF2-40B4-BE49-F238E27FC236}">
-                <a16:creationId xmlns:a16="http://schemas.microsoft.com/office/drawing/2014/main" id="{DB5AF5F3-AD0A-4EFA-854A-47C780F26264}"/>
-              </a:ext>
-              <a:ext uri="{C183D7F6-B498-43B3-948B-1728B52AA6E4}">
-                <adec:decorative xmlns:adec="http://schemas.microsoft.com/office/drawing/2017/decorative" val="1"/>
-              </a:ext>
-            </a:extLst>
-          </p:cNvPr>
-          <p:cNvSpPr>
-            <a:spLocks noGrp="1" noRot="1" noChangeAspect="1" noMove="1" noResize="1" noEditPoints="1" noAdjustHandles="1" noChangeArrowheads="1" noChangeShapeType="1" noTextEdit="1"/>
-          </p:cNvSpPr>
-          <p:nvPr>
-            <p:extLst>
-              <p:ext uri="{386F3935-93C4-4BCD-93E2-E3B085C9AB24}">
-                <p16:designElem xmlns:p16="http://schemas.microsoft.com/office/powerpoint/2015/main" val="1"/>
-              </p:ext>
-            </p:extLst>
-          </p:nvPr>
-        </p:nvSpPr>
-        <p:spPr>
-          <a:xfrm>
-            <a:off x="1" y="3924298"/>
-            <a:ext cx="12192417" cy="2933702"/>
-          </a:xfrm>
-          <a:prstGeom prst="rect">
-            <a:avLst/>
-          </a:prstGeom>
-          <a:solidFill>
-            <a:srgbClr val="FFFFFF"/>
-          </a:solidFill>
-          <a:ln>
-            <a:noFill/>
-          </a:ln>
-        </p:spPr>
-        <p:style>
-          <a:lnRef idx="2">
-            <a:schemeClr val="accent1">
-              <a:shade val="50000"/>
-            </a:schemeClr>
-          </a:lnRef>
-          <a:fillRef idx="1">
-            <a:schemeClr val="accent1"/>
-          </a:fillRef>
-          <a:effectRef idx="0">
-            <a:schemeClr val="accent1"/>
-          </a:effectRef>
-          <a:fontRef idx="minor">
-            <a:schemeClr val="lt1"/>
-          </a:fontRef>
-        </p:style>
-        <p:txBody>
-          <a:bodyPr rtlCol="0" anchor="ctr"/>
-          <a:lstStyle/>
-          <a:p>
-            <a:pPr algn="ctr"/>
-            <a:endParaRPr lang="en-US"/>
-          </a:p>
-        </p:txBody>
-      </p:sp>
-      <p:sp>
-        <p:nvSpPr>
-          <p:cNvPr id="13" name="Freeform 5">
+          <p:cNvPr id="28" name="Freeform 5">
             <a:extLst>
               <a:ext uri="{FF2B5EF4-FFF2-40B4-BE49-F238E27FC236}">
                 <a16:creationId xmlns:a16="http://schemas.microsoft.com/office/drawing/2014/main" id="{1E3D6D6C-E192-4135-B1DB-17C71EEBC946}"/>
@@ -16207,21 +16354,21 @@
           <a:chExt cx="0" cy="0"/>
         </a:xfrm>
       </p:grpSpPr>
-      <p:sp>
-        <p:nvSpPr>
-          <p:cNvPr id="71" name="Freeform 7">
+      <p:pic>
+        <p:nvPicPr>
+          <p:cNvPr id="135" name="Picture 134">
             <a:extLst>
               <a:ext uri="{FF2B5EF4-FFF2-40B4-BE49-F238E27FC236}">
-                <a16:creationId xmlns:a16="http://schemas.microsoft.com/office/drawing/2014/main" id="{27ED9C6F-41DF-4D9F-BA1A-51F35214CD30}"/>
+                <a16:creationId xmlns:a16="http://schemas.microsoft.com/office/drawing/2014/main" id="{87B6323F-75FD-4FFA-950D-6D013A6DC1CB}"/>
               </a:ext>
               <a:ext uri="{C183D7F6-B498-43B3-948B-1728B52AA6E4}">
                 <adec:decorative xmlns:adec="http://schemas.microsoft.com/office/drawing/2017/decorative" val="1"/>
               </a:ext>
             </a:extLst>
           </p:cNvPr>
-          <p:cNvSpPr>
-            <a:spLocks noGrp="1" noRot="1" noChangeAspect="1" noMove="1" noResize="1" noEditPoints="1" noAdjustHandles="1" noChangeArrowheads="1" noChangeShapeType="1" noTextEdit="1"/>
-          </p:cNvSpPr>
+          <p:cNvPicPr>
+            <a:picLocks noGrp="1" noRot="1" noChangeAspect="1" noMove="1" noResize="1" noEditPoints="1" noAdjustHandles="1" noChangeArrowheads="1" noChangeShapeType="1" noCrop="1"/>
+          </p:cNvPicPr>
           <p:nvPr>
             <p:extLst>
               <p:ext uri="{386F3935-93C4-4BCD-93E2-E3B085C9AB24}">
@@ -16229,347 +16376,292 @@
               </p:ext>
             </p:extLst>
           </p:nvPr>
-        </p:nvSpPr>
+        </p:nvPicPr>
+        <p:blipFill rotWithShape="1">
+          <a:blip r:embed="rId4">
+            <a:extLst>
+              <a:ext uri="{28A0092B-C50C-407E-A947-70E740481C1C}">
+                <a14:useLocalDpi xmlns:a14="http://schemas.microsoft.com/office/drawing/2010/main" val="0"/>
+              </a:ext>
+            </a:extLst>
+          </a:blip>
+          <a:srcRect l="3613"/>
+          <a:stretch/>
+        </p:blipFill>
         <p:spPr>
           <a:xfrm>
-            <a:off x="8719939" y="1460230"/>
-            <a:ext cx="3472060" cy="825932"/>
+            <a:off x="0" y="2669685"/>
+            <a:ext cx="4037012" cy="4188315"/>
           </a:xfrm>
-          <a:custGeom>
+          <a:prstGeom prst="rect">
             <a:avLst/>
-            <a:gdLst>
-              <a:gd name="connsiteX0" fmla="*/ 3470310 w 3472060"/>
-              <a:gd name="connsiteY0" fmla="*/ 0 h 825932"/>
-              <a:gd name="connsiteX1" fmla="*/ 3472060 w 3472060"/>
-              <a:gd name="connsiteY1" fmla="*/ 12850 h 825932"/>
-              <a:gd name="connsiteX2" fmla="*/ 3472060 w 3472060"/>
-              <a:gd name="connsiteY2" fmla="*/ 480529 h 825932"/>
-              <a:gd name="connsiteX3" fmla="*/ 3363699 w 3472060"/>
-              <a:gd name="connsiteY3" fmla="*/ 498471 h 825932"/>
-              <a:gd name="connsiteX4" fmla="*/ 42060 w 3472060"/>
-              <a:gd name="connsiteY4" fmla="*/ 824486 h 825932"/>
-              <a:gd name="connsiteX5" fmla="*/ 0 w 3472060"/>
-              <a:gd name="connsiteY5" fmla="*/ 758452 h 825932"/>
-              <a:gd name="connsiteX6" fmla="*/ 188014 w 3472060"/>
-              <a:gd name="connsiteY6" fmla="*/ 735602 h 825932"/>
-              <a:gd name="connsiteX7" fmla="*/ 284087 w 3472060"/>
-              <a:gd name="connsiteY7" fmla="*/ 722590 h 825932"/>
-              <a:gd name="connsiteX8" fmla="*/ 382288 w 3472060"/>
-              <a:gd name="connsiteY8" fmla="*/ 709392 h 825932"/>
-              <a:gd name="connsiteX9" fmla="*/ 481858 w 3472060"/>
-              <a:gd name="connsiteY9" fmla="*/ 695774 h 825932"/>
-              <a:gd name="connsiteX10" fmla="*/ 581897 w 3472060"/>
-              <a:gd name="connsiteY10" fmla="*/ 680711 h 825932"/>
-              <a:gd name="connsiteX11" fmla="*/ 683670 w 3472060"/>
-              <a:gd name="connsiteY11" fmla="*/ 665256 h 825932"/>
-              <a:gd name="connsiteX12" fmla="*/ 787206 w 3472060"/>
-              <a:gd name="connsiteY12" fmla="*/ 649587 h 825932"/>
-              <a:gd name="connsiteX13" fmla="*/ 892019 w 3472060"/>
-              <a:gd name="connsiteY13" fmla="*/ 632968 h 825932"/>
-              <a:gd name="connsiteX14" fmla="*/ 997620 w 3472060"/>
-              <a:gd name="connsiteY14" fmla="*/ 614667 h 825932"/>
-              <a:gd name="connsiteX15" fmla="*/ 1104727 w 3472060"/>
-              <a:gd name="connsiteY15" fmla="*/ 596741 h 825932"/>
-              <a:gd name="connsiteX16" fmla="*/ 1212669 w 3472060"/>
-              <a:gd name="connsiteY16" fmla="*/ 577397 h 825932"/>
-              <a:gd name="connsiteX17" fmla="*/ 1321506 w 3472060"/>
-              <a:gd name="connsiteY17" fmla="*/ 556988 h 825932"/>
-              <a:gd name="connsiteX18" fmla="*/ 1430709 w 3472060"/>
-              <a:gd name="connsiteY18" fmla="*/ 536607 h 825932"/>
-              <a:gd name="connsiteX19" fmla="*/ 1541050 w 3472060"/>
-              <a:gd name="connsiteY19" fmla="*/ 514481 h 825932"/>
-              <a:gd name="connsiteX20" fmla="*/ 1652805 w 3472060"/>
-              <a:gd name="connsiteY20" fmla="*/ 492202 h 825932"/>
-              <a:gd name="connsiteX21" fmla="*/ 1763708 w 3472060"/>
-              <a:gd name="connsiteY21" fmla="*/ 469161 h 825932"/>
-              <a:gd name="connsiteX22" fmla="*/ 1875795 w 3472060"/>
-              <a:gd name="connsiteY22" fmla="*/ 444641 h 825932"/>
-              <a:gd name="connsiteX23" fmla="*/ 1989128 w 3472060"/>
-              <a:gd name="connsiteY23" fmla="*/ 418995 h 825932"/>
-              <a:gd name="connsiteX24" fmla="*/ 2102476 w 3472060"/>
-              <a:gd name="connsiteY24" fmla="*/ 393438 h 825932"/>
-              <a:gd name="connsiteX25" fmla="*/ 2215549 w 3472060"/>
-              <a:gd name="connsiteY25" fmla="*/ 366291 h 825932"/>
-              <a:gd name="connsiteX26" fmla="*/ 2330490 w 3472060"/>
-              <a:gd name="connsiteY26" fmla="*/ 337455 h 825932"/>
-              <a:gd name="connsiteX27" fmla="*/ 2443333 w 3472060"/>
-              <a:gd name="connsiteY27" fmla="*/ 308983 h 825932"/>
-              <a:gd name="connsiteX28" fmla="*/ 2558014 w 3472060"/>
-              <a:gd name="connsiteY28" fmla="*/ 278646 h 825932"/>
-              <a:gd name="connsiteX29" fmla="*/ 2673621 w 3472060"/>
-              <a:gd name="connsiteY29" fmla="*/ 247421 h 825932"/>
-              <a:gd name="connsiteX30" fmla="*/ 2787008 w 3472060"/>
-              <a:gd name="connsiteY30" fmla="*/ 215853 h 825932"/>
-              <a:gd name="connsiteX31" fmla="*/ 2901442 w 3472060"/>
-              <a:gd name="connsiteY31" fmla="*/ 182011 h 825932"/>
-              <a:gd name="connsiteX32" fmla="*/ 3015722 w 3472060"/>
-              <a:gd name="connsiteY32" fmla="*/ 147286 h 825932"/>
-              <a:gd name="connsiteX33" fmla="*/ 3130018 w 3472060"/>
-              <a:gd name="connsiteY33" fmla="*/ 112649 h 825932"/>
-              <a:gd name="connsiteX34" fmla="*/ 3243551 w 3472060"/>
-              <a:gd name="connsiteY34" fmla="*/ 75688 h 825932"/>
-              <a:gd name="connsiteX35" fmla="*/ 3356992 w 3472060"/>
-              <a:gd name="connsiteY35" fmla="*/ 38197 h 825932"/>
-              <a:gd name="connsiteX36" fmla="*/ 3470310 w 3472060"/>
-              <a:gd name="connsiteY36" fmla="*/ 0 h 825932"/>
-            </a:gdLst>
-            <a:ahLst/>
-            <a:cxnLst>
-              <a:cxn ang="0">
-                <a:pos x="connsiteX0" y="connsiteY0"/>
-              </a:cxn>
-              <a:cxn ang="0">
-                <a:pos x="connsiteX1" y="connsiteY1"/>
-              </a:cxn>
-              <a:cxn ang="0">
-                <a:pos x="connsiteX2" y="connsiteY2"/>
-              </a:cxn>
-              <a:cxn ang="0">
-                <a:pos x="connsiteX3" y="connsiteY3"/>
-              </a:cxn>
-              <a:cxn ang="0">
-                <a:pos x="connsiteX4" y="connsiteY4"/>
-              </a:cxn>
-              <a:cxn ang="0">
-                <a:pos x="connsiteX5" y="connsiteY5"/>
-              </a:cxn>
-              <a:cxn ang="0">
-                <a:pos x="connsiteX6" y="connsiteY6"/>
-              </a:cxn>
-              <a:cxn ang="0">
-                <a:pos x="connsiteX7" y="connsiteY7"/>
-              </a:cxn>
-              <a:cxn ang="0">
-                <a:pos x="connsiteX8" y="connsiteY8"/>
-              </a:cxn>
-              <a:cxn ang="0">
-                <a:pos x="connsiteX9" y="connsiteY9"/>
-              </a:cxn>
-              <a:cxn ang="0">
-                <a:pos x="connsiteX10" y="connsiteY10"/>
-              </a:cxn>
-              <a:cxn ang="0">
-                <a:pos x="connsiteX11" y="connsiteY11"/>
-              </a:cxn>
-              <a:cxn ang="0">
-                <a:pos x="connsiteX12" y="connsiteY12"/>
-              </a:cxn>
-              <a:cxn ang="0">
-                <a:pos x="connsiteX13" y="connsiteY13"/>
-              </a:cxn>
-              <a:cxn ang="0">
-                <a:pos x="connsiteX14" y="connsiteY14"/>
-              </a:cxn>
-              <a:cxn ang="0">
-                <a:pos x="connsiteX15" y="connsiteY15"/>
-              </a:cxn>
-              <a:cxn ang="0">
-                <a:pos x="connsiteX16" y="connsiteY16"/>
-              </a:cxn>
-              <a:cxn ang="0">
-                <a:pos x="connsiteX17" y="connsiteY17"/>
-              </a:cxn>
-              <a:cxn ang="0">
-                <a:pos x="connsiteX18" y="connsiteY18"/>
-              </a:cxn>
-              <a:cxn ang="0">
-                <a:pos x="connsiteX19" y="connsiteY19"/>
-              </a:cxn>
-              <a:cxn ang="0">
-                <a:pos x="connsiteX20" y="connsiteY20"/>
-              </a:cxn>
-              <a:cxn ang="0">
-                <a:pos x="connsiteX21" y="connsiteY21"/>
-              </a:cxn>
-              <a:cxn ang="0">
-                <a:pos x="connsiteX22" y="connsiteY22"/>
-              </a:cxn>
-              <a:cxn ang="0">
-                <a:pos x="connsiteX23" y="connsiteY23"/>
-              </a:cxn>
-              <a:cxn ang="0">
-                <a:pos x="connsiteX24" y="connsiteY24"/>
-              </a:cxn>
-              <a:cxn ang="0">
-                <a:pos x="connsiteX25" y="connsiteY25"/>
-              </a:cxn>
-              <a:cxn ang="0">
-                <a:pos x="connsiteX26" y="connsiteY26"/>
-              </a:cxn>
-              <a:cxn ang="0">
-                <a:pos x="connsiteX27" y="connsiteY27"/>
-              </a:cxn>
-              <a:cxn ang="0">
-                <a:pos x="connsiteX28" y="connsiteY28"/>
-              </a:cxn>
-              <a:cxn ang="0">
-                <a:pos x="connsiteX29" y="connsiteY29"/>
-              </a:cxn>
-              <a:cxn ang="0">
-                <a:pos x="connsiteX30" y="connsiteY30"/>
-              </a:cxn>
-              <a:cxn ang="0">
-                <a:pos x="connsiteX31" y="connsiteY31"/>
-              </a:cxn>
-              <a:cxn ang="0">
-                <a:pos x="connsiteX32" y="connsiteY32"/>
-              </a:cxn>
-              <a:cxn ang="0">
-                <a:pos x="connsiteX33" y="connsiteY33"/>
-              </a:cxn>
-              <a:cxn ang="0">
-                <a:pos x="connsiteX34" y="connsiteY34"/>
-              </a:cxn>
-              <a:cxn ang="0">
-                <a:pos x="connsiteX35" y="connsiteY35"/>
-              </a:cxn>
-              <a:cxn ang="0">
-                <a:pos x="connsiteX36" y="connsiteY36"/>
-              </a:cxn>
-            </a:cxnLst>
-            <a:rect l="l" t="t" r="r" b="b"/>
-            <a:pathLst>
-              <a:path w="3472060" h="825932">
-                <a:moveTo>
-                  <a:pt x="3470310" y="0"/>
-                </a:moveTo>
-                <a:lnTo>
-                  <a:pt x="3472060" y="12850"/>
-                </a:lnTo>
-                <a:lnTo>
-                  <a:pt x="3472060" y="480529"/>
-                </a:lnTo>
-                <a:lnTo>
-                  <a:pt x="3363699" y="498471"/>
-                </a:lnTo>
-                <a:cubicBezTo>
-                  <a:pt x="2435623" y="645518"/>
-                  <a:pt x="603076" y="844866"/>
-                  <a:pt x="42060" y="824486"/>
-                </a:cubicBezTo>
-                <a:cubicBezTo>
-                  <a:pt x="28151" y="802425"/>
-                  <a:pt x="13909" y="780513"/>
-                  <a:pt x="0" y="758452"/>
-                </a:cubicBezTo>
-                <a:lnTo>
-                  <a:pt x="188014" y="735602"/>
-                </a:lnTo>
-                <a:lnTo>
-                  <a:pt x="284087" y="722590"/>
-                </a:lnTo>
-                <a:lnTo>
-                  <a:pt x="382288" y="709392"/>
-                </a:lnTo>
-                <a:lnTo>
-                  <a:pt x="481858" y="695774"/>
-                </a:lnTo>
-                <a:lnTo>
-                  <a:pt x="581897" y="680711"/>
-                </a:lnTo>
-                <a:lnTo>
-                  <a:pt x="683670" y="665256"/>
-                </a:lnTo>
-                <a:lnTo>
-                  <a:pt x="787206" y="649587"/>
-                </a:lnTo>
-                <a:lnTo>
-                  <a:pt x="892019" y="632968"/>
-                </a:lnTo>
-                <a:lnTo>
-                  <a:pt x="997620" y="614667"/>
-                </a:lnTo>
-                <a:lnTo>
-                  <a:pt x="1104727" y="596741"/>
-                </a:lnTo>
-                <a:lnTo>
-                  <a:pt x="1212669" y="577397"/>
-                </a:lnTo>
-                <a:lnTo>
-                  <a:pt x="1321506" y="556988"/>
-                </a:lnTo>
-                <a:lnTo>
-                  <a:pt x="1430709" y="536607"/>
-                </a:lnTo>
-                <a:lnTo>
-                  <a:pt x="1541050" y="514481"/>
-                </a:lnTo>
-                <a:lnTo>
-                  <a:pt x="1652805" y="492202"/>
-                </a:lnTo>
-                <a:lnTo>
-                  <a:pt x="1763708" y="469161"/>
-                </a:lnTo>
-                <a:lnTo>
-                  <a:pt x="1875795" y="444641"/>
-                </a:lnTo>
-                <a:lnTo>
-                  <a:pt x="1989128" y="418995"/>
-                </a:lnTo>
-                <a:lnTo>
-                  <a:pt x="2102476" y="393438"/>
-                </a:lnTo>
-                <a:lnTo>
-                  <a:pt x="2215549" y="366291"/>
-                </a:lnTo>
-                <a:lnTo>
-                  <a:pt x="2330490" y="337455"/>
-                </a:lnTo>
-                <a:lnTo>
-                  <a:pt x="2443333" y="308983"/>
-                </a:lnTo>
-                <a:lnTo>
-                  <a:pt x="2558014" y="278646"/>
-                </a:lnTo>
-                <a:lnTo>
-                  <a:pt x="2673621" y="247421"/>
-                </a:lnTo>
-                <a:lnTo>
-                  <a:pt x="2787008" y="215853"/>
-                </a:lnTo>
-                <a:lnTo>
-                  <a:pt x="2901442" y="182011"/>
-                </a:lnTo>
-                <a:lnTo>
-                  <a:pt x="3015722" y="147286"/>
-                </a:lnTo>
-                <a:lnTo>
-                  <a:pt x="3130018" y="112649"/>
-                </a:lnTo>
-                <a:lnTo>
-                  <a:pt x="3243551" y="75688"/>
-                </a:lnTo>
-                <a:lnTo>
-                  <a:pt x="3356992" y="38197"/>
-                </a:lnTo>
-                <a:lnTo>
-                  <a:pt x="3470310" y="0"/>
-                </a:lnTo>
-                <a:close/>
-              </a:path>
-            </a:pathLst>
-          </a:custGeom>
+          </a:prstGeom>
+        </p:spPr>
+      </p:pic>
+      <p:pic>
+        <p:nvPicPr>
+          <p:cNvPr id="137" name="Picture 136">
+            <a:extLst>
+              <a:ext uri="{FF2B5EF4-FFF2-40B4-BE49-F238E27FC236}">
+                <a16:creationId xmlns:a16="http://schemas.microsoft.com/office/drawing/2014/main" id="{DA2C34EF-101A-44FE-8A31-E0A7F4776AA0}"/>
+              </a:ext>
+              <a:ext uri="{C183D7F6-B498-43B3-948B-1728B52AA6E4}">
+                <adec:decorative xmlns:adec="http://schemas.microsoft.com/office/drawing/2017/decorative" val="1"/>
+              </a:ext>
+            </a:extLst>
+          </p:cNvPr>
+          <p:cNvPicPr>
+            <a:picLocks noGrp="1" noRot="1" noChangeAspect="1" noMove="1" noResize="1" noEditPoints="1" noAdjustHandles="1" noChangeArrowheads="1" noChangeShapeType="1" noCrop="1"/>
+          </p:cNvPicPr>
+          <p:nvPr>
+            <p:extLst>
+              <p:ext uri="{386F3935-93C4-4BCD-93E2-E3B085C9AB24}">
+                <p16:designElem xmlns:p16="http://schemas.microsoft.com/office/powerpoint/2015/main" val="1"/>
+              </p:ext>
+            </p:extLst>
+          </p:nvPr>
+        </p:nvPicPr>
+        <p:blipFill rotWithShape="1">
+          <a:blip r:embed="rId5">
+            <a:extLst>
+              <a:ext uri="{28A0092B-C50C-407E-A947-70E740481C1C}">
+                <a14:useLocalDpi xmlns:a14="http://schemas.microsoft.com/office/drawing/2010/main" val="0"/>
+              </a:ext>
+            </a:extLst>
+          </a:blip>
+          <a:srcRect l="35640"/>
+          <a:stretch/>
+        </p:blipFill>
+        <p:spPr>
+          <a:xfrm>
+            <a:off x="0" y="2892347"/>
+            <a:ext cx="1522412" cy="2365453"/>
+          </a:xfrm>
+          <a:prstGeom prst="rect">
+            <a:avLst/>
+          </a:prstGeom>
+        </p:spPr>
+      </p:pic>
+      <p:sp>
+        <p:nvSpPr>
+          <p:cNvPr id="139" name="Oval 138">
+            <a:extLst>
+              <a:ext uri="{FF2B5EF4-FFF2-40B4-BE49-F238E27FC236}">
+                <a16:creationId xmlns:a16="http://schemas.microsoft.com/office/drawing/2014/main" id="{5C86EC89-02DB-4384-8A63-0EFFEFD1BB96}"/>
+              </a:ext>
+              <a:ext uri="{C183D7F6-B498-43B3-948B-1728B52AA6E4}">
+                <adec:decorative xmlns:adec="http://schemas.microsoft.com/office/drawing/2017/decorative" val="1"/>
+              </a:ext>
+            </a:extLst>
+          </p:cNvPr>
+          <p:cNvSpPr>
+            <a:spLocks noGrp="1" noRot="1" noChangeAspect="1" noMove="1" noResize="1" noEditPoints="1" noAdjustHandles="1" noChangeArrowheads="1" noChangeShapeType="1" noTextEdit="1"/>
+          </p:cNvSpPr>
+          <p:nvPr>
+            <p:extLst>
+              <p:ext uri="{386F3935-93C4-4BCD-93E2-E3B085C9AB24}">
+                <p16:designElem xmlns:p16="http://schemas.microsoft.com/office/powerpoint/2015/main" val="1"/>
+              </p:ext>
+            </p:extLst>
+          </p:nvPr>
+        </p:nvSpPr>
+        <p:spPr>
+          <a:xfrm>
+            <a:off x="8609012" y="1676400"/>
+            <a:ext cx="2819400" cy="2819400"/>
+          </a:xfrm>
+          <a:prstGeom prst="ellipse">
+            <a:avLst/>
+          </a:prstGeom>
+          <a:gradFill flip="none" rotWithShape="1">
+            <a:gsLst>
+              <a:gs pos="0">
+                <a:schemeClr val="bg2">
+                  <a:lumMod val="40000"/>
+                  <a:lumOff val="60000"/>
+                  <a:alpha val="7000"/>
+                </a:schemeClr>
+              </a:gs>
+              <a:gs pos="69000">
+                <a:schemeClr val="bg2">
+                  <a:lumMod val="40000"/>
+                  <a:lumOff val="60000"/>
+                  <a:alpha val="0"/>
+                </a:schemeClr>
+              </a:gs>
+              <a:gs pos="36000">
+                <a:schemeClr val="bg2">
+                  <a:lumMod val="40000"/>
+                  <a:lumOff val="60000"/>
+                  <a:alpha val="6000"/>
+                </a:schemeClr>
+              </a:gs>
+            </a:gsLst>
+            <a:path path="circle">
+              <a:fillToRect l="50000" t="50000" r="50000" b="50000"/>
+            </a:path>
+            <a:tileRect/>
+          </a:gradFill>
+          <a:ln>
+            <a:noFill/>
+          </a:ln>
+          <a:effectLst/>
+        </p:spPr>
+        <p:style>
+          <a:lnRef idx="1">
+            <a:schemeClr val="accent1"/>
+          </a:lnRef>
+          <a:fillRef idx="3">
+            <a:schemeClr val="accent1"/>
+          </a:fillRef>
+          <a:effectRef idx="2">
+            <a:schemeClr val="accent1"/>
+          </a:effectRef>
+          <a:fontRef idx="minor">
+            <a:schemeClr val="lt1"/>
+          </a:fontRef>
+        </p:style>
+      </p:sp>
+      <p:pic>
+        <p:nvPicPr>
+          <p:cNvPr id="141" name="Picture 140">
+            <a:extLst>
+              <a:ext uri="{FF2B5EF4-FFF2-40B4-BE49-F238E27FC236}">
+                <a16:creationId xmlns:a16="http://schemas.microsoft.com/office/drawing/2014/main" id="{54BB1565-EB36-4D75-8888-72796286DC15}"/>
+              </a:ext>
+              <a:ext uri="{C183D7F6-B498-43B3-948B-1728B52AA6E4}">
+                <adec:decorative xmlns:adec="http://schemas.microsoft.com/office/drawing/2017/decorative" val="1"/>
+              </a:ext>
+            </a:extLst>
+          </p:cNvPr>
+          <p:cNvPicPr>
+            <a:picLocks noGrp="1" noRot="1" noChangeAspect="1" noMove="1" noResize="1" noEditPoints="1" noAdjustHandles="1" noChangeArrowheads="1" noChangeShapeType="1" noCrop="1"/>
+          </p:cNvPicPr>
+          <p:nvPr>
+            <p:extLst>
+              <p:ext uri="{386F3935-93C4-4BCD-93E2-E3B085C9AB24}">
+                <p16:designElem xmlns:p16="http://schemas.microsoft.com/office/powerpoint/2015/main" val="1"/>
+              </p:ext>
+            </p:extLst>
+          </p:nvPr>
+        </p:nvPicPr>
+        <p:blipFill rotWithShape="1">
+          <a:blip r:embed="rId6">
+            <a:extLst>
+              <a:ext uri="{28A0092B-C50C-407E-A947-70E740481C1C}">
+                <a14:useLocalDpi xmlns:a14="http://schemas.microsoft.com/office/drawing/2010/main" val="0"/>
+              </a:ext>
+            </a:extLst>
+          </a:blip>
+          <a:srcRect t="28813"/>
+          <a:stretch/>
+        </p:blipFill>
+        <p:spPr>
+          <a:xfrm>
+            <a:off x="7999412" y="0"/>
+            <a:ext cx="1603387" cy="1141407"/>
+          </a:xfrm>
+          <a:prstGeom prst="rect">
+            <a:avLst/>
+          </a:prstGeom>
+        </p:spPr>
+      </p:pic>
+      <p:pic>
+        <p:nvPicPr>
+          <p:cNvPr id="143" name="Picture 142">
+            <a:extLst>
+              <a:ext uri="{FF2B5EF4-FFF2-40B4-BE49-F238E27FC236}">
+                <a16:creationId xmlns:a16="http://schemas.microsoft.com/office/drawing/2014/main" id="{871DF8C3-722E-49D1-87D5-E0FB1D640932}"/>
+              </a:ext>
+              <a:ext uri="{C183D7F6-B498-43B3-948B-1728B52AA6E4}">
+                <adec:decorative xmlns:adec="http://schemas.microsoft.com/office/drawing/2017/decorative" val="1"/>
+              </a:ext>
+            </a:extLst>
+          </p:cNvPr>
+          <p:cNvPicPr>
+            <a:picLocks noGrp="1" noRot="1" noChangeAspect="1" noMove="1" noResize="1" noEditPoints="1" noAdjustHandles="1" noChangeArrowheads="1" noChangeShapeType="1" noCrop="1"/>
+          </p:cNvPicPr>
+          <p:nvPr>
+            <p:extLst>
+              <p:ext uri="{386F3935-93C4-4BCD-93E2-E3B085C9AB24}">
+                <p16:designElem xmlns:p16="http://schemas.microsoft.com/office/powerpoint/2015/main" val="1"/>
+              </p:ext>
+            </p:extLst>
+          </p:nvPr>
+        </p:nvPicPr>
+        <p:blipFill rotWithShape="1">
+          <a:blip r:embed="rId7">
+            <a:extLst>
+              <a:ext uri="{28A0092B-C50C-407E-A947-70E740481C1C}">
+                <a14:useLocalDpi xmlns:a14="http://schemas.microsoft.com/office/drawing/2010/main" val="0"/>
+              </a:ext>
+            </a:extLst>
+          </a:blip>
+          <a:srcRect b="23320"/>
+          <a:stretch/>
+        </p:blipFill>
+        <p:spPr>
+          <a:xfrm>
+            <a:off x="8609012" y="6096000"/>
+            <a:ext cx="993734" cy="762000"/>
+          </a:xfrm>
+          <a:prstGeom prst="rect">
+            <a:avLst/>
+          </a:prstGeom>
+        </p:spPr>
+      </p:pic>
+      <p:sp>
+        <p:nvSpPr>
+          <p:cNvPr id="145" name="Rectangle 144">
+            <a:extLst>
+              <a:ext uri="{FF2B5EF4-FFF2-40B4-BE49-F238E27FC236}">
+                <a16:creationId xmlns:a16="http://schemas.microsoft.com/office/drawing/2014/main" id="{93E59372-1F66-480B-ADD0-8000A0547360}"/>
+              </a:ext>
+              <a:ext uri="{C183D7F6-B498-43B3-948B-1728B52AA6E4}">
+                <adec:decorative xmlns:adec="http://schemas.microsoft.com/office/drawing/2017/decorative" val="1"/>
+              </a:ext>
+            </a:extLst>
+          </p:cNvPr>
+          <p:cNvSpPr>
+            <a:spLocks noGrp="1" noRot="1" noChangeAspect="1" noMove="1" noResize="1" noEditPoints="1" noAdjustHandles="1" noChangeArrowheads="1" noChangeShapeType="1" noTextEdit="1"/>
+          </p:cNvSpPr>
+          <p:nvPr>
+            <p:extLst>
+              <p:ext uri="{386F3935-93C4-4BCD-93E2-E3B085C9AB24}">
+                <p16:designElem xmlns:p16="http://schemas.microsoft.com/office/powerpoint/2015/main" val="1"/>
+              </p:ext>
+            </p:extLst>
+          </p:nvPr>
+        </p:nvSpPr>
+        <p:spPr>
+          <a:xfrm>
+            <a:off x="10437812" y="0"/>
+            <a:ext cx="685800" cy="1143000"/>
+          </a:xfrm>
+          <a:prstGeom prst="rect">
+            <a:avLst/>
+          </a:prstGeom>
           <a:solidFill>
-            <a:schemeClr val="tx1">
-              <a:alpha val="20000"/>
-            </a:schemeClr>
+            <a:schemeClr val="accent1"/>
           </a:solidFill>
           <a:ln>
             <a:noFill/>
           </a:ln>
         </p:spPr>
-        <p:txBody>
-          <a:bodyPr rtlCol="0" anchor="ctr"/>
-          <a:lstStyle/>
-          <a:p>
-            <a:pPr algn="ctr"/>
-            <a:endParaRPr lang="en-US">
-              <a:solidFill>
-                <a:schemeClr val="tx1"/>
-              </a:solidFill>
-            </a:endParaRPr>
-          </a:p>
-        </p:txBody>
+        <p:style>
+          <a:lnRef idx="1">
+            <a:schemeClr val="accent1"/>
+          </a:lnRef>
+          <a:fillRef idx="3">
+            <a:schemeClr val="accent1"/>
+          </a:fillRef>
+          <a:effectRef idx="2">
+            <a:schemeClr val="accent1"/>
+          </a:effectRef>
+          <a:fontRef idx="minor">
+            <a:schemeClr val="lt1"/>
+          </a:fontRef>
+        </p:style>
       </p:sp>
       <p:sp>
         <p:nvSpPr>
@@ -16589,18 +16681,18 @@
         </p:nvSpPr>
         <p:spPr>
           <a:xfrm>
-            <a:off x="646111" y="452718"/>
-            <a:ext cx="9404723" cy="1180711"/>
+            <a:off x="7400518" y="1447800"/>
+            <a:ext cx="4143781" cy="3096987"/>
           </a:xfrm>
         </p:spPr>
         <p:txBody>
-          <a:bodyPr>
+          <a:bodyPr vert="horz" lIns="91440" tIns="45720" rIns="91440" bIns="45720" rtlCol="0" anchor="b">
             <a:normAutofit/>
           </a:bodyPr>
           <a:lstStyle/>
           <a:p>
             <a:r>
-              <a:rPr lang="en-US" dirty="0"/>
+              <a:rPr lang="en-US" sz="5400"/>
               <a:t>Analysis - Heatmap</a:t>
             </a:r>
           </a:p>
@@ -16608,10 +16700,52 @@
       </p:sp>
       <p:sp>
         <p:nvSpPr>
-          <p:cNvPr id="73" name="Rectangle 72">
+          <p:cNvPr id="5" name="Content Placeholder 4">
             <a:extLst>
               <a:ext uri="{FF2B5EF4-FFF2-40B4-BE49-F238E27FC236}">
-                <a16:creationId xmlns:a16="http://schemas.microsoft.com/office/drawing/2014/main" id="{30229322-788F-4D9D-B670-83490ECE437D}"/>
+                <a16:creationId xmlns:a16="http://schemas.microsoft.com/office/drawing/2014/main" id="{0611D447-055A-4B02-8E8E-EAF407BE6326}"/>
+              </a:ext>
+            </a:extLst>
+          </p:cNvPr>
+          <p:cNvSpPr>
+            <a:spLocks noGrp="1"/>
+          </p:cNvSpPr>
+          <p:nvPr>
+            <p:ph idx="1"/>
+          </p:nvPr>
+        </p:nvSpPr>
+        <p:spPr>
+          <a:xfrm>
+            <a:off x="7400518" y="4740729"/>
+            <a:ext cx="4143781" cy="1469570"/>
+          </a:xfrm>
+        </p:spPr>
+        <p:txBody>
+          <a:bodyPr vert="horz" lIns="91440" tIns="45720" rIns="91440" bIns="45720" rtlCol="0" anchor="t">
+            <a:normAutofit/>
+          </a:bodyPr>
+          <a:lstStyle/>
+          <a:p>
+            <a:pPr marL="0" indent="0">
+              <a:buNone/>
+            </a:pPr>
+            <a:r>
+              <a:rPr lang="en-US" sz="1800" cap="all">
+                <a:solidFill>
+                  <a:schemeClr val="accent1"/>
+                </a:solidFill>
+              </a:rPr>
+              <a:t>Serum creatinine has a high correlation comparatively </a:t>
+            </a:r>
+          </a:p>
+        </p:txBody>
+      </p:sp>
+      <p:sp>
+        <p:nvSpPr>
+          <p:cNvPr id="147" name="Rectangle 146">
+            <a:extLst>
+              <a:ext uri="{FF2B5EF4-FFF2-40B4-BE49-F238E27FC236}">
+                <a16:creationId xmlns:a16="http://schemas.microsoft.com/office/drawing/2014/main" id="{A4193045-6203-49D2-B6C8-9E9AEFB4E898}"/>
               </a:ext>
               <a:ext uri="{C183D7F6-B498-43B3-948B-1728B52AA6E4}">
                 <adec:decorative xmlns:adec="http://schemas.microsoft.com/office/drawing/2017/decorative" val="1"/>
@@ -16631,8 +16765,8 @@
         </p:nvSpPr>
         <p:spPr>
           <a:xfrm>
-            <a:off x="1" y="3924298"/>
-            <a:ext cx="12192417" cy="2933702"/>
+            <a:off x="0" y="0"/>
+            <a:ext cx="6090565" cy="6858000"/>
           </a:xfrm>
           <a:prstGeom prst="rect">
             <a:avLst/>
@@ -16671,10 +16805,10 @@
       </p:sp>
       <p:sp>
         <p:nvSpPr>
-          <p:cNvPr id="75" name="Freeform 5">
+          <p:cNvPr id="149" name="Freeform 27">
             <a:extLst>
               <a:ext uri="{FF2B5EF4-FFF2-40B4-BE49-F238E27FC236}">
-                <a16:creationId xmlns:a16="http://schemas.microsoft.com/office/drawing/2014/main" id="{ADF4A6DD-CB54-40FE-922D-F885BAA4EA21}"/>
+                <a16:creationId xmlns:a16="http://schemas.microsoft.com/office/drawing/2014/main" id="{D1266691-328C-490E-BF64-A9118CE392AD}"/>
               </a:ext>
               <a:ext uri="{C183D7F6-B498-43B3-948B-1728B52AA6E4}">
                 <adec:decorative xmlns:adec="http://schemas.microsoft.com/office/drawing/2017/decorative" val="1"/>
@@ -16692,10 +16826,362 @@
             </p:extLst>
           </p:nvPr>
         </p:nvSpPr>
+        <p:spPr>
+          <a:xfrm flipH="1">
+            <a:off x="6649646" y="-1"/>
+            <a:ext cx="559472" cy="3709642"/>
+          </a:xfrm>
+          <a:custGeom>
+            <a:avLst/>
+            <a:gdLst>
+              <a:gd name="connsiteX0" fmla="*/ 0 w 559472"/>
+              <a:gd name="connsiteY0" fmla="*/ 0 h 3709642"/>
+              <a:gd name="connsiteX1" fmla="*/ 473952 w 559472"/>
+              <a:gd name="connsiteY1" fmla="*/ 0 h 3709642"/>
+              <a:gd name="connsiteX2" fmla="*/ 485840 w 559472"/>
+              <a:gd name="connsiteY2" fmla="*/ 161194 h 3709642"/>
+              <a:gd name="connsiteX3" fmla="*/ 523949 w 559472"/>
+              <a:gd name="connsiteY3" fmla="*/ 3672197 h 3709642"/>
+              <a:gd name="connsiteX4" fmla="*/ 454748 w 559472"/>
+              <a:gd name="connsiteY4" fmla="*/ 3709642 h 3709642"/>
+              <a:gd name="connsiteX5" fmla="*/ 448224 w 559472"/>
+              <a:gd name="connsiteY5" fmla="*/ 3510471 h 3709642"/>
+              <a:gd name="connsiteX6" fmla="*/ 443564 w 559472"/>
+              <a:gd name="connsiteY6" fmla="*/ 3408563 h 3709642"/>
+              <a:gd name="connsiteX7" fmla="*/ 438902 w 559472"/>
+              <a:gd name="connsiteY7" fmla="*/ 3304407 h 3709642"/>
+              <a:gd name="connsiteX8" fmla="*/ 433941 w 559472"/>
+              <a:gd name="connsiteY8" fmla="*/ 3198777 h 3709642"/>
+              <a:gd name="connsiteX9" fmla="*/ 427584 w 559472"/>
+              <a:gd name="connsiteY9" fmla="*/ 3092510 h 3709642"/>
+              <a:gd name="connsiteX10" fmla="*/ 420988 w 559472"/>
+              <a:gd name="connsiteY10" fmla="*/ 2984390 h 3709642"/>
+              <a:gd name="connsiteX11" fmla="*/ 414330 w 559472"/>
+              <a:gd name="connsiteY11" fmla="*/ 2874401 h 3709642"/>
+              <a:gd name="connsiteX12" fmla="*/ 406840 w 559472"/>
+              <a:gd name="connsiteY12" fmla="*/ 2762980 h 3709642"/>
+              <a:gd name="connsiteX13" fmla="*/ 397745 w 559472"/>
+              <a:gd name="connsiteY13" fmla="*/ 2650566 h 3709642"/>
+              <a:gd name="connsiteX14" fmla="*/ 389154 w 559472"/>
+              <a:gd name="connsiteY14" fmla="*/ 2536612 h 3709642"/>
+              <a:gd name="connsiteX15" fmla="*/ 379225 w 559472"/>
+              <a:gd name="connsiteY15" fmla="*/ 2421642 h 3709642"/>
+              <a:gd name="connsiteX16" fmla="*/ 368316 w 559472"/>
+              <a:gd name="connsiteY16" fmla="*/ 2305627 h 3709642"/>
+              <a:gd name="connsiteX17" fmla="*/ 357466 w 559472"/>
+              <a:gd name="connsiteY17" fmla="*/ 2189233 h 3709642"/>
+              <a:gd name="connsiteX18" fmla="*/ 344982 w 559472"/>
+              <a:gd name="connsiteY18" fmla="*/ 2071473 h 3709642"/>
+              <a:gd name="connsiteX19" fmla="*/ 332466 w 559472"/>
+              <a:gd name="connsiteY19" fmla="*/ 1952216 h 3709642"/>
+              <a:gd name="connsiteX20" fmla="*/ 319121 w 559472"/>
+              <a:gd name="connsiteY20" fmla="*/ 1833776 h 3709642"/>
+              <a:gd name="connsiteX21" fmla="*/ 304408 w 559472"/>
+              <a:gd name="connsiteY21" fmla="*/ 1713948 h 3709642"/>
+              <a:gd name="connsiteX22" fmla="*/ 288685 w 559472"/>
+              <a:gd name="connsiteY22" fmla="*/ 1592703 h 3709642"/>
+              <a:gd name="connsiteX23" fmla="*/ 273050 w 559472"/>
+              <a:gd name="connsiteY23" fmla="*/ 1471451 h 3709642"/>
+              <a:gd name="connsiteX24" fmla="*/ 255813 w 559472"/>
+              <a:gd name="connsiteY24" fmla="*/ 1350328 h 3709642"/>
+              <a:gd name="connsiteX25" fmla="*/ 237060 w 559472"/>
+              <a:gd name="connsiteY25" fmla="*/ 1227080 h 3709642"/>
+              <a:gd name="connsiteX26" fmla="*/ 218488 w 559472"/>
+              <a:gd name="connsiteY26" fmla="*/ 1106065 h 3709642"/>
+              <a:gd name="connsiteX27" fmla="*/ 198221 w 559472"/>
+              <a:gd name="connsiteY27" fmla="*/ 982940 h 3709642"/>
+              <a:gd name="connsiteX28" fmla="*/ 177152 w 559472"/>
+              <a:gd name="connsiteY28" fmla="*/ 858755 h 3709642"/>
+              <a:gd name="connsiteX29" fmla="*/ 155551 w 559472"/>
+              <a:gd name="connsiteY29" fmla="*/ 736861 h 3709642"/>
+              <a:gd name="connsiteX30" fmla="*/ 131782 w 559472"/>
+              <a:gd name="connsiteY30" fmla="*/ 613645 h 3709642"/>
+              <a:gd name="connsiteX31" fmla="*/ 107123 w 559472"/>
+              <a:gd name="connsiteY31" fmla="*/ 490500 h 3709642"/>
+              <a:gd name="connsiteX32" fmla="*/ 82552 w 559472"/>
+              <a:gd name="connsiteY32" fmla="*/ 367348 h 3709642"/>
+              <a:gd name="connsiteX33" fmla="*/ 55608 w 559472"/>
+              <a:gd name="connsiteY33" fmla="*/ 244762 h 3709642"/>
+              <a:gd name="connsiteX34" fmla="*/ 28130 w 559472"/>
+              <a:gd name="connsiteY34" fmla="*/ 122220 h 3709642"/>
+              <a:gd name="connsiteX35" fmla="*/ 0 w 559472"/>
+              <a:gd name="connsiteY35" fmla="*/ 0 h 3709642"/>
+            </a:gdLst>
+            <a:ahLst/>
+            <a:cxnLst>
+              <a:cxn ang="0">
+                <a:pos x="connsiteX0" y="connsiteY0"/>
+              </a:cxn>
+              <a:cxn ang="0">
+                <a:pos x="connsiteX1" y="connsiteY1"/>
+              </a:cxn>
+              <a:cxn ang="0">
+                <a:pos x="connsiteX2" y="connsiteY2"/>
+              </a:cxn>
+              <a:cxn ang="0">
+                <a:pos x="connsiteX3" y="connsiteY3"/>
+              </a:cxn>
+              <a:cxn ang="0">
+                <a:pos x="connsiteX4" y="connsiteY4"/>
+              </a:cxn>
+              <a:cxn ang="0">
+                <a:pos x="connsiteX5" y="connsiteY5"/>
+              </a:cxn>
+              <a:cxn ang="0">
+                <a:pos x="connsiteX6" y="connsiteY6"/>
+              </a:cxn>
+              <a:cxn ang="0">
+                <a:pos x="connsiteX7" y="connsiteY7"/>
+              </a:cxn>
+              <a:cxn ang="0">
+                <a:pos x="connsiteX8" y="connsiteY8"/>
+              </a:cxn>
+              <a:cxn ang="0">
+                <a:pos x="connsiteX9" y="connsiteY9"/>
+              </a:cxn>
+              <a:cxn ang="0">
+                <a:pos x="connsiteX10" y="connsiteY10"/>
+              </a:cxn>
+              <a:cxn ang="0">
+                <a:pos x="connsiteX11" y="connsiteY11"/>
+              </a:cxn>
+              <a:cxn ang="0">
+                <a:pos x="connsiteX12" y="connsiteY12"/>
+              </a:cxn>
+              <a:cxn ang="0">
+                <a:pos x="connsiteX13" y="connsiteY13"/>
+              </a:cxn>
+              <a:cxn ang="0">
+                <a:pos x="connsiteX14" y="connsiteY14"/>
+              </a:cxn>
+              <a:cxn ang="0">
+                <a:pos x="connsiteX15" y="connsiteY15"/>
+              </a:cxn>
+              <a:cxn ang="0">
+                <a:pos x="connsiteX16" y="connsiteY16"/>
+              </a:cxn>
+              <a:cxn ang="0">
+                <a:pos x="connsiteX17" y="connsiteY17"/>
+              </a:cxn>
+              <a:cxn ang="0">
+                <a:pos x="connsiteX18" y="connsiteY18"/>
+              </a:cxn>
+              <a:cxn ang="0">
+                <a:pos x="connsiteX19" y="connsiteY19"/>
+              </a:cxn>
+              <a:cxn ang="0">
+                <a:pos x="connsiteX20" y="connsiteY20"/>
+              </a:cxn>
+              <a:cxn ang="0">
+                <a:pos x="connsiteX21" y="connsiteY21"/>
+              </a:cxn>
+              <a:cxn ang="0">
+                <a:pos x="connsiteX22" y="connsiteY22"/>
+              </a:cxn>
+              <a:cxn ang="0">
+                <a:pos x="connsiteX23" y="connsiteY23"/>
+              </a:cxn>
+              <a:cxn ang="0">
+                <a:pos x="connsiteX24" y="connsiteY24"/>
+              </a:cxn>
+              <a:cxn ang="0">
+                <a:pos x="connsiteX25" y="connsiteY25"/>
+              </a:cxn>
+              <a:cxn ang="0">
+                <a:pos x="connsiteX26" y="connsiteY26"/>
+              </a:cxn>
+              <a:cxn ang="0">
+                <a:pos x="connsiteX27" y="connsiteY27"/>
+              </a:cxn>
+              <a:cxn ang="0">
+                <a:pos x="connsiteX28" y="connsiteY28"/>
+              </a:cxn>
+              <a:cxn ang="0">
+                <a:pos x="connsiteX29" y="connsiteY29"/>
+              </a:cxn>
+              <a:cxn ang="0">
+                <a:pos x="connsiteX30" y="connsiteY30"/>
+              </a:cxn>
+              <a:cxn ang="0">
+                <a:pos x="connsiteX31" y="connsiteY31"/>
+              </a:cxn>
+              <a:cxn ang="0">
+                <a:pos x="connsiteX32" y="connsiteY32"/>
+              </a:cxn>
+              <a:cxn ang="0">
+                <a:pos x="connsiteX33" y="connsiteY33"/>
+              </a:cxn>
+              <a:cxn ang="0">
+                <a:pos x="connsiteX34" y="connsiteY34"/>
+              </a:cxn>
+              <a:cxn ang="0">
+                <a:pos x="connsiteX35" y="connsiteY35"/>
+              </a:cxn>
+            </a:cxnLst>
+            <a:rect l="l" t="t" r="r" b="b"/>
+            <a:pathLst>
+              <a:path w="559472" h="3709642">
+                <a:moveTo>
+                  <a:pt x="0" y="0"/>
+                </a:moveTo>
+                <a:lnTo>
+                  <a:pt x="473952" y="0"/>
+                </a:lnTo>
+                <a:lnTo>
+                  <a:pt x="485840" y="161194"/>
+                </a:lnTo>
+                <a:cubicBezTo>
+                  <a:pt x="552063" y="1147770"/>
+                  <a:pt x="592441" y="3086737"/>
+                  <a:pt x="523949" y="3672197"/>
+                </a:cubicBezTo>
+                <a:cubicBezTo>
+                  <a:pt x="500842" y="3684557"/>
+                  <a:pt x="477855" y="3697282"/>
+                  <a:pt x="454748" y="3709642"/>
+                </a:cubicBezTo>
+                <a:lnTo>
+                  <a:pt x="448224" y="3510471"/>
+                </a:lnTo>
+                <a:lnTo>
+                  <a:pt x="443564" y="3408563"/>
+                </a:lnTo>
+                <a:lnTo>
+                  <a:pt x="438902" y="3304407"/>
+                </a:lnTo>
+                <a:lnTo>
+                  <a:pt x="433941" y="3198777"/>
+                </a:lnTo>
+                <a:lnTo>
+                  <a:pt x="427584" y="3092510"/>
+                </a:lnTo>
+                <a:lnTo>
+                  <a:pt x="420988" y="2984390"/>
+                </a:lnTo>
+                <a:lnTo>
+                  <a:pt x="414330" y="2874401"/>
+                </a:lnTo>
+                <a:lnTo>
+                  <a:pt x="406840" y="2762980"/>
+                </a:lnTo>
+                <a:lnTo>
+                  <a:pt x="397745" y="2650566"/>
+                </a:lnTo>
+                <a:lnTo>
+                  <a:pt x="389154" y="2536612"/>
+                </a:lnTo>
+                <a:lnTo>
+                  <a:pt x="379225" y="2421642"/>
+                </a:lnTo>
+                <a:lnTo>
+                  <a:pt x="368316" y="2305627"/>
+                </a:lnTo>
+                <a:lnTo>
+                  <a:pt x="357466" y="2189233"/>
+                </a:lnTo>
+                <a:lnTo>
+                  <a:pt x="344982" y="2071473"/>
+                </a:lnTo>
+                <a:lnTo>
+                  <a:pt x="332466" y="1952216"/>
+                </a:lnTo>
+                <a:lnTo>
+                  <a:pt x="319121" y="1833776"/>
+                </a:lnTo>
+                <a:lnTo>
+                  <a:pt x="304408" y="1713948"/>
+                </a:lnTo>
+                <a:lnTo>
+                  <a:pt x="288685" y="1592703"/>
+                </a:lnTo>
+                <a:lnTo>
+                  <a:pt x="273050" y="1471451"/>
+                </a:lnTo>
+                <a:lnTo>
+                  <a:pt x="255813" y="1350328"/>
+                </a:lnTo>
+                <a:lnTo>
+                  <a:pt x="237060" y="1227080"/>
+                </a:lnTo>
+                <a:lnTo>
+                  <a:pt x="218488" y="1106065"/>
+                </a:lnTo>
+                <a:lnTo>
+                  <a:pt x="198221" y="982940"/>
+                </a:lnTo>
+                <a:lnTo>
+                  <a:pt x="177152" y="858755"/>
+                </a:lnTo>
+                <a:lnTo>
+                  <a:pt x="155551" y="736861"/>
+                </a:lnTo>
+                <a:lnTo>
+                  <a:pt x="131782" y="613645"/>
+                </a:lnTo>
+                <a:lnTo>
+                  <a:pt x="107123" y="490500"/>
+                </a:lnTo>
+                <a:lnTo>
+                  <a:pt x="82552" y="367348"/>
+                </a:lnTo>
+                <a:lnTo>
+                  <a:pt x="55608" y="244762"/>
+                </a:lnTo>
+                <a:lnTo>
+                  <a:pt x="28130" y="122220"/>
+                </a:lnTo>
+                <a:lnTo>
+                  <a:pt x="0" y="0"/>
+                </a:lnTo>
+                <a:close/>
+              </a:path>
+            </a:pathLst>
+          </a:custGeom>
+          <a:solidFill>
+            <a:schemeClr val="tx1">
+              <a:alpha val="20000"/>
+            </a:schemeClr>
+          </a:solidFill>
+          <a:ln>
+            <a:noFill/>
+          </a:ln>
+        </p:spPr>
+        <p:txBody>
+          <a:bodyPr rtlCol="0" anchor="ctr"/>
+          <a:lstStyle/>
+          <a:p>
+            <a:pPr algn="ctr"/>
+            <a:endParaRPr lang="en-US"/>
+          </a:p>
+        </p:txBody>
+      </p:sp>
+      <p:sp>
+        <p:nvSpPr>
+          <p:cNvPr id="151" name="Freeform 5">
+            <a:extLst>
+              <a:ext uri="{FF2B5EF4-FFF2-40B4-BE49-F238E27FC236}">
+                <a16:creationId xmlns:a16="http://schemas.microsoft.com/office/drawing/2014/main" id="{616614DD-5614-427D-9C05-739E6F74335B}"/>
+              </a:ext>
+              <a:ext uri="{C183D7F6-B498-43B3-948B-1728B52AA6E4}">
+                <adec:decorative xmlns:adec="http://schemas.microsoft.com/office/drawing/2017/decorative" val="1"/>
+              </a:ext>
+            </a:extLst>
+          </p:cNvPr>
+          <p:cNvSpPr>
+            <a:spLocks noGrp="1" noRot="1" noChangeAspect="1" noMove="1" noResize="1" noEditPoints="1" noAdjustHandles="1" noChangeArrowheads="1" noChangeShapeType="1" noTextEdit="1"/>
+          </p:cNvSpPr>
+          <p:nvPr>
+            <p:extLst>
+              <p:ext uri="{386F3935-93C4-4BCD-93E2-E3B085C9AB24}">
+                <p16:designElem xmlns:p16="http://schemas.microsoft.com/office/powerpoint/2015/main" val="1"/>
+              </p:ext>
+            </p:extLst>
+          </p:nvPr>
+        </p:nvSpPr>
         <p:spPr bwMode="gray">
-          <a:xfrm>
-            <a:off x="1" y="1762067"/>
-            <a:ext cx="12191695" cy="2802467"/>
+          <a:xfrm rot="5400000" flipH="1">
+            <a:off x="2894561" y="2756642"/>
+            <a:ext cx="6858000" cy="1344715"/>
           </a:xfrm>
           <a:custGeom>
             <a:avLst/>
@@ -16870,74 +17356,6 @@
           </a:ln>
         </p:spPr>
       </p:sp>
-      <p:sp>
-        <p:nvSpPr>
-          <p:cNvPr id="5" name="Content Placeholder 4">
-            <a:extLst>
-              <a:ext uri="{FF2B5EF4-FFF2-40B4-BE49-F238E27FC236}">
-                <a16:creationId xmlns:a16="http://schemas.microsoft.com/office/drawing/2014/main" id="{0611D447-055A-4B02-8E8E-EAF407BE6326}"/>
-              </a:ext>
-            </a:extLst>
-          </p:cNvPr>
-          <p:cNvSpPr>
-            <a:spLocks noGrp="1"/>
-          </p:cNvSpPr>
-          <p:nvPr>
-            <p:ph idx="1"/>
-          </p:nvPr>
-        </p:nvSpPr>
-        <p:spPr>
-          <a:xfrm>
-            <a:off x="643856" y="2548281"/>
-            <a:ext cx="7152860" cy="3654389"/>
-          </a:xfrm>
-        </p:spPr>
-        <p:txBody>
-          <a:bodyPr>
-            <a:normAutofit/>
-          </a:bodyPr>
-          <a:lstStyle/>
-          <a:p>
-            <a:r>
-              <a:rPr lang="en-US">
-                <a:solidFill>
-                  <a:schemeClr val="bg1"/>
-                </a:solidFill>
-              </a:rPr>
-              <a:t>Serum creatinine has a high correlation comparatively </a:t>
-            </a:r>
-          </a:p>
-        </p:txBody>
-      </p:sp>
-      <p:pic>
-        <p:nvPicPr>
-          <p:cNvPr id="6" name="Picture 5" descr="Graphical user interface, application&#10;&#10;Description automatically generated">
-            <a:extLst>
-              <a:ext uri="{FF2B5EF4-FFF2-40B4-BE49-F238E27FC236}">
-                <a16:creationId xmlns:a16="http://schemas.microsoft.com/office/drawing/2014/main" id="{35823476-1887-44AA-B57D-16DA4753E3A8}"/>
-              </a:ext>
-            </a:extLst>
-          </p:cNvPr>
-          <p:cNvPicPr/>
-          <p:nvPr/>
-        </p:nvPicPr>
-        <p:blipFill>
-          <a:blip r:embed="rId4"/>
-          <a:stretch>
-            <a:fillRect/>
-          </a:stretch>
-        </p:blipFill>
-        <p:spPr>
-          <a:xfrm>
-            <a:off x="8455801" y="2548281"/>
-            <a:ext cx="2761813" cy="1733038"/>
-          </a:xfrm>
-          <a:prstGeom prst="rect">
-            <a:avLst/>
-          </a:prstGeom>
-          <a:effectLst/>
-        </p:spPr>
-      </p:pic>
       <p:pic>
         <p:nvPicPr>
           <p:cNvPr id="5122" name="Picture 2">
@@ -16953,7 +17371,7 @@
           <p:nvPr/>
         </p:nvPicPr>
         <p:blipFill>
-          <a:blip r:embed="rId5">
+          <a:blip r:embed="rId8">
             <a:extLst>
               <a:ext uri="{28A0092B-C50C-407E-A947-70E740481C1C}">
                 <a14:useLocalDpi xmlns:a14="http://schemas.microsoft.com/office/drawing/2010/main" val="0"/>
@@ -16966,8 +17384,8 @@
         </p:blipFill>
         <p:spPr bwMode="auto">
           <a:xfrm>
-            <a:off x="8129872" y="4506464"/>
-            <a:ext cx="3413671" cy="1674631"/>
+            <a:off x="643855" y="673459"/>
+            <a:ext cx="5454404" cy="2675745"/>
           </a:xfrm>
           <a:prstGeom prst="rect">
             <a:avLst/>
@@ -16983,6 +17401,35 @@
               </a14:hiddenFill>
             </a:ext>
           </a:extLst>
+        </p:spPr>
+      </p:pic>
+      <p:pic>
+        <p:nvPicPr>
+          <p:cNvPr id="6" name="Picture 5" descr="Graphical user interface, application&#10;&#10;Description automatically generated">
+            <a:extLst>
+              <a:ext uri="{FF2B5EF4-FFF2-40B4-BE49-F238E27FC236}">
+                <a16:creationId xmlns:a16="http://schemas.microsoft.com/office/drawing/2014/main" id="{35823476-1887-44AA-B57D-16DA4753E3A8}"/>
+              </a:ext>
+            </a:extLst>
+          </p:cNvPr>
+          <p:cNvPicPr/>
+          <p:nvPr/>
+        </p:nvPicPr>
+        <p:blipFill>
+          <a:blip r:embed="rId9"/>
+          <a:stretch>
+            <a:fillRect/>
+          </a:stretch>
+        </p:blipFill>
+        <p:spPr>
+          <a:xfrm>
+            <a:off x="1195643" y="3482108"/>
+            <a:ext cx="4346978" cy="2727729"/>
+          </a:xfrm>
+          <a:prstGeom prst="rect">
+            <a:avLst/>
+          </a:prstGeom>
+          <a:effectLst/>
         </p:spPr>
       </p:pic>
     </p:spTree>
